--- a/Presentations/19 Jan 2026 RFdiffusion.pptx
+++ b/Presentations/19 Jan 2026 RFdiffusion.pptx
@@ -10,35 +10,40 @@
     <p:sldId id="268" r:id="rId4"/>
     <p:sldId id="269" r:id="rId5"/>
     <p:sldId id="270" r:id="rId6"/>
-    <p:sldId id="271" r:id="rId7"/>
-    <p:sldId id="272" r:id="rId8"/>
-    <p:sldId id="273" r:id="rId9"/>
-    <p:sldId id="274" r:id="rId10"/>
-    <p:sldId id="275" r:id="rId11"/>
-    <p:sldId id="276" r:id="rId12"/>
-    <p:sldId id="277" r:id="rId13"/>
-    <p:sldId id="278" r:id="rId14"/>
-    <p:sldId id="280" r:id="rId15"/>
-    <p:sldId id="265" r:id="rId16"/>
-    <p:sldId id="284" r:id="rId17"/>
-    <p:sldId id="289" r:id="rId18"/>
-    <p:sldId id="257" r:id="rId19"/>
-    <p:sldId id="258" r:id="rId20"/>
-    <p:sldId id="259" r:id="rId21"/>
-    <p:sldId id="281" r:id="rId22"/>
-    <p:sldId id="260" r:id="rId23"/>
-    <p:sldId id="282" r:id="rId24"/>
-    <p:sldId id="283" r:id="rId25"/>
-    <p:sldId id="261" r:id="rId26"/>
-    <p:sldId id="262" r:id="rId27"/>
-    <p:sldId id="263" r:id="rId28"/>
-    <p:sldId id="285" r:id="rId29"/>
-    <p:sldId id="286" r:id="rId30"/>
-    <p:sldId id="287" r:id="rId31"/>
-    <p:sldId id="288" r:id="rId32"/>
-    <p:sldId id="290" r:id="rId33"/>
-    <p:sldId id="266" r:id="rId34"/>
-    <p:sldId id="291" r:id="rId35"/>
+    <p:sldId id="296" r:id="rId7"/>
+    <p:sldId id="295" r:id="rId8"/>
+    <p:sldId id="271" r:id="rId9"/>
+    <p:sldId id="272" r:id="rId10"/>
+    <p:sldId id="273" r:id="rId11"/>
+    <p:sldId id="274" r:id="rId12"/>
+    <p:sldId id="275" r:id="rId13"/>
+    <p:sldId id="276" r:id="rId14"/>
+    <p:sldId id="277" r:id="rId15"/>
+    <p:sldId id="278" r:id="rId16"/>
+    <p:sldId id="280" r:id="rId17"/>
+    <p:sldId id="265" r:id="rId18"/>
+    <p:sldId id="284" r:id="rId19"/>
+    <p:sldId id="289" r:id="rId20"/>
+    <p:sldId id="257" r:id="rId21"/>
+    <p:sldId id="258" r:id="rId22"/>
+    <p:sldId id="259" r:id="rId23"/>
+    <p:sldId id="281" r:id="rId24"/>
+    <p:sldId id="260" r:id="rId25"/>
+    <p:sldId id="282" r:id="rId26"/>
+    <p:sldId id="283" r:id="rId27"/>
+    <p:sldId id="261" r:id="rId28"/>
+    <p:sldId id="262" r:id="rId29"/>
+    <p:sldId id="263" r:id="rId30"/>
+    <p:sldId id="285" r:id="rId31"/>
+    <p:sldId id="286" r:id="rId32"/>
+    <p:sldId id="287" r:id="rId33"/>
+    <p:sldId id="288" r:id="rId34"/>
+    <p:sldId id="290" r:id="rId35"/>
+    <p:sldId id="266" r:id="rId36"/>
+    <p:sldId id="291" r:id="rId37"/>
+    <p:sldId id="292" r:id="rId38"/>
+    <p:sldId id="293" r:id="rId39"/>
+    <p:sldId id="294" r:id="rId40"/>
   </p:sldIdLst>
   <p:sldSz cx="12192000" cy="6858000"/>
   <p:notesSz cx="6858000" cy="9144000"/>
@@ -335,7 +340,7 @@
           <a:p>
             <a:fld id="{5BCAD085-E8A6-8845-BD4E-CB4CCA059FC4}" type="datetimeFigureOut">
               <a:rPr lang="en-US" smtClean="0"/>
-              <a:t>1/8/2026</a:t>
+              <a:t>1/14/2026</a:t>
             </a:fld>
             <a:endParaRPr lang="en-US"/>
           </a:p>
@@ -503,7 +508,7 @@
           <a:p>
             <a:fld id="{5BCAD085-E8A6-8845-BD4E-CB4CCA059FC4}" type="datetimeFigureOut">
               <a:rPr lang="en-US" smtClean="0"/>
-              <a:t>1/8/2026</a:t>
+              <a:t>1/14/2026</a:t>
             </a:fld>
             <a:endParaRPr lang="en-US"/>
           </a:p>
@@ -681,7 +686,7 @@
           <a:p>
             <a:fld id="{5BCAD085-E8A6-8845-BD4E-CB4CCA059FC4}" type="datetimeFigureOut">
               <a:rPr lang="en-US" smtClean="0"/>
-              <a:t>1/8/2026</a:t>
+              <a:t>1/14/2026</a:t>
             </a:fld>
             <a:endParaRPr lang="en-US"/>
           </a:p>
@@ -849,7 +854,7 @@
           <a:p>
             <a:fld id="{5BCAD085-E8A6-8845-BD4E-CB4CCA059FC4}" type="datetimeFigureOut">
               <a:rPr lang="en-US" smtClean="0"/>
-              <a:t>1/8/2026</a:t>
+              <a:t>1/14/2026</a:t>
             </a:fld>
             <a:endParaRPr lang="en-US"/>
           </a:p>
@@ -1094,7 +1099,7 @@
           <a:p>
             <a:fld id="{5BCAD085-E8A6-8845-BD4E-CB4CCA059FC4}" type="datetimeFigureOut">
               <a:rPr lang="en-US" smtClean="0"/>
-              <a:t>1/8/2026</a:t>
+              <a:t>1/14/2026</a:t>
             </a:fld>
             <a:endParaRPr lang="en-US"/>
           </a:p>
@@ -1379,7 +1384,7 @@
           <a:p>
             <a:fld id="{5BCAD085-E8A6-8845-BD4E-CB4CCA059FC4}" type="datetimeFigureOut">
               <a:rPr lang="en-US" smtClean="0"/>
-              <a:t>1/8/2026</a:t>
+              <a:t>1/14/2026</a:t>
             </a:fld>
             <a:endParaRPr lang="en-US"/>
           </a:p>
@@ -1798,7 +1803,7 @@
           <a:p>
             <a:fld id="{5BCAD085-E8A6-8845-BD4E-CB4CCA059FC4}" type="datetimeFigureOut">
               <a:rPr lang="en-US" smtClean="0"/>
-              <a:t>1/8/2026</a:t>
+              <a:t>1/14/2026</a:t>
             </a:fld>
             <a:endParaRPr lang="en-US"/>
           </a:p>
@@ -1915,7 +1920,7 @@
           <a:p>
             <a:fld id="{5BCAD085-E8A6-8845-BD4E-CB4CCA059FC4}" type="datetimeFigureOut">
               <a:rPr lang="en-US" smtClean="0"/>
-              <a:t>1/8/2026</a:t>
+              <a:t>1/14/2026</a:t>
             </a:fld>
             <a:endParaRPr lang="en-US"/>
           </a:p>
@@ -2010,7 +2015,7 @@
           <a:p>
             <a:fld id="{5BCAD085-E8A6-8845-BD4E-CB4CCA059FC4}" type="datetimeFigureOut">
               <a:rPr lang="en-US" smtClean="0"/>
-              <a:t>1/8/2026</a:t>
+              <a:t>1/14/2026</a:t>
             </a:fld>
             <a:endParaRPr lang="en-US"/>
           </a:p>
@@ -2285,7 +2290,7 @@
           <a:p>
             <a:fld id="{5BCAD085-E8A6-8845-BD4E-CB4CCA059FC4}" type="datetimeFigureOut">
               <a:rPr lang="en-US" smtClean="0"/>
-              <a:t>1/8/2026</a:t>
+              <a:t>1/14/2026</a:t>
             </a:fld>
             <a:endParaRPr lang="en-US"/>
           </a:p>
@@ -2537,7 +2542,7 @@
           <a:p>
             <a:fld id="{5BCAD085-E8A6-8845-BD4E-CB4CCA059FC4}" type="datetimeFigureOut">
               <a:rPr lang="en-US" smtClean="0"/>
-              <a:t>1/8/2026</a:t>
+              <a:t>1/14/2026</a:t>
             </a:fld>
             <a:endParaRPr lang="en-US"/>
           </a:p>
@@ -2748,7 +2753,7 @@
           <a:p>
             <a:fld id="{5BCAD085-E8A6-8845-BD4E-CB4CCA059FC4}" type="datetimeFigureOut">
               <a:rPr lang="en-US" smtClean="0"/>
-              <a:t>1/8/2026</a:t>
+              <a:t>1/14/2026</a:t>
             </a:fld>
             <a:endParaRPr lang="en-US"/>
           </a:p>
@@ -3218,7 +3223,20 @@
           <a:lstStyle/>
           <a:p>
             <a:r>
-              <a:t>BindCraft vs RFdiffusion</a:t>
+              <a:rPr dirty="0" err="1"/>
+              <a:t>RFdiffusion</a:t>
+            </a:r>
+            <a:r>
+              <a:rPr dirty="0"/>
+              <a:t> vs </a:t>
+            </a:r>
+            <a:r>
+              <a:rPr lang="en-SG" dirty="0"/>
+              <a:t>Traditional </a:t>
+            </a:r>
+            <a:r>
+              <a:rPr dirty="0"/>
+              <a:t>Heuristic Pipelines</a:t>
             </a:r>
           </a:p>
         </p:txBody>
@@ -3239,54 +3257,65 @@
           <a:lstStyle/>
           <a:p>
             <a:r>
+              <a:rPr dirty="0"/>
+              <a:t>Diffusion: </a:t>
+            </a:r>
+            <a:r>
+              <a:rPr lang="en-SG" dirty="0"/>
+              <a:t>G</a:t>
+            </a:r>
+            <a:r>
+              <a:rPr dirty="0"/>
+              <a:t>lobal structure emerges naturally</a:t>
+            </a:r>
+          </a:p>
+          <a:p>
+            <a:r>
+              <a:rPr dirty="0"/>
+              <a:t>Heuristics: </a:t>
+            </a:r>
+            <a:r>
+              <a:rPr lang="en-SG" dirty="0"/>
+              <a:t>S</a:t>
+            </a:r>
+            <a:r>
               <a:rPr dirty="0" err="1"/>
-              <a:t>BindCraft</a:t>
+              <a:t>tructure</a:t>
             </a:r>
             <a:r>
               <a:rPr dirty="0"/>
-              <a:t> explores sequence space first</a:t>
-            </a:r>
-          </a:p>
-          <a:p>
-            <a:r>
-              <a:rPr dirty="0" err="1"/>
-              <a:t>RFdiffusion</a:t>
-            </a:r>
+              <a:t> emerges only if scoring succeeds</a:t>
+            </a:r>
+          </a:p>
+          <a:p>
             <a:r>
               <a:rPr dirty="0"/>
-              <a:t> explores structure space first</a:t>
-            </a:r>
-          </a:p>
-          <a:p>
-            <a:r>
-              <a:rPr dirty="0" err="1"/>
-              <a:t>BindCraft</a:t>
-            </a:r>
+              <a:t>Diffusion reduces dependency on </a:t>
+            </a:r>
+            <a:r>
+              <a:rPr lang="en-SG" dirty="0"/>
+              <a:t>getting scoring/filtering criteria right</a:t>
+            </a:r>
+          </a:p>
+          <a:p>
+            <a:pPr lvl="1"/>
+            <a:r>
+              <a:rPr lang="en-SG" dirty="0"/>
+              <a:t>Energy functions, heuristic filters, manually tuned variables, etc have to be correct in Traditional approaches</a:t>
+            </a:r>
+          </a:p>
+          <a:p>
             <a:r>
               <a:rPr dirty="0"/>
-              <a:t> relies heavily on AF2 cost</a:t>
-            </a:r>
-          </a:p>
-          <a:p>
-            <a:r>
-              <a:rPr dirty="0" err="1"/>
-              <a:t>RFdiffusion</a:t>
-            </a:r>
-            <a:r>
-              <a:rPr dirty="0"/>
-              <a:t> </a:t>
-            </a:r>
+              <a:t>Better coverage of structural space</a:t>
+            </a:r>
+            <a:endParaRPr lang="en-SG" dirty="0"/>
+          </a:p>
+          <a:p>
+            <a:pPr lvl="1"/>
             <a:r>
               <a:rPr lang="en-SG" dirty="0"/>
-              <a:t>has</a:t>
-            </a:r>
-            <a:r>
-              <a:rPr dirty="0"/>
-              <a:t> structure knowledge in the model</a:t>
-            </a:r>
-            <a:r>
-              <a:rPr lang="en-SG" dirty="0"/>
-              <a:t> itself</a:t>
+              <a:t>Can explore the full range of possible structures</a:t>
             </a:r>
             <a:endParaRPr dirty="0"/>
           </a:p>
@@ -3333,12 +3362,7 @@
           <a:lstStyle/>
           <a:p>
             <a:r>
-              <a:rPr dirty="0" err="1"/>
-              <a:t>BoltzGen</a:t>
-            </a:r>
-            <a:r>
-              <a:rPr dirty="0"/>
-              <a:t> and Related Generative Models</a:t>
+              <a:t>BindCraft (AlphaFold-Guided Mutation)</a:t>
             </a:r>
           </a:p>
         </p:txBody>
@@ -3355,115 +3379,46 @@
         </p:nvSpPr>
         <p:spPr/>
         <p:txBody>
-          <a:bodyPr>
-            <a:normAutofit fontScale="77500" lnSpcReduction="20000"/>
-          </a:bodyPr>
+          <a:bodyPr/>
           <a:lstStyle/>
           <a:p>
             <a:r>
               <a:rPr dirty="0"/>
-              <a:t>Often focus on ligand or binding energy generation</a:t>
+              <a:t>Starts from random or semi-random sequences</a:t>
+            </a:r>
+          </a:p>
+          <a:p>
+            <a:r>
+              <a:rPr dirty="0"/>
+              <a:t>Uses AlphaFold2 </a:t>
+            </a:r>
+            <a:r>
+              <a:rPr lang="en-SG" dirty="0"/>
+              <a:t>to guide the process</a:t>
+            </a:r>
+            <a:endParaRPr dirty="0"/>
+          </a:p>
+          <a:p>
+            <a:r>
+              <a:rPr dirty="0" err="1"/>
+              <a:t>Optimises</a:t>
+            </a:r>
+            <a:r>
+              <a:rPr dirty="0"/>
+              <a:t> sequences via staged mutation and filtering</a:t>
+            </a:r>
+          </a:p>
+          <a:p>
+            <a:r>
+              <a:rPr dirty="0"/>
+              <a:t>Structure emerges through repeated AF2 evaluations</a:t>
             </a:r>
             <a:endParaRPr lang="en-SG" dirty="0"/>
           </a:p>
           <a:p>
-            <a:pPr lvl="1"/>
-            <a:r>
-              <a:rPr lang="en-US" dirty="0"/>
-              <a:t>Energy landscapes and Boltzmann distributions</a:t>
-            </a:r>
-            <a:endParaRPr dirty="0"/>
-          </a:p>
-          <a:p>
             <a:r>
               <a:rPr lang="en-SG" dirty="0"/>
-              <a:t>Focused on statistical mechanics</a:t>
-            </a:r>
-          </a:p>
-          <a:p>
-            <a:r>
-              <a:rPr lang="en-SG" dirty="0"/>
-              <a:t>Good for:</a:t>
-            </a:r>
-          </a:p>
-          <a:p>
-            <a:pPr lvl="1"/>
-            <a:r>
-              <a:rPr lang="en-SG" dirty="0"/>
-              <a:t>Small molecules</a:t>
-            </a:r>
-          </a:p>
-          <a:p>
-            <a:pPr lvl="1"/>
-            <a:r>
-              <a:rPr lang="en-SG" dirty="0"/>
-              <a:t>Side chains</a:t>
-            </a:r>
-            <a:endParaRPr dirty="0"/>
-          </a:p>
-          <a:p>
-            <a:r>
-              <a:rPr dirty="0"/>
-              <a:t>Strong chemistry modelling but limited </a:t>
-            </a:r>
-            <a:r>
-              <a:rPr dirty="0" err="1"/>
-              <a:t>topolog</a:t>
-            </a:r>
-            <a:r>
-              <a:rPr lang="en-SG" dirty="0" err="1"/>
-              <a:t>ical</a:t>
-            </a:r>
-            <a:r>
-              <a:rPr lang="en-SG" dirty="0"/>
-              <a:t> freedom</a:t>
-            </a:r>
-          </a:p>
-          <a:p>
-            <a:pPr lvl="1"/>
-            <a:r>
-              <a:rPr lang="en-SG" dirty="0"/>
-              <a:t>Also all-atom but assumes mostly fixed backbone</a:t>
-            </a:r>
-          </a:p>
-          <a:p>
-            <a:pPr lvl="1"/>
-            <a:r>
-              <a:rPr lang="en-SG" dirty="0"/>
-              <a:t>Can’t easily invent new global folds</a:t>
-            </a:r>
-          </a:p>
-          <a:p>
-            <a:r>
-              <a:rPr dirty="0"/>
-              <a:t>Typically not end-to-end structure generators</a:t>
-            </a:r>
-            <a:endParaRPr lang="en-SG" dirty="0"/>
-          </a:p>
-          <a:p>
-            <a:r>
-              <a:rPr lang="en-US" dirty="0" err="1"/>
-              <a:t>BoltzGen</a:t>
-            </a:r>
-            <a:r>
-              <a:rPr lang="en-US" dirty="0"/>
-              <a:t> </a:t>
-            </a:r>
-            <a:r>
-              <a:rPr lang="en-US" dirty="0" err="1"/>
-              <a:t>internalises</a:t>
-            </a:r>
-            <a:r>
-              <a:rPr lang="en-US" dirty="0"/>
-              <a:t> physical chemistry rules (bond geometry, </a:t>
-            </a:r>
-            <a:r>
-              <a:rPr lang="en-US" dirty="0" err="1"/>
-              <a:t>sterics</a:t>
-            </a:r>
-            <a:r>
-              <a:rPr lang="en-US" dirty="0"/>
-              <a:t>, and energy landscapes), but assumes topology is mostly fixed</a:t>
+              <a:t>Good for small peptide binders</a:t>
             </a:r>
             <a:endParaRPr dirty="0"/>
           </a:p>
@@ -3510,12 +3465,7 @@
           <a:lstStyle/>
           <a:p>
             <a:r>
-              <a:rPr dirty="0" err="1"/>
-              <a:t>PepMLM</a:t>
-            </a:r>
-            <a:r>
-              <a:rPr dirty="0"/>
-              <a:t> and Sequence-First Models</a:t>
+              <a:t>BindCraft vs RFdiffusion</a:t>
             </a:r>
           </a:p>
         </p:txBody>
@@ -3532,153 +3482,60 @@
         </p:nvSpPr>
         <p:spPr/>
         <p:txBody>
-          <a:bodyPr>
-            <a:normAutofit lnSpcReduction="10000"/>
-          </a:bodyPr>
+          <a:bodyPr/>
           <a:lstStyle/>
           <a:p>
             <a:r>
-              <a:rPr lang="en-SG" dirty="0">
-                <a:latin typeface="+mj-lt"/>
-              </a:rPr>
-              <a:t>Fine-tuned ESM2(Protein Language Model) </a:t>
-            </a:r>
-            <a:r>
-              <a:rPr dirty="0">
-                <a:latin typeface="+mj-lt"/>
-              </a:rPr>
-              <a:t>on peptide</a:t>
-            </a:r>
-            <a:r>
-              <a:rPr lang="en-SG" dirty="0">
-                <a:latin typeface="+mj-lt"/>
-              </a:rPr>
-              <a:t> binders</a:t>
-            </a:r>
-          </a:p>
-          <a:p>
-            <a:r>
-              <a:rPr lang="en-US" dirty="0">
-                <a:latin typeface="+mj-lt"/>
-              </a:rPr>
-              <a:t>Sequence-first models treat proteins as </a:t>
-            </a:r>
-            <a:r>
-              <a:rPr lang="en-US" b="1" dirty="0">
-                <a:latin typeface="+mj-lt"/>
-              </a:rPr>
-              <a:t>strings of amino acids</a:t>
-            </a:r>
-            <a:r>
-              <a:rPr lang="en-US" dirty="0">
-                <a:latin typeface="+mj-lt"/>
-              </a:rPr>
-              <a:t>, similar to how language models treat text.</a:t>
-            </a:r>
-            <a:r>
-              <a:rPr dirty="0">
-                <a:latin typeface="+mj-lt"/>
-              </a:rPr>
+              <a:rPr dirty="0" err="1"/>
+              <a:t>BindCraft</a:t>
+            </a:r>
+            <a:r>
+              <a:rPr dirty="0"/>
+              <a:t> explores sequence space first</a:t>
+            </a:r>
+          </a:p>
+          <a:p>
+            <a:r>
+              <a:rPr dirty="0" err="1"/>
+              <a:t>RFdiffusion</a:t>
+            </a:r>
+            <a:r>
+              <a:rPr dirty="0"/>
+              <a:t> explores structure space first</a:t>
+            </a:r>
+          </a:p>
+          <a:p>
+            <a:r>
+              <a:rPr dirty="0" err="1"/>
+              <a:t>BindCraft</a:t>
+            </a:r>
+            <a:r>
+              <a:rPr dirty="0"/>
+              <a:t> relies heavily on AF2 cost</a:t>
+            </a:r>
+          </a:p>
+          <a:p>
+            <a:r>
+              <a:rPr dirty="0" err="1"/>
+              <a:t>RFdiffusion</a:t>
+            </a:r>
+            <a:r>
+              <a:rPr dirty="0"/>
               <a:t> </a:t>
             </a:r>
-            <a:endParaRPr lang="en-SG" dirty="0">
-              <a:latin typeface="+mj-lt"/>
-            </a:endParaRPr>
-          </a:p>
-          <a:p>
-            <a:r>
-              <a:rPr dirty="0">
-                <a:latin typeface="+mj-lt"/>
-              </a:rPr>
-              <a:t>Good </a:t>
-            </a:r>
-            <a:r>
-              <a:rPr lang="en-SG" dirty="0">
-                <a:latin typeface="+mj-lt"/>
-              </a:rPr>
-              <a:t>for</a:t>
-            </a:r>
-            <a:r>
-              <a:rPr dirty="0">
-                <a:latin typeface="+mj-lt"/>
-              </a:rPr>
-              <a:t> motif discovery </a:t>
-            </a:r>
-            <a:r>
-              <a:rPr lang="en-SG" dirty="0">
-                <a:latin typeface="+mj-lt"/>
-              </a:rPr>
-              <a:t>&amp;</a:t>
-            </a:r>
-            <a:r>
-              <a:rPr dirty="0">
-                <a:latin typeface="+mj-lt"/>
-              </a:rPr>
-              <a:t> sequence statistics</a:t>
-            </a:r>
-          </a:p>
-          <a:p>
-            <a:r>
-              <a:rPr dirty="0">
-                <a:latin typeface="+mj-lt"/>
-              </a:rPr>
-              <a:t>No explicit 3D reasoning</a:t>
-            </a:r>
-            <a:r>
-              <a:rPr lang="en-SG" dirty="0">
-                <a:latin typeface="+mj-lt"/>
-              </a:rPr>
-              <a:t>/physical foldability</a:t>
-            </a:r>
-            <a:endParaRPr dirty="0">
-              <a:latin typeface="+mj-lt"/>
-            </a:endParaRPr>
-          </a:p>
-          <a:p>
-            <a:r>
-              <a:rPr lang="en-SG" dirty="0">
-                <a:latin typeface="+mj-lt"/>
-              </a:rPr>
-              <a:t>Evaluation done after generation (Bad binders are discarded)</a:t>
-            </a:r>
-          </a:p>
-          <a:p>
-            <a:r>
-              <a:rPr lang="en-US" altLang="en-US" dirty="0" err="1">
-                <a:latin typeface="+mj-lt"/>
-              </a:rPr>
-              <a:t>PepMLM</a:t>
-            </a:r>
-            <a:r>
-              <a:rPr lang="en-US" altLang="en-US" dirty="0">
-                <a:latin typeface="+mj-lt"/>
-              </a:rPr>
-              <a:t>: Learns what sequences look like</a:t>
-            </a:r>
-          </a:p>
-          <a:p>
-            <a:r>
-              <a:rPr lang="en-US" altLang="en-US" dirty="0" err="1">
-                <a:latin typeface="+mj-lt"/>
-              </a:rPr>
-              <a:t>Rfdiffusion</a:t>
-            </a:r>
-            <a:r>
-              <a:rPr lang="en-US" altLang="en-US" dirty="0">
-                <a:latin typeface="+mj-lt"/>
-              </a:rPr>
-              <a:t>: Learns what structures look like</a:t>
-            </a:r>
-          </a:p>
-          <a:p>
-            <a:endParaRPr lang="en-SG" dirty="0">
-              <a:latin typeface="+mj-lt"/>
-            </a:endParaRPr>
-          </a:p>
-          <a:p>
-            <a:endParaRPr dirty="0">
-              <a:latin typeface="+mj-lt"/>
-            </a:endParaRPr>
+            <a:r>
+              <a:rPr lang="en-SG" dirty="0"/>
+              <a:t>has</a:t>
+            </a:r>
+            <a:r>
+              <a:rPr dirty="0"/>
+              <a:t> structure knowledge in the model</a:t>
+            </a:r>
+            <a:r>
+              <a:rPr lang="en-SG" dirty="0"/>
+              <a:t> itself</a:t>
+            </a:r>
+            <a:endParaRPr dirty="0"/>
           </a:p>
         </p:txBody>
       </p:sp>
@@ -3723,7 +3580,12 @@
           <a:lstStyle/>
           <a:p>
             <a:r>
-              <a:t>Diffusion vs Sequence-Only Models</a:t>
+              <a:rPr dirty="0" err="1"/>
+              <a:t>BoltzGen</a:t>
+            </a:r>
+            <a:r>
+              <a:rPr dirty="0"/>
+              <a:t> and Related Generative Models</a:t>
             </a:r>
           </a:p>
         </p:txBody>
@@ -3740,60 +3602,115 @@
         </p:nvSpPr>
         <p:spPr/>
         <p:txBody>
-          <a:bodyPr/>
+          <a:bodyPr>
+            <a:normAutofit fontScale="77500" lnSpcReduction="20000"/>
+          </a:bodyPr>
           <a:lstStyle/>
           <a:p>
             <a:r>
               <a:rPr dirty="0"/>
-              <a:t>Sequence models learn evolutionary priors</a:t>
+              <a:t>Often focus on ligand or binding energy generation</a:t>
             </a:r>
             <a:endParaRPr lang="en-SG" dirty="0"/>
           </a:p>
           <a:p>
             <a:pPr lvl="1"/>
             <a:r>
+              <a:rPr lang="en-US" dirty="0"/>
+              <a:t>Energy landscapes and Boltzmann distributions</a:t>
+            </a:r>
+            <a:endParaRPr dirty="0"/>
+          </a:p>
+          <a:p>
+            <a:r>
               <a:rPr lang="en-SG" dirty="0"/>
-              <a:t>trained on real-world protein sequences, biased by natural selection and real-world proteins</a:t>
+              <a:t>Focused on statistical mechanics</a:t>
+            </a:r>
+          </a:p>
+          <a:p>
+            <a:r>
+              <a:rPr lang="en-SG" dirty="0"/>
+              <a:t>Good for:</a:t>
+            </a:r>
+          </a:p>
+          <a:p>
+            <a:pPr lvl="1"/>
+            <a:r>
+              <a:rPr lang="en-SG" dirty="0"/>
+              <a:t>Small molecules</a:t>
+            </a:r>
+          </a:p>
+          <a:p>
+            <a:pPr lvl="1"/>
+            <a:r>
+              <a:rPr lang="en-SG" dirty="0"/>
+              <a:t>Side chains</a:t>
             </a:r>
             <a:endParaRPr dirty="0"/>
           </a:p>
           <a:p>
             <a:r>
               <a:rPr dirty="0"/>
-              <a:t>Diffusion models learn physical geometry</a:t>
+              <a:t>Strong chemistry modelling but limited </a:t>
+            </a:r>
+            <a:r>
+              <a:rPr dirty="0" err="1"/>
+              <a:t>topolog</a:t>
+            </a:r>
+            <a:r>
+              <a:rPr lang="en-SG" dirty="0" err="1"/>
+              <a:t>ical</a:t>
+            </a:r>
+            <a:r>
+              <a:rPr lang="en-SG" dirty="0"/>
+              <a:t> freedom</a:t>
+            </a:r>
+          </a:p>
+          <a:p>
+            <a:pPr lvl="1"/>
+            <a:r>
+              <a:rPr lang="en-SG" dirty="0"/>
+              <a:t>Also all-atom but assumes mostly fixed backbone</a:t>
+            </a:r>
+          </a:p>
+          <a:p>
+            <a:pPr lvl="1"/>
+            <a:r>
+              <a:rPr lang="en-SG" dirty="0"/>
+              <a:t>Can’t easily invent new global folds</a:t>
+            </a:r>
+          </a:p>
+          <a:p>
+            <a:r>
+              <a:rPr dirty="0"/>
+              <a:t>Typically not end-to-end structure generators</a:t>
             </a:r>
             <a:endParaRPr lang="en-SG" dirty="0"/>
           </a:p>
           <a:p>
-            <a:pPr lvl="1"/>
+            <a:r>
+              <a:rPr lang="en-US" dirty="0" err="1"/>
+              <a:t>BoltzGen</a:t>
+            </a:r>
             <a:r>
               <a:rPr lang="en-US" dirty="0"/>
-              <a:t>trained directly on </a:t>
-            </a:r>
-            <a:r>
-              <a:rPr lang="en-US" b="1" dirty="0"/>
-              <a:t>3D protein structures</a:t>
-            </a:r>
-            <a:endParaRPr dirty="0"/>
-          </a:p>
-          <a:p>
-            <a:r>
-              <a:rPr dirty="0"/>
-              <a:t>Sequence-first risks implausible structures</a:t>
-            </a:r>
-          </a:p>
-          <a:p>
-            <a:r>
-              <a:rPr dirty="0"/>
-              <a:t>Diffusion-first enforces realism early</a:t>
-            </a:r>
-            <a:endParaRPr lang="en-SG" dirty="0"/>
-          </a:p>
-          <a:p>
-            <a:pPr lvl="1"/>
-            <a:r>
-              <a:rPr lang="en-SG" dirty="0"/>
-              <a:t>Enforces geometry at every step of generation</a:t>
+              <a:t> </a:t>
+            </a:r>
+            <a:r>
+              <a:rPr lang="en-US" dirty="0" err="1"/>
+              <a:t>internalises</a:t>
+            </a:r>
+            <a:r>
+              <a:rPr lang="en-US" dirty="0"/>
+              <a:t> physical chemistry rules (bond geometry, </a:t>
+            </a:r>
+            <a:r>
+              <a:rPr lang="en-US" dirty="0" err="1"/>
+              <a:t>sterics</a:t>
+            </a:r>
+            <a:r>
+              <a:rPr lang="en-US" dirty="0"/>
+              <a:t>, and energy landscapes), but assumes topology is mostly fixed</a:t>
             </a:r>
             <a:endParaRPr dirty="0"/>
           </a:p>
@@ -3840,7 +3757,12 @@
           <a:lstStyle/>
           <a:p>
             <a:r>
-              <a:t>Design Paradigms Compared</a:t>
+              <a:rPr dirty="0" err="1"/>
+              <a:t>PepMLM</a:t>
+            </a:r>
+            <a:r>
+              <a:rPr dirty="0"/>
+              <a:t> and Sequence-First Models</a:t>
             </a:r>
           </a:p>
         </p:txBody>
@@ -3857,67 +3779,153 @@
         </p:nvSpPr>
         <p:spPr/>
         <p:txBody>
-          <a:bodyPr/>
+          <a:bodyPr>
+            <a:normAutofit lnSpcReduction="10000"/>
+          </a:bodyPr>
           <a:lstStyle/>
           <a:p>
             <a:r>
-              <a:rPr dirty="0"/>
-              <a:t>Heuristic</a:t>
-            </a:r>
-            <a:r>
-              <a:rPr lang="en-SG" dirty="0"/>
-              <a:t> Approach</a:t>
-            </a:r>
-            <a:r>
-              <a:rPr dirty="0"/>
-              <a:t>: mutate then check</a:t>
-            </a:r>
-          </a:p>
-          <a:p>
-            <a:r>
-              <a:rPr dirty="0"/>
-              <a:t>Sequence L</a:t>
-            </a:r>
-            <a:r>
-              <a:rPr lang="en-SG" dirty="0" err="1"/>
-              <a:t>anguage</a:t>
-            </a:r>
-            <a:r>
-              <a:rPr lang="en-SG" dirty="0"/>
+              <a:rPr lang="en-SG" dirty="0">
+                <a:latin typeface="+mj-lt"/>
+              </a:rPr>
+              <a:t>Fine-tuned ESM2(Protein Language Model) </a:t>
+            </a:r>
+            <a:r>
+              <a:rPr dirty="0">
+                <a:latin typeface="+mj-lt"/>
+              </a:rPr>
+              <a:t>on peptide</a:t>
+            </a:r>
+            <a:r>
+              <a:rPr lang="en-SG" dirty="0">
+                <a:latin typeface="+mj-lt"/>
+              </a:rPr>
+              <a:t> binders</a:t>
+            </a:r>
+          </a:p>
+          <a:p>
+            <a:r>
+              <a:rPr lang="en-US" dirty="0">
+                <a:latin typeface="+mj-lt"/>
+              </a:rPr>
+              <a:t>Sequence-first models treat proteins as </a:t>
+            </a:r>
+            <a:r>
+              <a:rPr lang="en-US" b="1" dirty="0">
+                <a:latin typeface="+mj-lt"/>
+              </a:rPr>
+              <a:t>strings of amino acids</a:t>
+            </a:r>
+            <a:r>
+              <a:rPr lang="en-US" dirty="0">
+                <a:latin typeface="+mj-lt"/>
+              </a:rPr>
+              <a:t>, similar to how language models treat text.</a:t>
+            </a:r>
+            <a:r>
+              <a:rPr dirty="0">
+                <a:latin typeface="+mj-lt"/>
+              </a:rPr>
               <a:t> </a:t>
             </a:r>
-            <a:r>
-              <a:rPr dirty="0"/>
-              <a:t>M</a:t>
-            </a:r>
-            <a:r>
-              <a:rPr lang="en-SG" dirty="0" err="1"/>
-              <a:t>odels</a:t>
-            </a:r>
-            <a:r>
-              <a:rPr dirty="0"/>
-              <a:t>: propose motifs then check</a:t>
-            </a:r>
-          </a:p>
-          <a:p>
-            <a:r>
-              <a:rPr dirty="0"/>
-              <a:t>Diffusion</a:t>
-            </a:r>
-            <a:r>
-              <a:rPr lang="en-SG" dirty="0"/>
-              <a:t> Models</a:t>
-            </a:r>
-            <a:r>
-              <a:rPr dirty="0"/>
-              <a:t>: generate valid structure directly</a:t>
-            </a:r>
-          </a:p>
-          <a:p>
-            <a:r>
-              <a:rPr dirty="0"/>
-              <a:t>Evaluation becomes filtering, not rescue</a:t>
-            </a:r>
+            <a:endParaRPr lang="en-SG" dirty="0">
+              <a:latin typeface="+mj-lt"/>
+            </a:endParaRPr>
+          </a:p>
+          <a:p>
+            <a:r>
+              <a:rPr dirty="0">
+                <a:latin typeface="+mj-lt"/>
+              </a:rPr>
+              <a:t>Good </a:t>
+            </a:r>
+            <a:r>
+              <a:rPr lang="en-SG" dirty="0">
+                <a:latin typeface="+mj-lt"/>
+              </a:rPr>
+              <a:t>for</a:t>
+            </a:r>
+            <a:r>
+              <a:rPr dirty="0">
+                <a:latin typeface="+mj-lt"/>
+              </a:rPr>
+              <a:t> motif discovery </a:t>
+            </a:r>
+            <a:r>
+              <a:rPr lang="en-SG" dirty="0">
+                <a:latin typeface="+mj-lt"/>
+              </a:rPr>
+              <a:t>&amp;</a:t>
+            </a:r>
+            <a:r>
+              <a:rPr dirty="0">
+                <a:latin typeface="+mj-lt"/>
+              </a:rPr>
+              <a:t> sequence statistics</a:t>
+            </a:r>
+          </a:p>
+          <a:p>
+            <a:r>
+              <a:rPr dirty="0">
+                <a:latin typeface="+mj-lt"/>
+              </a:rPr>
+              <a:t>No explicit 3D reasoning</a:t>
+            </a:r>
+            <a:r>
+              <a:rPr lang="en-SG" dirty="0">
+                <a:latin typeface="+mj-lt"/>
+              </a:rPr>
+              <a:t>/physical foldability</a:t>
+            </a:r>
+            <a:endParaRPr dirty="0">
+              <a:latin typeface="+mj-lt"/>
+            </a:endParaRPr>
+          </a:p>
+          <a:p>
+            <a:r>
+              <a:rPr lang="en-SG" dirty="0">
+                <a:latin typeface="+mj-lt"/>
+              </a:rPr>
+              <a:t>Evaluation done after generation (Bad binders are discarded)</a:t>
+            </a:r>
+          </a:p>
+          <a:p>
+            <a:r>
+              <a:rPr lang="en-US" altLang="en-US" dirty="0" err="1">
+                <a:latin typeface="+mj-lt"/>
+              </a:rPr>
+              <a:t>PepMLM</a:t>
+            </a:r>
+            <a:r>
+              <a:rPr lang="en-US" altLang="en-US" dirty="0">
+                <a:latin typeface="+mj-lt"/>
+              </a:rPr>
+              <a:t>: Learns what sequences look like</a:t>
+            </a:r>
+          </a:p>
+          <a:p>
+            <a:r>
+              <a:rPr lang="en-US" altLang="en-US" dirty="0" err="1">
+                <a:latin typeface="+mj-lt"/>
+              </a:rPr>
+              <a:t>Rfdiffusion</a:t>
+            </a:r>
+            <a:r>
+              <a:rPr lang="en-US" altLang="en-US" dirty="0">
+                <a:latin typeface="+mj-lt"/>
+              </a:rPr>
+              <a:t>: Learns what structures look like</a:t>
+            </a:r>
+          </a:p>
+          <a:p>
+            <a:endParaRPr lang="en-SG" dirty="0">
+              <a:latin typeface="+mj-lt"/>
+            </a:endParaRPr>
+          </a:p>
+          <a:p>
+            <a:endParaRPr dirty="0">
+              <a:latin typeface="+mj-lt"/>
+            </a:endParaRPr>
           </a:p>
         </p:txBody>
       </p:sp>
@@ -3962,16 +3970,124 @@
           <a:lstStyle/>
           <a:p>
             <a:r>
-              <a:rPr lang="en-SG" dirty="0" err="1"/>
-              <a:t>RFDiffusion</a:t>
-            </a:r>
+              <a:t>Diffusion vs Sequence-Only Models</a:t>
+            </a:r>
+          </a:p>
+        </p:txBody>
+      </p:sp>
+      <p:sp>
+        <p:nvSpPr>
+          <p:cNvPr id="3" name="Content Placeholder 2"/>
+          <p:cNvSpPr>
+            <a:spLocks noGrp="1"/>
+          </p:cNvSpPr>
+          <p:nvPr>
+            <p:ph idx="1"/>
+          </p:nvPr>
+        </p:nvSpPr>
+        <p:spPr/>
+        <p:txBody>
+          <a:bodyPr/>
+          <a:lstStyle/>
+          <a:p>
+            <a:r>
+              <a:rPr dirty="0"/>
+              <a:t>Sequence models learn evolutionary priors</a:t>
+            </a:r>
+            <a:endParaRPr lang="en-SG" dirty="0"/>
+          </a:p>
+          <a:p>
+            <a:pPr lvl="1"/>
             <a:r>
               <a:rPr lang="en-SG" dirty="0"/>
-              <a:t> </a:t>
-            </a:r>
+              <a:t>trained on real-world protein sequences, biased by natural selection and real-world proteins</a:t>
+            </a:r>
+            <a:endParaRPr dirty="0"/>
+          </a:p>
+          <a:p>
             <a:r>
               <a:rPr dirty="0"/>
-              <a:t>Evolution Summary</a:t>
+              <a:t>Diffusion models learn physical geometry</a:t>
+            </a:r>
+            <a:endParaRPr lang="en-SG" dirty="0"/>
+          </a:p>
+          <a:p>
+            <a:pPr lvl="1"/>
+            <a:r>
+              <a:rPr lang="en-US" dirty="0"/>
+              <a:t>trained directly on </a:t>
+            </a:r>
+            <a:r>
+              <a:rPr lang="en-US" b="1" dirty="0"/>
+              <a:t>3D protein structures</a:t>
+            </a:r>
+            <a:endParaRPr dirty="0"/>
+          </a:p>
+          <a:p>
+            <a:r>
+              <a:rPr dirty="0"/>
+              <a:t>Sequence-first risks implausible structures</a:t>
+            </a:r>
+          </a:p>
+          <a:p>
+            <a:r>
+              <a:rPr dirty="0"/>
+              <a:t>Diffusion-first enforces realism early</a:t>
+            </a:r>
+            <a:endParaRPr lang="en-SG" dirty="0"/>
+          </a:p>
+          <a:p>
+            <a:pPr lvl="1"/>
+            <a:r>
+              <a:rPr lang="en-SG" dirty="0"/>
+              <a:t>Enforces geometry at every step of generation</a:t>
+            </a:r>
+            <a:endParaRPr dirty="0"/>
+          </a:p>
+        </p:txBody>
+      </p:sp>
+    </p:spTree>
+  </p:cSld>
+  <p:clrMapOvr>
+    <a:masterClrMapping/>
+  </p:clrMapOvr>
+</p:sld>
+</file>
+
+<file path=ppt/slides/slide16.xml><?xml version="1.0" encoding="utf-8"?>
+<p:sld xmlns:a="http://schemas.openxmlformats.org/drawingml/2006/main" xmlns:r="http://schemas.openxmlformats.org/officeDocument/2006/relationships" xmlns:p="http://schemas.openxmlformats.org/presentationml/2006/main">
+  <p:cSld>
+    <p:spTree>
+      <p:nvGrpSpPr>
+        <p:cNvPr id="1" name=""/>
+        <p:cNvGrpSpPr/>
+        <p:nvPr/>
+      </p:nvGrpSpPr>
+      <p:grpSpPr>
+        <a:xfrm>
+          <a:off x="0" y="0"/>
+          <a:ext cx="0" cy="0"/>
+          <a:chOff x="0" y="0"/>
+          <a:chExt cx="0" cy="0"/>
+        </a:xfrm>
+      </p:grpSpPr>
+      <p:sp>
+        <p:nvSpPr>
+          <p:cNvPr id="2" name="Title 1"/>
+          <p:cNvSpPr>
+            <a:spLocks noGrp="1"/>
+          </p:cNvSpPr>
+          <p:nvPr>
+            <p:ph type="title"/>
+          </p:nvPr>
+        </p:nvSpPr>
+        <p:spPr/>
+        <p:txBody>
+          <a:bodyPr/>
+          <a:lstStyle/>
+          <a:p>
+            <a:r>
+              <a:t>Design Paradigms Compared</a:t>
             </a:r>
           </a:p>
         </p:txBody>
@@ -3994,81 +4110,113 @@
           <a:lstStyle/>
           <a:p>
             <a:r>
+              <a:rPr dirty="0"/>
+              <a:t>Heuristic</a:t>
+            </a:r>
+            <a:r>
               <a:rPr lang="en-SG" dirty="0"/>
-              <a:t>RFDiffusion1</a:t>
+              <a:t> Approach</a:t>
             </a:r>
             <a:r>
               <a:rPr dirty="0"/>
-              <a:t>: Backbone</a:t>
-            </a:r>
+              <a:t>: </a:t>
+            </a:r>
+            <a:endParaRPr lang="en-SG" dirty="0"/>
+          </a:p>
+          <a:p>
+            <a:pPr lvl="1"/>
             <a:r>
               <a:rPr lang="en-SG" dirty="0"/>
-              <a:t> diffusion</a:t>
+              <a:t>M</a:t>
+            </a:r>
+            <a:r>
+              <a:rPr dirty="0" err="1"/>
+              <a:t>utate</a:t>
             </a:r>
             <a:r>
               <a:rPr dirty="0"/>
-              <a:t>, topology-focused</a:t>
+              <a:t> then check</a:t>
+            </a:r>
+          </a:p>
+          <a:p>
+            <a:r>
+              <a:rPr dirty="0"/>
+              <a:t>Sequence L</a:t>
+            </a:r>
+            <a:r>
+              <a:rPr lang="en-SG" dirty="0" err="1"/>
+              <a:t>anguage</a:t>
+            </a:r>
+            <a:r>
+              <a:rPr lang="en-SG" dirty="0"/>
+              <a:t> </a:t>
+            </a:r>
+            <a:r>
+              <a:rPr dirty="0"/>
+              <a:t>M</a:t>
+            </a:r>
+            <a:r>
+              <a:rPr lang="en-SG" dirty="0" err="1"/>
+              <a:t>odels</a:t>
+            </a:r>
+            <a:r>
+              <a:rPr dirty="0"/>
+              <a:t>: </a:t>
             </a:r>
             <a:endParaRPr lang="en-SG" dirty="0"/>
           </a:p>
           <a:p>
             <a:pPr lvl="1"/>
             <a:r>
+              <a:rPr lang="en-SG" dirty="0"/>
+              <a:t>P</a:t>
+            </a:r>
+            <a:r>
+              <a:rPr dirty="0" err="1"/>
+              <a:t>ropose</a:t>
+            </a:r>
+            <a:r>
+              <a:rPr dirty="0"/>
+              <a:t> motifs then check</a:t>
+            </a:r>
+          </a:p>
+          <a:p>
+            <a:r>
+              <a:rPr dirty="0"/>
+              <a:t>Diffusion</a:t>
+            </a:r>
+            <a:r>
+              <a:rPr lang="en-SG" dirty="0"/>
+              <a:t> Models</a:t>
+            </a:r>
+            <a:r>
+              <a:rPr dirty="0"/>
+              <a:t>: </a:t>
+            </a:r>
+            <a:endParaRPr lang="en-SG" dirty="0"/>
+          </a:p>
+          <a:p>
+            <a:pPr lvl="1"/>
+            <a:r>
+              <a:rPr lang="en-SG" dirty="0"/>
+              <a:t>G</a:t>
+            </a:r>
+            <a:r>
+              <a:rPr dirty="0" err="1"/>
+              <a:t>enerate</a:t>
+            </a:r>
+            <a:r>
+              <a:rPr dirty="0"/>
+              <a:t> valid structure directly</a:t>
+            </a:r>
+            <a:endParaRPr lang="en-SG" dirty="0"/>
+          </a:p>
+          <a:p>
+            <a:pPr lvl="1"/>
+            <a:r>
               <a:rPr lang="en-US" dirty="0"/>
-              <a:t>Each amino acid residue is represented as a </a:t>
-            </a:r>
-            <a:r>
-              <a:rPr lang="en-US" b="1" dirty="0"/>
-              <a:t>rigid frame</a:t>
-            </a:r>
-          </a:p>
-          <a:p>
-            <a:pPr lvl="1"/>
-            <a:r>
-              <a:rPr lang="en-US" dirty="0"/>
-              <a:t>Diffuses backbones</a:t>
-            </a:r>
-          </a:p>
-          <a:p>
-            <a:pPr lvl="2"/>
-            <a:r>
-              <a:rPr lang="en-US" dirty="0"/>
-              <a:t>Side chains/atom types not represented </a:t>
-            </a:r>
-          </a:p>
-          <a:p>
-            <a:r>
-              <a:rPr lang="en-SG" dirty="0" err="1"/>
-              <a:t>RFDiffusion</a:t>
-            </a:r>
-            <a:r>
-              <a:rPr dirty="0"/>
-              <a:t>2: Backbone diffusion </a:t>
-            </a:r>
-            <a:r>
-              <a:rPr lang="en-SG" dirty="0"/>
-              <a:t>+</a:t>
-            </a:r>
-            <a:r>
-              <a:rPr dirty="0"/>
-              <a:t> chemistry-aware losses</a:t>
-            </a:r>
-            <a:endParaRPr lang="en-SG" dirty="0"/>
-          </a:p>
-          <a:p>
-            <a:pPr lvl="1"/>
-            <a:r>
-              <a:rPr lang="en-US" dirty="0"/>
-              <a:t>Introduced atom-level conditioning and losses</a:t>
-            </a:r>
-          </a:p>
-          <a:p>
-            <a:pPr lvl="1"/>
-            <a:r>
-              <a:rPr lang="en-US" dirty="0"/>
-              <a:t>Computes losses based on distances/angles/orientations b/w atoms of interest (side chains/ligands)</a:t>
-            </a:r>
-            <a:endParaRPr dirty="0"/>
+              <a:t>Don’t need to produce weak candidates that must be heavily fixed later</a:t>
+            </a:r>
           </a:p>
         </p:txBody>
       </p:sp>
@@ -4080,7 +4228,171 @@
 </p:sld>
 </file>
 
-<file path=ppt/slides/slide16.xml><?xml version="1.0" encoding="utf-8"?>
+<file path=ppt/slides/slide17.xml><?xml version="1.0" encoding="utf-8"?>
+<p:sld xmlns:a="http://schemas.openxmlformats.org/drawingml/2006/main" xmlns:r="http://schemas.openxmlformats.org/officeDocument/2006/relationships" xmlns:p="http://schemas.openxmlformats.org/presentationml/2006/main">
+  <p:cSld>
+    <p:spTree>
+      <p:nvGrpSpPr>
+        <p:cNvPr id="1" name=""/>
+        <p:cNvGrpSpPr/>
+        <p:nvPr/>
+      </p:nvGrpSpPr>
+      <p:grpSpPr>
+        <a:xfrm>
+          <a:off x="0" y="0"/>
+          <a:ext cx="0" cy="0"/>
+          <a:chOff x="0" y="0"/>
+          <a:chExt cx="0" cy="0"/>
+        </a:xfrm>
+      </p:grpSpPr>
+      <p:sp>
+        <p:nvSpPr>
+          <p:cNvPr id="2" name="Title 1"/>
+          <p:cNvSpPr>
+            <a:spLocks noGrp="1"/>
+          </p:cNvSpPr>
+          <p:nvPr>
+            <p:ph type="title"/>
+          </p:nvPr>
+        </p:nvSpPr>
+        <p:spPr/>
+        <p:txBody>
+          <a:bodyPr/>
+          <a:lstStyle/>
+          <a:p>
+            <a:r>
+              <a:rPr lang="en-SG" dirty="0" err="1"/>
+              <a:t>RFDiffusion</a:t>
+            </a:r>
+            <a:r>
+              <a:rPr lang="en-SG" dirty="0"/>
+              <a:t> </a:t>
+            </a:r>
+            <a:r>
+              <a:rPr dirty="0"/>
+              <a:t>Evolution Summary</a:t>
+            </a:r>
+          </a:p>
+        </p:txBody>
+      </p:sp>
+      <p:sp>
+        <p:nvSpPr>
+          <p:cNvPr id="3" name="Content Placeholder 2"/>
+          <p:cNvSpPr>
+            <a:spLocks noGrp="1"/>
+          </p:cNvSpPr>
+          <p:nvPr>
+            <p:ph idx="1"/>
+          </p:nvPr>
+        </p:nvSpPr>
+        <p:spPr/>
+        <p:txBody>
+          <a:bodyPr>
+            <a:normAutofit/>
+          </a:bodyPr>
+          <a:lstStyle/>
+          <a:p>
+            <a:r>
+              <a:rPr lang="en-SG" dirty="0"/>
+              <a:t>RFDiffusion1</a:t>
+            </a:r>
+            <a:r>
+              <a:rPr dirty="0"/>
+              <a:t>: Backbone</a:t>
+            </a:r>
+            <a:r>
+              <a:rPr lang="en-SG" dirty="0"/>
+              <a:t> diffusion</a:t>
+            </a:r>
+            <a:r>
+              <a:rPr dirty="0"/>
+              <a:t>, topology-focused</a:t>
+            </a:r>
+            <a:endParaRPr lang="en-SG" dirty="0"/>
+          </a:p>
+          <a:p>
+            <a:pPr lvl="2"/>
+            <a:r>
+              <a:rPr lang="en-US" dirty="0"/>
+              <a:t>Each amino acid residue is represented as a </a:t>
+            </a:r>
+            <a:r>
+              <a:rPr lang="en-US" b="1" dirty="0"/>
+              <a:t>rigid frame </a:t>
+            </a:r>
+            <a:r>
+              <a:rPr lang="en-US" dirty="0"/>
+              <a:t>(A rotation matrix + translation vector, </a:t>
+            </a:r>
+            <a:r>
+              <a:rPr lang="en-US" dirty="0" err="1"/>
+              <a:t>position+orientation</a:t>
+            </a:r>
+            <a:r>
+              <a:rPr lang="en-US" dirty="0"/>
+              <a:t>)</a:t>
+            </a:r>
+            <a:endParaRPr lang="en-US" b="1" dirty="0"/>
+          </a:p>
+          <a:p>
+            <a:pPr lvl="1"/>
+            <a:r>
+              <a:rPr lang="en-US" dirty="0"/>
+              <a:t>Diffuses backbones</a:t>
+            </a:r>
+          </a:p>
+          <a:p>
+            <a:pPr lvl="2"/>
+            <a:r>
+              <a:rPr lang="en-US" dirty="0"/>
+              <a:t>Side chains/atom types not represented </a:t>
+            </a:r>
+          </a:p>
+          <a:p>
+            <a:r>
+              <a:rPr lang="en-SG" dirty="0" err="1"/>
+              <a:t>RFDiffusion</a:t>
+            </a:r>
+            <a:r>
+              <a:rPr dirty="0"/>
+              <a:t>2: Backbone diffusion </a:t>
+            </a:r>
+            <a:r>
+              <a:rPr lang="en-SG" dirty="0"/>
+              <a:t>+</a:t>
+            </a:r>
+            <a:r>
+              <a:rPr dirty="0"/>
+              <a:t> chemistry-aware losses</a:t>
+            </a:r>
+            <a:endParaRPr lang="en-SG" dirty="0"/>
+          </a:p>
+          <a:p>
+            <a:pPr lvl="1"/>
+            <a:r>
+              <a:rPr lang="en-US" dirty="0"/>
+              <a:t>Introduced atom-level conditioning and losses</a:t>
+            </a:r>
+          </a:p>
+          <a:p>
+            <a:pPr lvl="1"/>
+            <a:r>
+              <a:rPr lang="en-US" dirty="0"/>
+              <a:t>Computes losses based on distances/angles/orientations b/w atoms of interest (side chains/ligands)</a:t>
+            </a:r>
+            <a:endParaRPr dirty="0"/>
+          </a:p>
+        </p:txBody>
+      </p:sp>
+    </p:spTree>
+  </p:cSld>
+  <p:clrMapOvr>
+    <a:masterClrMapping/>
+  </p:clrMapOvr>
+</p:sld>
+</file>
+
+<file path=ppt/slides/slide18.xml><?xml version="1.0" encoding="utf-8"?>
 <p:sld xmlns:a="http://schemas.openxmlformats.org/drawingml/2006/main" xmlns:r="http://schemas.openxmlformats.org/officeDocument/2006/relationships" xmlns:p="http://schemas.openxmlformats.org/presentationml/2006/main">
   <p:cSld>
     <p:spTree>
@@ -4269,7 +4581,7 @@
 </p:sld>
 </file>
 
-<file path=ppt/slides/slide17.xml><?xml version="1.0" encoding="utf-8"?>
+<file path=ppt/slides/slide19.xml><?xml version="1.0" encoding="utf-8"?>
 <p:sld xmlns:a="http://schemas.openxmlformats.org/drawingml/2006/main" xmlns:r="http://schemas.openxmlformats.org/officeDocument/2006/relationships" xmlns:p="http://schemas.openxmlformats.org/presentationml/2006/main">
   <p:cSld>
     <p:spTree>
@@ -4719,7 +5031,7 @@
 </p:sld>
 </file>
 
-<file path=ppt/slides/slide18.xml><?xml version="1.0" encoding="utf-8"?>
+<file path=ppt/slides/slide2.xml><?xml version="1.0" encoding="utf-8"?>
 <p:sld xmlns:a="http://schemas.openxmlformats.org/drawingml/2006/main" xmlns:r="http://schemas.openxmlformats.org/officeDocument/2006/relationships" xmlns:p="http://schemas.openxmlformats.org/presentationml/2006/main">
   <p:cSld>
     <p:spTree>
@@ -4753,6 +5065,84 @@
           <a:p>
             <a:r>
               <a:rPr dirty="0"/>
+              <a:t>Computational Protein Design</a:t>
+            </a:r>
+          </a:p>
+        </p:txBody>
+      </p:sp>
+      <p:sp>
+        <p:nvSpPr>
+          <p:cNvPr id="3" name="Content Placeholder 2"/>
+          <p:cNvSpPr>
+            <a:spLocks noGrp="1"/>
+          </p:cNvSpPr>
+          <p:nvPr>
+            <p:ph idx="1"/>
+          </p:nvPr>
+        </p:nvSpPr>
+        <p:spPr/>
+        <p:txBody>
+          <a:bodyPr/>
+          <a:lstStyle/>
+          <a:p>
+            <a:r>
+              <a:t>Goal: generate protein or peptide sequences that bind, catalyse, or assemble as desired</a:t>
+            </a:r>
+          </a:p>
+          <a:p>
+            <a:r>
+              <a:t>Requires searching an enormous sequence and structure space</a:t>
+            </a:r>
+          </a:p>
+          <a:p>
+            <a:r>
+              <a:t>Design quality depends on geometry, chemistry, and physical plausibility</a:t>
+            </a:r>
+          </a:p>
+        </p:txBody>
+      </p:sp>
+    </p:spTree>
+  </p:cSld>
+  <p:clrMapOvr>
+    <a:masterClrMapping/>
+  </p:clrMapOvr>
+</p:sld>
+</file>
+
+<file path=ppt/slides/slide20.xml><?xml version="1.0" encoding="utf-8"?>
+<p:sld xmlns:a="http://schemas.openxmlformats.org/drawingml/2006/main" xmlns:r="http://schemas.openxmlformats.org/officeDocument/2006/relationships" xmlns:p="http://schemas.openxmlformats.org/presentationml/2006/main">
+  <p:cSld>
+    <p:spTree>
+      <p:nvGrpSpPr>
+        <p:cNvPr id="1" name=""/>
+        <p:cNvGrpSpPr/>
+        <p:nvPr/>
+      </p:nvGrpSpPr>
+      <p:grpSpPr>
+        <a:xfrm>
+          <a:off x="0" y="0"/>
+          <a:ext cx="0" cy="0"/>
+          <a:chOff x="0" y="0"/>
+          <a:chExt cx="0" cy="0"/>
+        </a:xfrm>
+      </p:grpSpPr>
+      <p:sp>
+        <p:nvSpPr>
+          <p:cNvPr id="2" name="Title 1"/>
+          <p:cNvSpPr>
+            <a:spLocks noGrp="1"/>
+          </p:cNvSpPr>
+          <p:nvPr>
+            <p:ph type="title"/>
+          </p:nvPr>
+        </p:nvSpPr>
+        <p:spPr/>
+        <p:txBody>
+          <a:bodyPr/>
+          <a:lstStyle/>
+          <a:p>
+            <a:r>
+              <a:rPr dirty="0"/>
               <a:t>RFdiffusion1 (2023)</a:t>
             </a:r>
           </a:p>
@@ -4875,7 +5265,7 @@
 </p:sld>
 </file>
 
-<file path=ppt/slides/slide19.xml><?xml version="1.0" encoding="utf-8"?>
+<file path=ppt/slides/slide21.xml><?xml version="1.0" encoding="utf-8"?>
 <p:sld xmlns:a="http://schemas.openxmlformats.org/drawingml/2006/main" xmlns:r="http://schemas.openxmlformats.org/officeDocument/2006/relationships" xmlns:p="http://schemas.openxmlformats.org/presentationml/2006/main">
   <p:cSld>
     <p:spTree>
@@ -5161,7 +5551,7 @@
 </p:sld>
 </file>
 
-<file path=ppt/slides/slide2.xml><?xml version="1.0" encoding="utf-8"?>
+<file path=ppt/slides/slide22.xml><?xml version="1.0" encoding="utf-8"?>
 <p:sld xmlns:a="http://schemas.openxmlformats.org/drawingml/2006/main" xmlns:r="http://schemas.openxmlformats.org/officeDocument/2006/relationships" xmlns:p="http://schemas.openxmlformats.org/presentationml/2006/main">
   <p:cSld>
     <p:spTree>
@@ -5195,84 +5585,6 @@
           <a:p>
             <a:r>
               <a:rPr dirty="0"/>
-              <a:t>Computational Protein Design</a:t>
-            </a:r>
-          </a:p>
-        </p:txBody>
-      </p:sp>
-      <p:sp>
-        <p:nvSpPr>
-          <p:cNvPr id="3" name="Content Placeholder 2"/>
-          <p:cNvSpPr>
-            <a:spLocks noGrp="1"/>
-          </p:cNvSpPr>
-          <p:nvPr>
-            <p:ph idx="1"/>
-          </p:nvPr>
-        </p:nvSpPr>
-        <p:spPr/>
-        <p:txBody>
-          <a:bodyPr/>
-          <a:lstStyle/>
-          <a:p>
-            <a:r>
-              <a:t>Goal: generate protein or peptide sequences that bind, catalyse, or assemble as desired</a:t>
-            </a:r>
-          </a:p>
-          <a:p>
-            <a:r>
-              <a:t>Requires searching an enormous sequence and structure space</a:t>
-            </a:r>
-          </a:p>
-          <a:p>
-            <a:r>
-              <a:t>Design quality depends on geometry, chemistry, and physical plausibility</a:t>
-            </a:r>
-          </a:p>
-        </p:txBody>
-      </p:sp>
-    </p:spTree>
-  </p:cSld>
-  <p:clrMapOvr>
-    <a:masterClrMapping/>
-  </p:clrMapOvr>
-</p:sld>
-</file>
-
-<file path=ppt/slides/slide20.xml><?xml version="1.0" encoding="utf-8"?>
-<p:sld xmlns:a="http://schemas.openxmlformats.org/drawingml/2006/main" xmlns:r="http://schemas.openxmlformats.org/officeDocument/2006/relationships" xmlns:p="http://schemas.openxmlformats.org/presentationml/2006/main">
-  <p:cSld>
-    <p:spTree>
-      <p:nvGrpSpPr>
-        <p:cNvPr id="1" name=""/>
-        <p:cNvGrpSpPr/>
-        <p:nvPr/>
-      </p:nvGrpSpPr>
-      <p:grpSpPr>
-        <a:xfrm>
-          <a:off x="0" y="0"/>
-          <a:ext cx="0" cy="0"/>
-          <a:chOff x="0" y="0"/>
-          <a:chExt cx="0" cy="0"/>
-        </a:xfrm>
-      </p:grpSpPr>
-      <p:sp>
-        <p:nvSpPr>
-          <p:cNvPr id="2" name="Title 1"/>
-          <p:cNvSpPr>
-            <a:spLocks noGrp="1"/>
-          </p:cNvSpPr>
-          <p:nvPr>
-            <p:ph type="title"/>
-          </p:nvPr>
-        </p:nvSpPr>
-        <p:spPr/>
-        <p:txBody>
-          <a:bodyPr/>
-          <a:lstStyle/>
-          <a:p>
-            <a:r>
-              <a:rPr dirty="0"/>
               <a:t>RFdiffusion2</a:t>
             </a:r>
             <a:r>
@@ -5428,7 +5740,7 @@
 </p:sld>
 </file>
 
-<file path=ppt/slides/slide21.xml><?xml version="1.0" encoding="utf-8"?>
+<file path=ppt/slides/slide23.xml><?xml version="1.0" encoding="utf-8"?>
 <p:sld xmlns:a="http://schemas.openxmlformats.org/drawingml/2006/main" xmlns:r="http://schemas.openxmlformats.org/officeDocument/2006/relationships" xmlns:p="http://schemas.openxmlformats.org/presentationml/2006/main">
   <p:cSld>
     <p:spTree>
@@ -5602,7 +5914,7 @@
 </p:sld>
 </file>
 
-<file path=ppt/slides/slide22.xml><?xml version="1.0" encoding="utf-8"?>
+<file path=ppt/slides/slide24.xml><?xml version="1.0" encoding="utf-8"?>
 <p:sld xmlns:a="http://schemas.openxmlformats.org/drawingml/2006/main" xmlns:r="http://schemas.openxmlformats.org/officeDocument/2006/relationships" xmlns:p="http://schemas.openxmlformats.org/presentationml/2006/main">
   <p:cSld>
     <p:spTree>
@@ -5711,7 +6023,7 @@
 </p:sld>
 </file>
 
-<file path=ppt/slides/slide23.xml><?xml version="1.0" encoding="utf-8"?>
+<file path=ppt/slides/slide25.xml><?xml version="1.0" encoding="utf-8"?>
 <p:sld xmlns:a="http://schemas.openxmlformats.org/drawingml/2006/main" xmlns:r="http://schemas.openxmlformats.org/officeDocument/2006/relationships" xmlns:p="http://schemas.openxmlformats.org/presentationml/2006/main">
   <p:cSld>
     <p:spTree>
@@ -5871,7 +6183,7 @@
 </p:sld>
 </file>
 
-<file path=ppt/slides/slide24.xml><?xml version="1.0" encoding="utf-8"?>
+<file path=ppt/slides/slide26.xml><?xml version="1.0" encoding="utf-8"?>
 <p:sld xmlns:a="http://schemas.openxmlformats.org/drawingml/2006/main" xmlns:r="http://schemas.openxmlformats.org/officeDocument/2006/relationships" xmlns:p="http://schemas.openxmlformats.org/presentationml/2006/main">
   <p:cSld>
     <p:spTree>
@@ -6035,7 +6347,7 @@
 </p:sld>
 </file>
 
-<file path=ppt/slides/slide25.xml><?xml version="1.0" encoding="utf-8"?>
+<file path=ppt/slides/slide27.xml><?xml version="1.0" encoding="utf-8"?>
 <p:sld xmlns:a="http://schemas.openxmlformats.org/drawingml/2006/main" xmlns:r="http://schemas.openxmlformats.org/officeDocument/2006/relationships" xmlns:p="http://schemas.openxmlformats.org/presentationml/2006/main">
   <p:cSld>
     <p:spTree>
@@ -6163,7 +6475,7 @@
 </p:sld>
 </file>
 
-<file path=ppt/slides/slide26.xml><?xml version="1.0" encoding="utf-8"?>
+<file path=ppt/slides/slide28.xml><?xml version="1.0" encoding="utf-8"?>
 <p:sld xmlns:a="http://schemas.openxmlformats.org/drawingml/2006/main" xmlns:r="http://schemas.openxmlformats.org/officeDocument/2006/relationships" xmlns:p="http://schemas.openxmlformats.org/presentationml/2006/main">
   <p:cSld>
     <p:spTree>
@@ -6322,7 +6634,7 @@
 </p:sld>
 </file>
 
-<file path=ppt/slides/slide27.xml><?xml version="1.0" encoding="utf-8"?>
+<file path=ppt/slides/slide29.xml><?xml version="1.0" encoding="utf-8"?>
 <p:sld xmlns:a="http://schemas.openxmlformats.org/drawingml/2006/main" xmlns:r="http://schemas.openxmlformats.org/officeDocument/2006/relationships" xmlns:p="http://schemas.openxmlformats.org/presentationml/2006/main">
   <p:cSld>
     <p:spTree>
@@ -7116,1017 +7428,6 @@
 </p:sld>
 </file>
 
-<file path=ppt/slides/slide28.xml><?xml version="1.0" encoding="utf-8"?>
-<p:sld xmlns:a="http://schemas.openxmlformats.org/drawingml/2006/main" xmlns:r="http://schemas.openxmlformats.org/officeDocument/2006/relationships" xmlns:p="http://schemas.openxmlformats.org/presentationml/2006/main">
-  <p:cSld>
-    <p:spTree>
-      <p:nvGrpSpPr>
-        <p:cNvPr id="1" name=""/>
-        <p:cNvGrpSpPr/>
-        <p:nvPr/>
-      </p:nvGrpSpPr>
-      <p:grpSpPr>
-        <a:xfrm>
-          <a:off x="0" y="0"/>
-          <a:ext cx="0" cy="0"/>
-          <a:chOff x="0" y="0"/>
-          <a:chExt cx="0" cy="0"/>
-        </a:xfrm>
-      </p:grpSpPr>
-      <p:sp>
-        <p:nvSpPr>
-          <p:cNvPr id="2" name="Title 1">
-            <a:extLst>
-              <a:ext uri="{FF2B5EF4-FFF2-40B4-BE49-F238E27FC236}">
-                <a16:creationId xmlns:a16="http://schemas.microsoft.com/office/drawing/2014/main" id="{826287DD-76F3-4493-CEAA-90467416EB64}"/>
-              </a:ext>
-            </a:extLst>
-          </p:cNvPr>
-          <p:cNvSpPr>
-            <a:spLocks noGrp="1"/>
-          </p:cNvSpPr>
-          <p:nvPr>
-            <p:ph type="title"/>
-          </p:nvPr>
-        </p:nvSpPr>
-        <p:spPr/>
-        <p:txBody>
-          <a:bodyPr>
-            <a:normAutofit fontScale="90000"/>
-          </a:bodyPr>
-          <a:lstStyle/>
-          <a:p>
-            <a:r>
-              <a:rPr lang="en-US" dirty="0"/>
-              <a:t>RFdiffusion3: Training process (all-atom learning)</a:t>
-            </a:r>
-            <a:br>
-              <a:rPr lang="en-US" dirty="0"/>
-            </a:br>
-            <a:endParaRPr lang="en-SG" dirty="0"/>
-          </a:p>
-        </p:txBody>
-      </p:sp>
-      <p:sp>
-        <p:nvSpPr>
-          <p:cNvPr id="4" name="Rectangle 1">
-            <a:extLst>
-              <a:ext uri="{FF2B5EF4-FFF2-40B4-BE49-F238E27FC236}">
-                <a16:creationId xmlns:a16="http://schemas.microsoft.com/office/drawing/2014/main" id="{763259BD-9AFD-2C4E-4EE7-4C0347B0884F}"/>
-              </a:ext>
-            </a:extLst>
-          </p:cNvPr>
-          <p:cNvSpPr>
-            <a:spLocks noGrp="1" noChangeArrowheads="1"/>
-          </p:cNvSpPr>
-          <p:nvPr>
-            <p:ph idx="1"/>
-          </p:nvPr>
-        </p:nvSpPr>
-        <p:spPr bwMode="auto">
-          <a:xfrm>
-            <a:off x="609600" y="1385580"/>
-            <a:ext cx="11483009" cy="4955203"/>
-          </a:xfrm>
-          <a:prstGeom prst="rect">
-            <a:avLst/>
-          </a:prstGeom>
-          <a:noFill/>
-          <a:ln>
-            <a:noFill/>
-          </a:ln>
-          <a:effectLst/>
-          <a:extLst>
-            <a:ext uri="{909E8E84-426E-40DD-AFC4-6F175D3DCCD1}">
-              <a14:hiddenFill xmlns:a14="http://schemas.microsoft.com/office/drawing/2010/main">
-                <a:solidFill>
-                  <a:schemeClr val="accent1"/>
-                </a:solidFill>
-              </a14:hiddenFill>
-            </a:ext>
-            <a:ext uri="{91240B29-F687-4F45-9708-019B960494DF}">
-              <a14:hiddenLine xmlns:a14="http://schemas.microsoft.com/office/drawing/2010/main" w="9525">
-                <a:solidFill>
-                  <a:schemeClr val="tx1"/>
-                </a:solidFill>
-                <a:miter lim="800000"/>
-                <a:headEnd/>
-                <a:tailEnd/>
-              </a14:hiddenLine>
-            </a:ext>
-            <a:ext uri="{AF507438-7753-43E0-B8FC-AC1667EBCBE1}">
-              <a14:hiddenEffects xmlns:a14="http://schemas.microsoft.com/office/drawing/2010/main">
-                <a:effectLst>
-                  <a:outerShdw dist="35921" dir="2700000" algn="ctr" rotWithShape="0">
-                    <a:schemeClr val="bg2"/>
-                  </a:outerShdw>
-                </a:effectLst>
-              </a14:hiddenEffects>
-            </a:ext>
-          </a:extLst>
-        </p:spPr>
-        <p:txBody>
-          <a:bodyPr vert="horz" wrap="square" lIns="91440" tIns="45720" rIns="91440" bIns="45720" numCol="1" anchor="ctr" anchorCtr="0" compatLnSpc="1">
-            <a:prstTxWarp prst="textNoShape">
-              <a:avLst/>
-            </a:prstTxWarp>
-            <a:spAutoFit/>
-          </a:bodyPr>
-          <a:lstStyle/>
-          <a:p>
-            <a:pPr defTabSz="914400" eaLnBrk="0" fontAlgn="base" hangingPunct="0">
-              <a:spcBef>
-                <a:spcPct val="0"/>
-              </a:spcBef>
-              <a:spcAft>
-                <a:spcPct val="0"/>
-              </a:spcAft>
-            </a:pPr>
-            <a:r>
-              <a:rPr kumimoji="0" lang="en-US" altLang="en-US" sz="2400" i="0" u="none" strike="noStrike" cap="none" normalizeH="0" baseline="0" dirty="0">
-                <a:ln>
-                  <a:noFill/>
-                </a:ln>
-                <a:solidFill>
-                  <a:schemeClr val="tx1"/>
-                </a:solidFill>
-                <a:effectLst/>
-                <a:latin typeface="+mj-lt"/>
-              </a:rPr>
-              <a:t>All-atom training data</a:t>
-            </a:r>
-          </a:p>
-          <a:p>
-            <a:pPr lvl="1" defTabSz="914400" eaLnBrk="0" fontAlgn="base" hangingPunct="0">
-              <a:spcBef>
-                <a:spcPct val="0"/>
-              </a:spcBef>
-              <a:spcAft>
-                <a:spcPct val="0"/>
-              </a:spcAft>
-            </a:pPr>
-            <a:r>
-              <a:rPr kumimoji="0" lang="en-US" altLang="en-US" sz="2000" i="0" u="none" strike="noStrike" cap="none" normalizeH="0" baseline="0" dirty="0">
-                <a:ln>
-                  <a:noFill/>
-                </a:ln>
-                <a:solidFill>
-                  <a:schemeClr val="tx1"/>
-                </a:solidFill>
-                <a:effectLst/>
-                <a:latin typeface="+mj-lt"/>
-              </a:rPr>
-              <a:t>Structures are represented at full atomic resolution, including backbone atoms, side chains, ligands, DNA, and RNA</a:t>
-            </a:r>
-          </a:p>
-          <a:p>
-            <a:pPr lvl="1" defTabSz="914400" eaLnBrk="0" fontAlgn="base" hangingPunct="0">
-              <a:spcBef>
-                <a:spcPct val="0"/>
-              </a:spcBef>
-              <a:spcAft>
-                <a:spcPct val="0"/>
-              </a:spcAft>
-            </a:pPr>
-            <a:r>
-              <a:rPr kumimoji="0" lang="en-US" altLang="en-US" sz="2000" i="0" u="none" strike="noStrike" cap="none" normalizeH="0" baseline="0" dirty="0">
-                <a:ln>
-                  <a:noFill/>
-                </a:ln>
-                <a:solidFill>
-                  <a:schemeClr val="tx1"/>
-                </a:solidFill>
-                <a:effectLst/>
-                <a:latin typeface="+mj-lt"/>
-              </a:rPr>
-              <a:t>Bond connectivity, atom types, and chemical identities are known to the model</a:t>
-            </a:r>
-          </a:p>
-          <a:p>
-            <a:pPr lvl="1" defTabSz="914400" eaLnBrk="0" fontAlgn="base" hangingPunct="0">
-              <a:spcBef>
-                <a:spcPct val="0"/>
-              </a:spcBef>
-              <a:spcAft>
-                <a:spcPct val="0"/>
-              </a:spcAft>
-            </a:pPr>
-            <a:r>
-              <a:rPr kumimoji="0" lang="en-US" altLang="en-US" sz="2000" i="0" u="none" strike="noStrike" cap="none" normalizeH="0" baseline="0" dirty="0">
-                <a:ln>
-                  <a:noFill/>
-                </a:ln>
-                <a:solidFill>
-                  <a:schemeClr val="tx1"/>
-                </a:solidFill>
-                <a:effectLst/>
-                <a:latin typeface="+mj-lt"/>
-              </a:rPr>
-              <a:t>Training data encodes real chemical constraints rather than abstract residue geometry</a:t>
-            </a:r>
-          </a:p>
-          <a:p>
-            <a:pPr defTabSz="914400" eaLnBrk="0" fontAlgn="base" hangingPunct="0">
-              <a:spcBef>
-                <a:spcPct val="0"/>
-              </a:spcBef>
-              <a:spcAft>
-                <a:spcPct val="0"/>
-              </a:spcAft>
-            </a:pPr>
-            <a:r>
-              <a:rPr kumimoji="0" lang="en-US" altLang="en-US" sz="2400" i="0" u="none" strike="noStrike" cap="none" normalizeH="0" baseline="0" dirty="0">
-                <a:ln>
-                  <a:noFill/>
-                </a:ln>
-                <a:solidFill>
-                  <a:schemeClr val="tx1"/>
-                </a:solidFill>
-                <a:effectLst/>
-                <a:latin typeface="+mj-lt"/>
-              </a:rPr>
-              <a:t>Forward diffusion</a:t>
-            </a:r>
-          </a:p>
-          <a:p>
-            <a:pPr lvl="1" defTabSz="914400" eaLnBrk="0" fontAlgn="base" hangingPunct="0">
-              <a:spcBef>
-                <a:spcPct val="0"/>
-              </a:spcBef>
-              <a:spcAft>
-                <a:spcPct val="0"/>
-              </a:spcAft>
-            </a:pPr>
-            <a:r>
-              <a:rPr kumimoji="0" lang="en-US" altLang="en-US" sz="2000" i="0" u="none" strike="noStrike" cap="none" normalizeH="0" baseline="0" dirty="0">
-                <a:ln>
-                  <a:noFill/>
-                </a:ln>
-                <a:solidFill>
-                  <a:schemeClr val="tx1"/>
-                </a:solidFill>
-                <a:effectLst/>
-                <a:latin typeface="+mj-lt"/>
-              </a:rPr>
-              <a:t>Random noise is added directly to atomic coordinates over many steps</a:t>
-            </a:r>
-          </a:p>
-          <a:p>
-            <a:pPr lvl="1" defTabSz="914400" eaLnBrk="0" fontAlgn="base" hangingPunct="0">
-              <a:spcBef>
-                <a:spcPct val="0"/>
-              </a:spcBef>
-              <a:spcAft>
-                <a:spcPct val="0"/>
-              </a:spcAft>
-            </a:pPr>
-            <a:r>
-              <a:rPr kumimoji="0" lang="en-US" altLang="en-US" sz="2000" i="0" u="none" strike="noStrike" cap="none" normalizeH="0" baseline="0" dirty="0">
-                <a:ln>
-                  <a:noFill/>
-                </a:ln>
-                <a:solidFill>
-                  <a:schemeClr val="tx1"/>
-                </a:solidFill>
-                <a:effectLst/>
-                <a:latin typeface="+mj-lt"/>
-              </a:rPr>
-              <a:t>Noise degrades structures at multiple scales, from local bond geometry to global fold</a:t>
-            </a:r>
-          </a:p>
-          <a:p>
-            <a:pPr lvl="1" defTabSz="914400" eaLnBrk="0" fontAlgn="base" hangingPunct="0">
-              <a:spcBef>
-                <a:spcPct val="0"/>
-              </a:spcBef>
-              <a:spcAft>
-                <a:spcPct val="0"/>
-              </a:spcAft>
-            </a:pPr>
-            <a:r>
-              <a:rPr kumimoji="0" lang="en-US" altLang="en-US" sz="2000" i="0" u="none" strike="noStrike" cap="none" normalizeH="0" baseline="0" dirty="0">
-                <a:ln>
-                  <a:noFill/>
-                </a:ln>
-                <a:solidFill>
-                  <a:schemeClr val="tx1"/>
-                </a:solidFill>
-                <a:effectLst/>
-                <a:latin typeface="+mj-lt"/>
-              </a:rPr>
-              <a:t>Covalent structure is preserved so molecules remain chemically valid even when noisy</a:t>
-            </a:r>
-          </a:p>
-          <a:p>
-            <a:pPr defTabSz="914400" eaLnBrk="0" fontAlgn="base" hangingPunct="0">
-              <a:spcBef>
-                <a:spcPct val="0"/>
-              </a:spcBef>
-              <a:spcAft>
-                <a:spcPct val="0"/>
-              </a:spcAft>
-            </a:pPr>
-            <a:r>
-              <a:rPr kumimoji="0" lang="en-US" altLang="en-US" sz="2400" i="0" u="none" strike="noStrike" cap="none" normalizeH="0" baseline="0" dirty="0">
-                <a:ln>
-                  <a:noFill/>
-                </a:ln>
-                <a:solidFill>
-                  <a:schemeClr val="tx1"/>
-                </a:solidFill>
-                <a:effectLst/>
-                <a:latin typeface="+mj-lt"/>
-              </a:rPr>
-              <a:t>Learning objective</a:t>
-            </a:r>
-          </a:p>
-          <a:p>
-            <a:pPr lvl="1" defTabSz="914400" eaLnBrk="0" fontAlgn="base" hangingPunct="0">
-              <a:spcBef>
-                <a:spcPct val="0"/>
-              </a:spcBef>
-              <a:spcAft>
-                <a:spcPct val="0"/>
-              </a:spcAft>
-            </a:pPr>
-            <a:r>
-              <a:rPr kumimoji="0" lang="en-US" altLang="en-US" sz="2000" i="0" u="none" strike="noStrike" cap="none" normalizeH="0" baseline="0" dirty="0">
-                <a:ln>
-                  <a:noFill/>
-                </a:ln>
-                <a:solidFill>
-                  <a:schemeClr val="tx1"/>
-                </a:solidFill>
-                <a:effectLst/>
-                <a:latin typeface="+mj-lt"/>
-              </a:rPr>
-              <a:t>The model is trained to predict how to reverse atomic noise</a:t>
-            </a:r>
-          </a:p>
-          <a:p>
-            <a:pPr lvl="1" defTabSz="914400" eaLnBrk="0" fontAlgn="base" hangingPunct="0">
-              <a:spcBef>
-                <a:spcPct val="0"/>
-              </a:spcBef>
-              <a:spcAft>
-                <a:spcPct val="0"/>
-              </a:spcAft>
-            </a:pPr>
-            <a:r>
-              <a:rPr kumimoji="0" lang="en-US" altLang="en-US" sz="2000" i="0" u="none" strike="noStrike" cap="none" normalizeH="0" baseline="0" dirty="0">
-                <a:ln>
-                  <a:noFill/>
-                </a:ln>
-                <a:solidFill>
-                  <a:schemeClr val="tx1"/>
-                </a:solidFill>
-                <a:effectLst/>
-                <a:latin typeface="+mj-lt"/>
-              </a:rPr>
-              <a:t>Learns statistics of physically plausible atomic arrangements</a:t>
-            </a:r>
-          </a:p>
-          <a:p>
-            <a:pPr lvl="1" defTabSz="914400" eaLnBrk="0" fontAlgn="base" hangingPunct="0">
-              <a:spcBef>
-                <a:spcPct val="0"/>
-              </a:spcBef>
-              <a:spcAft>
-                <a:spcPct val="0"/>
-              </a:spcAft>
-            </a:pPr>
-            <a:r>
-              <a:rPr kumimoji="0" lang="en-US" altLang="en-US" sz="2000" i="0" u="none" strike="noStrike" cap="none" normalizeH="0" baseline="0" dirty="0">
-                <a:ln>
-                  <a:noFill/>
-                </a:ln>
-                <a:solidFill>
-                  <a:schemeClr val="tx1"/>
-                </a:solidFill>
-                <a:effectLst/>
-                <a:latin typeface="+mj-lt"/>
-              </a:rPr>
-              <a:t>Internalizes how interfaces, binding pockets, and active sites are formed and maintained</a:t>
-            </a:r>
-          </a:p>
-          <a:p>
-            <a:pPr lvl="1" defTabSz="914400" eaLnBrk="0" fontAlgn="base" hangingPunct="0">
-              <a:spcBef>
-                <a:spcPct val="0"/>
-              </a:spcBef>
-              <a:spcAft>
-                <a:spcPct val="0"/>
-              </a:spcAft>
-            </a:pPr>
-            <a:r>
-              <a:rPr kumimoji="0" lang="en-US" altLang="en-US" sz="2000" i="0" u="none" strike="noStrike" cap="none" normalizeH="0" baseline="0" dirty="0">
-                <a:ln>
-                  <a:noFill/>
-                </a:ln>
-                <a:solidFill>
-                  <a:schemeClr val="tx1"/>
-                </a:solidFill>
-                <a:effectLst/>
-                <a:latin typeface="+mj-lt"/>
-              </a:rPr>
-              <a:t>Does not rely on energy functions or heuristic scoring during learning</a:t>
-            </a:r>
-          </a:p>
-          <a:p>
-            <a:pPr defTabSz="914400" eaLnBrk="0" fontAlgn="base" hangingPunct="0">
-              <a:spcBef>
-                <a:spcPct val="0"/>
-              </a:spcBef>
-              <a:spcAft>
-                <a:spcPct val="0"/>
-              </a:spcAft>
-            </a:pPr>
-            <a:endParaRPr kumimoji="0" lang="en-US" altLang="en-US" sz="2400" i="0" u="none" strike="noStrike" cap="none" normalizeH="0" baseline="0" dirty="0">
-              <a:ln>
-                <a:noFill/>
-              </a:ln>
-              <a:solidFill>
-                <a:schemeClr val="tx1"/>
-              </a:solidFill>
-              <a:effectLst/>
-              <a:latin typeface="+mj-lt"/>
-            </a:endParaRPr>
-          </a:p>
-        </p:txBody>
-      </p:sp>
-    </p:spTree>
-    <p:extLst>
-      <p:ext uri="{BB962C8B-B14F-4D97-AF65-F5344CB8AC3E}">
-        <p14:creationId xmlns:p14="http://schemas.microsoft.com/office/powerpoint/2010/main" val="1313025521"/>
-      </p:ext>
-    </p:extLst>
-  </p:cSld>
-  <p:clrMapOvr>
-    <a:masterClrMapping/>
-  </p:clrMapOvr>
-</p:sld>
-</file>
-
-<file path=ppt/slides/slide29.xml><?xml version="1.0" encoding="utf-8"?>
-<p:sld xmlns:a="http://schemas.openxmlformats.org/drawingml/2006/main" xmlns:r="http://schemas.openxmlformats.org/officeDocument/2006/relationships" xmlns:p="http://schemas.openxmlformats.org/presentationml/2006/main">
-  <p:cSld>
-    <p:spTree>
-      <p:nvGrpSpPr>
-        <p:cNvPr id="1" name=""/>
-        <p:cNvGrpSpPr/>
-        <p:nvPr/>
-      </p:nvGrpSpPr>
-      <p:grpSpPr>
-        <a:xfrm>
-          <a:off x="0" y="0"/>
-          <a:ext cx="0" cy="0"/>
-          <a:chOff x="0" y="0"/>
-          <a:chExt cx="0" cy="0"/>
-        </a:xfrm>
-      </p:grpSpPr>
-      <p:sp>
-        <p:nvSpPr>
-          <p:cNvPr id="2" name="Title 1">
-            <a:extLst>
-              <a:ext uri="{FF2B5EF4-FFF2-40B4-BE49-F238E27FC236}">
-                <a16:creationId xmlns:a16="http://schemas.microsoft.com/office/drawing/2014/main" id="{1D51D175-7B1C-7835-A563-5D7B5571D11F}"/>
-              </a:ext>
-            </a:extLst>
-          </p:cNvPr>
-          <p:cNvSpPr>
-            <a:spLocks noGrp="1"/>
-          </p:cNvSpPr>
-          <p:nvPr>
-            <p:ph type="title"/>
-          </p:nvPr>
-        </p:nvSpPr>
-        <p:spPr>
-          <a:xfrm>
-            <a:off x="609600" y="44309"/>
-            <a:ext cx="10972800" cy="1143000"/>
-          </a:xfrm>
-        </p:spPr>
-        <p:txBody>
-          <a:bodyPr>
-            <a:normAutofit/>
-          </a:bodyPr>
-          <a:lstStyle/>
-          <a:p>
-            <a:r>
-              <a:rPr lang="en-SG" sz="4000" dirty="0"/>
-              <a:t>RFdiffusion3: Generation (inference) process</a:t>
-            </a:r>
-          </a:p>
-        </p:txBody>
-      </p:sp>
-      <p:sp>
-        <p:nvSpPr>
-          <p:cNvPr id="4" name="Rectangle 1">
-            <a:extLst>
-              <a:ext uri="{FF2B5EF4-FFF2-40B4-BE49-F238E27FC236}">
-                <a16:creationId xmlns:a16="http://schemas.microsoft.com/office/drawing/2014/main" id="{0041230C-18F7-8FBB-DED1-A112CF375182}"/>
-              </a:ext>
-            </a:extLst>
-          </p:cNvPr>
-          <p:cNvSpPr>
-            <a:spLocks noGrp="1" noChangeArrowheads="1"/>
-          </p:cNvSpPr>
-          <p:nvPr>
-            <p:ph idx="1"/>
-          </p:nvPr>
-        </p:nvSpPr>
-        <p:spPr bwMode="auto">
-          <a:xfrm>
-            <a:off x="609600" y="1077803"/>
-            <a:ext cx="9405203" cy="5570756"/>
-          </a:xfrm>
-          <a:prstGeom prst="rect">
-            <a:avLst/>
-          </a:prstGeom>
-          <a:noFill/>
-          <a:ln>
-            <a:noFill/>
-          </a:ln>
-          <a:effectLst/>
-          <a:extLst>
-            <a:ext uri="{909E8E84-426E-40DD-AFC4-6F175D3DCCD1}">
-              <a14:hiddenFill xmlns:a14="http://schemas.microsoft.com/office/drawing/2010/main">
-                <a:solidFill>
-                  <a:schemeClr val="accent1"/>
-                </a:solidFill>
-              </a14:hiddenFill>
-            </a:ext>
-            <a:ext uri="{91240B29-F687-4F45-9708-019B960494DF}">
-              <a14:hiddenLine xmlns:a14="http://schemas.microsoft.com/office/drawing/2010/main" w="9525">
-                <a:solidFill>
-                  <a:schemeClr val="tx1"/>
-                </a:solidFill>
-                <a:miter lim="800000"/>
-                <a:headEnd/>
-                <a:tailEnd/>
-              </a14:hiddenLine>
-            </a:ext>
-            <a:ext uri="{AF507438-7753-43E0-B8FC-AC1667EBCBE1}">
-              <a14:hiddenEffects xmlns:a14="http://schemas.microsoft.com/office/drawing/2010/main">
-                <a:effectLst>
-                  <a:outerShdw dist="35921" dir="2700000" algn="ctr" rotWithShape="0">
-                    <a:schemeClr val="bg2"/>
-                  </a:outerShdw>
-                </a:effectLst>
-              </a14:hiddenEffects>
-            </a:ext>
-          </a:extLst>
-        </p:spPr>
-        <p:txBody>
-          <a:bodyPr vert="horz" wrap="none" lIns="91440" tIns="45720" rIns="91440" bIns="45720" numCol="1" anchor="ctr" anchorCtr="0" compatLnSpc="1">
-            <a:prstTxWarp prst="textNoShape">
-              <a:avLst/>
-            </a:prstTxWarp>
-            <a:spAutoFit/>
-          </a:bodyPr>
-          <a:lstStyle/>
-          <a:p>
-            <a:pPr defTabSz="914400" eaLnBrk="0" fontAlgn="base" hangingPunct="0">
-              <a:spcBef>
-                <a:spcPct val="0"/>
-              </a:spcBef>
-              <a:spcAft>
-                <a:spcPct val="0"/>
-              </a:spcAft>
-            </a:pPr>
-            <a:r>
-              <a:rPr kumimoji="0" lang="en-US" altLang="en-US" sz="2400" i="0" u="none" strike="noStrike" cap="none" normalizeH="0" baseline="0" dirty="0">
-                <a:ln>
-                  <a:noFill/>
-                </a:ln>
-                <a:solidFill>
-                  <a:schemeClr val="tx1"/>
-                </a:solidFill>
-                <a:effectLst/>
-                <a:latin typeface="+mj-lt"/>
-              </a:rPr>
-              <a:t>Input and conditioning</a:t>
-            </a:r>
-          </a:p>
-          <a:p>
-            <a:pPr lvl="1" defTabSz="914400" eaLnBrk="0" fontAlgn="base" hangingPunct="0">
-              <a:spcBef>
-                <a:spcPct val="0"/>
-              </a:spcBef>
-              <a:spcAft>
-                <a:spcPct val="0"/>
-              </a:spcAft>
-            </a:pPr>
-            <a:r>
-              <a:rPr kumimoji="0" lang="en-US" altLang="en-US" sz="2000" i="0" u="none" strike="noStrike" cap="none" normalizeH="0" baseline="0" dirty="0">
-                <a:ln>
-                  <a:noFill/>
-                </a:ln>
-                <a:solidFill>
-                  <a:schemeClr val="tx1"/>
-                </a:solidFill>
-                <a:effectLst/>
-                <a:latin typeface="+mj-lt"/>
-              </a:rPr>
-              <a:t>Target molecules are provided as fixed or partially flexible atomic structures</a:t>
-            </a:r>
-          </a:p>
-          <a:p>
-            <a:pPr lvl="1" defTabSz="914400" eaLnBrk="0" fontAlgn="base" hangingPunct="0">
-              <a:spcBef>
-                <a:spcPct val="0"/>
-              </a:spcBef>
-              <a:spcAft>
-                <a:spcPct val="0"/>
-              </a:spcAft>
-            </a:pPr>
-            <a:r>
-              <a:rPr kumimoji="0" lang="en-US" altLang="en-US" sz="2000" i="0" u="none" strike="noStrike" cap="none" normalizeH="0" baseline="0" dirty="0">
-                <a:ln>
-                  <a:noFill/>
-                </a:ln>
-                <a:solidFill>
-                  <a:schemeClr val="tx1"/>
-                </a:solidFill>
-                <a:effectLst/>
-                <a:latin typeface="+mj-lt"/>
-              </a:rPr>
-              <a:t>Designable regions and non-protein partners are explicitly defined</a:t>
-            </a:r>
-          </a:p>
-          <a:p>
-            <a:pPr lvl="1" defTabSz="914400" eaLnBrk="0" fontAlgn="base" hangingPunct="0">
-              <a:spcBef>
-                <a:spcPct val="0"/>
-              </a:spcBef>
-              <a:spcAft>
-                <a:spcPct val="0"/>
-              </a:spcAft>
-            </a:pPr>
-            <a:r>
-              <a:rPr kumimoji="0" lang="en-US" altLang="en-US" sz="2000" i="0" u="none" strike="noStrike" cap="none" normalizeH="0" baseline="0" dirty="0">
-                <a:ln>
-                  <a:noFill/>
-                </a:ln>
-                <a:solidFill>
-                  <a:schemeClr val="tx1"/>
-                </a:solidFill>
-                <a:effectLst/>
-                <a:latin typeface="+mj-lt"/>
-              </a:rPr>
-              <a:t>Constraints specify which atoms must remain fixed, flexible, or biased</a:t>
-            </a:r>
-          </a:p>
-          <a:p>
-            <a:pPr defTabSz="914400" eaLnBrk="0" fontAlgn="base" hangingPunct="0">
-              <a:spcBef>
-                <a:spcPct val="0"/>
-              </a:spcBef>
-              <a:spcAft>
-                <a:spcPct val="0"/>
-              </a:spcAft>
-            </a:pPr>
-            <a:r>
-              <a:rPr kumimoji="0" lang="en-US" altLang="en-US" sz="2400" i="0" u="none" strike="noStrike" cap="none" normalizeH="0" baseline="0" dirty="0">
-                <a:ln>
-                  <a:noFill/>
-                </a:ln>
-                <a:solidFill>
-                  <a:schemeClr val="tx1"/>
-                </a:solidFill>
-                <a:effectLst/>
-                <a:latin typeface="+mj-lt"/>
-              </a:rPr>
-              <a:t>Reverse diffusion</a:t>
-            </a:r>
-          </a:p>
-          <a:p>
-            <a:pPr lvl="1" defTabSz="914400" eaLnBrk="0" fontAlgn="base" hangingPunct="0">
-              <a:spcBef>
-                <a:spcPct val="0"/>
-              </a:spcBef>
-              <a:spcAft>
-                <a:spcPct val="0"/>
-              </a:spcAft>
-            </a:pPr>
-            <a:r>
-              <a:rPr kumimoji="0" lang="en-US" altLang="en-US" sz="2000" i="0" u="none" strike="noStrike" cap="none" normalizeH="0" baseline="0" dirty="0">
-                <a:ln>
-                  <a:noFill/>
-                </a:ln>
-                <a:solidFill>
-                  <a:schemeClr val="tx1"/>
-                </a:solidFill>
-                <a:effectLst/>
-                <a:latin typeface="+mj-lt"/>
-              </a:rPr>
-              <a:t>Generation begins from a noisy atomic configuration</a:t>
-            </a:r>
-          </a:p>
-          <a:p>
-            <a:pPr lvl="1" defTabSz="914400" eaLnBrk="0" fontAlgn="base" hangingPunct="0">
-              <a:spcBef>
-                <a:spcPct val="0"/>
-              </a:spcBef>
-              <a:spcAft>
-                <a:spcPct val="0"/>
-              </a:spcAft>
-            </a:pPr>
-            <a:r>
-              <a:rPr kumimoji="0" lang="en-US" altLang="en-US" sz="2000" i="0" u="none" strike="noStrike" cap="none" normalizeH="0" baseline="0" dirty="0">
-                <a:ln>
-                  <a:noFill/>
-                </a:ln>
-                <a:solidFill>
-                  <a:schemeClr val="tx1"/>
-                </a:solidFill>
-                <a:effectLst/>
-                <a:latin typeface="+mj-lt"/>
-              </a:rPr>
-              <a:t>At each step, the model refines atom positions </a:t>
-            </a:r>
-            <a:r>
-              <a:rPr kumimoji="0" lang="en-US" altLang="en-US" sz="2000" i="0" u="none" strike="noStrike" cap="none" normalizeH="0" baseline="0">
-                <a:ln>
-                  <a:noFill/>
-                </a:ln>
-                <a:solidFill>
-                  <a:schemeClr val="tx1"/>
-                </a:solidFill>
-                <a:effectLst/>
-                <a:latin typeface="+mj-lt"/>
-              </a:rPr>
-              <a:t>toward chemically-valid </a:t>
-            </a:r>
-            <a:r>
-              <a:rPr kumimoji="0" lang="en-US" altLang="en-US" sz="2000" i="0" u="none" strike="noStrike" cap="none" normalizeH="0" baseline="0" dirty="0">
-                <a:ln>
-                  <a:noFill/>
-                </a:ln>
-                <a:solidFill>
-                  <a:schemeClr val="tx1"/>
-                </a:solidFill>
-                <a:effectLst/>
-                <a:latin typeface="+mj-lt"/>
-              </a:rPr>
-              <a:t>structures</a:t>
-            </a:r>
-          </a:p>
-          <a:p>
-            <a:pPr lvl="1" defTabSz="914400" eaLnBrk="0" fontAlgn="base" hangingPunct="0">
-              <a:spcBef>
-                <a:spcPct val="0"/>
-              </a:spcBef>
-              <a:spcAft>
-                <a:spcPct val="0"/>
-              </a:spcAft>
-            </a:pPr>
-            <a:r>
-              <a:rPr kumimoji="0" lang="en-US" altLang="en-US" sz="2000" i="0" u="none" strike="noStrike" cap="none" normalizeH="0" baseline="0" dirty="0">
-                <a:ln>
-                  <a:noFill/>
-                </a:ln>
-                <a:solidFill>
-                  <a:schemeClr val="tx1"/>
-                </a:solidFill>
-                <a:effectLst/>
-                <a:latin typeface="+mj-lt"/>
-              </a:rPr>
-              <a:t>All components evolve together, allowing interfaces to emerge naturally</a:t>
-            </a:r>
-          </a:p>
-          <a:p>
-            <a:pPr defTabSz="914400" eaLnBrk="0" fontAlgn="base" hangingPunct="0">
-              <a:spcBef>
-                <a:spcPct val="0"/>
-              </a:spcBef>
-              <a:spcAft>
-                <a:spcPct val="0"/>
-              </a:spcAft>
-            </a:pPr>
-            <a:r>
-              <a:rPr kumimoji="0" lang="en-US" altLang="en-US" sz="2400" i="0" u="none" strike="noStrike" cap="none" normalizeH="0" baseline="0" dirty="0">
-                <a:ln>
-                  <a:noFill/>
-                </a:ln>
-                <a:solidFill>
-                  <a:schemeClr val="tx1"/>
-                </a:solidFill>
-                <a:effectLst/>
-                <a:latin typeface="+mj-lt"/>
-              </a:rPr>
-              <a:t>Constraint enforcement</a:t>
-            </a:r>
-          </a:p>
-          <a:p>
-            <a:pPr lvl="1" defTabSz="914400" eaLnBrk="0" fontAlgn="base" hangingPunct="0">
-              <a:spcBef>
-                <a:spcPct val="0"/>
-              </a:spcBef>
-              <a:spcAft>
-                <a:spcPct val="0"/>
-              </a:spcAft>
-            </a:pPr>
-            <a:r>
-              <a:rPr kumimoji="0" lang="en-US" altLang="en-US" sz="2000" i="0" u="none" strike="noStrike" cap="none" normalizeH="0" baseline="0" dirty="0">
-                <a:ln>
-                  <a:noFill/>
-                </a:ln>
-                <a:solidFill>
-                  <a:schemeClr val="tx1"/>
-                </a:solidFill>
-                <a:effectLst/>
-                <a:latin typeface="+mj-lt"/>
-              </a:rPr>
-              <a:t>Constraints act directly on atoms rather than through penalty terms</a:t>
-            </a:r>
-          </a:p>
-          <a:p>
-            <a:pPr lvl="1" defTabSz="914400" eaLnBrk="0" fontAlgn="base" hangingPunct="0">
-              <a:spcBef>
-                <a:spcPct val="0"/>
-              </a:spcBef>
-              <a:spcAft>
-                <a:spcPct val="0"/>
-              </a:spcAft>
-            </a:pPr>
-            <a:r>
-              <a:rPr kumimoji="0" lang="en-US" altLang="en-US" sz="2000" i="0" u="none" strike="noStrike" cap="none" normalizeH="0" baseline="0" dirty="0">
-                <a:ln>
-                  <a:noFill/>
-                </a:ln>
-                <a:solidFill>
-                  <a:schemeClr val="tx1"/>
-                </a:solidFill>
-                <a:effectLst/>
-                <a:latin typeface="+mj-lt"/>
-              </a:rPr>
-              <a:t>Fixed atoms serve as physical anchors during generation</a:t>
-            </a:r>
-          </a:p>
-          <a:p>
-            <a:pPr lvl="1" defTabSz="914400" eaLnBrk="0" fontAlgn="base" hangingPunct="0">
-              <a:spcBef>
-                <a:spcPct val="0"/>
-              </a:spcBef>
-              <a:spcAft>
-                <a:spcPct val="0"/>
-              </a:spcAft>
-            </a:pPr>
-            <a:r>
-              <a:rPr kumimoji="0" lang="en-US" altLang="en-US" sz="2000" i="0" u="none" strike="noStrike" cap="none" normalizeH="0" baseline="0" dirty="0">
-                <a:ln>
-                  <a:noFill/>
-                </a:ln>
-                <a:solidFill>
-                  <a:schemeClr val="tx1"/>
-                </a:solidFill>
-                <a:effectLst/>
-                <a:latin typeface="+mj-lt"/>
-              </a:rPr>
-              <a:t>Biases guide binding geometry, orientation, and contact formation</a:t>
-            </a:r>
-          </a:p>
-          <a:p>
-            <a:pPr defTabSz="914400" eaLnBrk="0" fontAlgn="base" hangingPunct="0">
-              <a:spcBef>
-                <a:spcPct val="0"/>
-              </a:spcBef>
-              <a:spcAft>
-                <a:spcPct val="0"/>
-              </a:spcAft>
-            </a:pPr>
-            <a:r>
-              <a:rPr kumimoji="0" lang="en-US" altLang="en-US" sz="2400" i="0" u="none" strike="noStrike" cap="none" normalizeH="0" baseline="0" dirty="0">
-                <a:ln>
-                  <a:noFill/>
-                </a:ln>
-                <a:solidFill>
-                  <a:schemeClr val="tx1"/>
-                </a:solidFill>
-                <a:effectLst/>
-                <a:latin typeface="+mj-lt"/>
-              </a:rPr>
-              <a:t>Output</a:t>
-            </a:r>
-          </a:p>
-          <a:p>
-            <a:pPr lvl="1" defTabSz="914400" eaLnBrk="0" fontAlgn="base" hangingPunct="0">
-              <a:spcBef>
-                <a:spcPct val="0"/>
-              </a:spcBef>
-              <a:spcAft>
-                <a:spcPct val="0"/>
-              </a:spcAft>
-            </a:pPr>
-            <a:r>
-              <a:rPr kumimoji="0" lang="en-US" altLang="en-US" sz="2000" i="0" u="none" strike="noStrike" cap="none" normalizeH="0" baseline="0" dirty="0">
-                <a:ln>
-                  <a:noFill/>
-                </a:ln>
-                <a:solidFill>
-                  <a:schemeClr val="tx1"/>
-                </a:solidFill>
-                <a:effectLst/>
-                <a:latin typeface="+mj-lt"/>
-              </a:rPr>
-              <a:t>A complete all-atom structure is produced</a:t>
-            </a:r>
-          </a:p>
-          <a:p>
-            <a:pPr lvl="1" defTabSz="914400" eaLnBrk="0" fontAlgn="base" hangingPunct="0">
-              <a:spcBef>
-                <a:spcPct val="0"/>
-              </a:spcBef>
-              <a:spcAft>
-                <a:spcPct val="0"/>
-              </a:spcAft>
-            </a:pPr>
-            <a:r>
-              <a:rPr kumimoji="0" lang="en-US" altLang="en-US" sz="2000" i="0" u="none" strike="noStrike" cap="none" normalizeH="0" baseline="0" dirty="0">
-                <a:ln>
-                  <a:noFill/>
-                </a:ln>
-                <a:solidFill>
-                  <a:schemeClr val="tx1"/>
-                </a:solidFill>
-                <a:effectLst/>
-                <a:latin typeface="+mj-lt"/>
-              </a:rPr>
-              <a:t>Side chains, ligands, and nucleic acids are already placed</a:t>
-            </a:r>
-          </a:p>
-          <a:p>
-            <a:pPr lvl="1" defTabSz="914400" eaLnBrk="0" fontAlgn="base" hangingPunct="0">
-              <a:spcBef>
-                <a:spcPct val="0"/>
-              </a:spcBef>
-              <a:spcAft>
-                <a:spcPct val="0"/>
-              </a:spcAft>
-            </a:pPr>
-            <a:r>
-              <a:rPr kumimoji="0" lang="en-US" altLang="en-US" sz="2000" i="0" u="none" strike="noStrike" cap="none" normalizeH="0" baseline="0" dirty="0">
-                <a:ln>
-                  <a:noFill/>
-                </a:ln>
-                <a:solidFill>
-                  <a:schemeClr val="tx1"/>
-                </a:solidFill>
-                <a:effectLst/>
-                <a:latin typeface="+mj-lt"/>
-              </a:rPr>
-              <a:t>Designs are chemically feasible by construction</a:t>
-            </a:r>
-          </a:p>
-          <a:p>
-            <a:pPr lvl="1" defTabSz="914400" eaLnBrk="0" fontAlgn="base" hangingPunct="0">
-              <a:spcBef>
-                <a:spcPct val="0"/>
-              </a:spcBef>
-              <a:spcAft>
-                <a:spcPct val="0"/>
-              </a:spcAft>
-            </a:pPr>
-            <a:r>
-              <a:rPr kumimoji="0" lang="en-US" altLang="en-US" sz="2000" i="0" u="none" strike="noStrike" cap="none" normalizeH="0" baseline="0" dirty="0">
-                <a:ln>
-                  <a:noFill/>
-                </a:ln>
-                <a:solidFill>
-                  <a:schemeClr val="tx1"/>
-                </a:solidFill>
-                <a:effectLst/>
-                <a:latin typeface="+mj-lt"/>
-              </a:rPr>
-              <a:t>Downstream steps focus on evaluation and selection</a:t>
-            </a:r>
-            <a:endParaRPr kumimoji="0" lang="en-US" altLang="en-US" sz="2400" i="0" u="none" strike="noStrike" cap="none" normalizeH="0" baseline="0" dirty="0">
-              <a:ln>
-                <a:noFill/>
-              </a:ln>
-              <a:solidFill>
-                <a:schemeClr val="tx1"/>
-              </a:solidFill>
-              <a:effectLst/>
-              <a:latin typeface="+mj-lt"/>
-            </a:endParaRPr>
-          </a:p>
-        </p:txBody>
-      </p:sp>
-    </p:spTree>
-    <p:extLst>
-      <p:ext uri="{BB962C8B-B14F-4D97-AF65-F5344CB8AC3E}">
-        <p14:creationId xmlns:p14="http://schemas.microsoft.com/office/powerpoint/2010/main" val="645561880"/>
-      </p:ext>
-    </p:extLst>
-  </p:cSld>
-  <p:clrMapOvr>
-    <a:masterClrMapping/>
-  </p:clrMapOvr>
-</p:sld>
-</file>
-
 <file path=ppt/slides/slide3.xml><?xml version="1.0" encoding="utf-8"?>
 <p:sld xmlns:a="http://schemas.openxmlformats.org/drawingml/2006/main" xmlns:r="http://schemas.openxmlformats.org/officeDocument/2006/relationships" xmlns:p="http://schemas.openxmlformats.org/presentationml/2006/main">
   <p:cSld>
@@ -8160,7 +7461,16 @@
           <a:lstStyle/>
           <a:p>
             <a:r>
-              <a:t>Traditional Design Approaches</a:t>
+              <a:rPr dirty="0"/>
+              <a:t>Traditional</a:t>
+            </a:r>
+            <a:r>
+              <a:rPr lang="en-SG" dirty="0"/>
+              <a:t> Protein</a:t>
+            </a:r>
+            <a:r>
+              <a:rPr dirty="0"/>
+              <a:t> Design Approaches</a:t>
             </a:r>
           </a:p>
         </p:txBody>
@@ -8181,21 +7491,33 @@
           <a:lstStyle/>
           <a:p>
             <a:r>
+              <a:rPr dirty="0"/>
               <a:t>Template-based design using known scaffolds</a:t>
             </a:r>
           </a:p>
           <a:p>
             <a:r>
-              <a:t>Energy minimisation and sampling with Rosetta</a:t>
-            </a:r>
-          </a:p>
-          <a:p>
-            <a:r>
+              <a:rPr dirty="0"/>
+              <a:t>Energy </a:t>
+            </a:r>
+            <a:r>
+              <a:rPr dirty="0" err="1"/>
+              <a:t>minimisation</a:t>
+            </a:r>
+            <a:r>
+              <a:rPr dirty="0"/>
+              <a:t> and sampling with Rosetta</a:t>
+            </a:r>
+          </a:p>
+          <a:p>
+            <a:r>
+              <a:rPr dirty="0"/>
               <a:t>Heuristic mutation and scoring loops</a:t>
             </a:r>
           </a:p>
           <a:p>
             <a:r>
+              <a:rPr dirty="0"/>
               <a:t>Strong physics bias but limited global exploration</a:t>
             </a:r>
           </a:p>
@@ -8278,6 +7600,1017 @@
           <p:cNvPr id="2" name="Title 1">
             <a:extLst>
               <a:ext uri="{FF2B5EF4-FFF2-40B4-BE49-F238E27FC236}">
+                <a16:creationId xmlns:a16="http://schemas.microsoft.com/office/drawing/2014/main" id="{826287DD-76F3-4493-CEAA-90467416EB64}"/>
+              </a:ext>
+            </a:extLst>
+          </p:cNvPr>
+          <p:cNvSpPr>
+            <a:spLocks noGrp="1"/>
+          </p:cNvSpPr>
+          <p:nvPr>
+            <p:ph type="title"/>
+          </p:nvPr>
+        </p:nvSpPr>
+        <p:spPr/>
+        <p:txBody>
+          <a:bodyPr>
+            <a:normAutofit fontScale="90000"/>
+          </a:bodyPr>
+          <a:lstStyle/>
+          <a:p>
+            <a:r>
+              <a:rPr lang="en-US" dirty="0"/>
+              <a:t>RFdiffusion3: Training process (all-atom learning)</a:t>
+            </a:r>
+            <a:br>
+              <a:rPr lang="en-US" dirty="0"/>
+            </a:br>
+            <a:endParaRPr lang="en-SG" dirty="0"/>
+          </a:p>
+        </p:txBody>
+      </p:sp>
+      <p:sp>
+        <p:nvSpPr>
+          <p:cNvPr id="4" name="Rectangle 1">
+            <a:extLst>
+              <a:ext uri="{FF2B5EF4-FFF2-40B4-BE49-F238E27FC236}">
+                <a16:creationId xmlns:a16="http://schemas.microsoft.com/office/drawing/2014/main" id="{763259BD-9AFD-2C4E-4EE7-4C0347B0884F}"/>
+              </a:ext>
+            </a:extLst>
+          </p:cNvPr>
+          <p:cNvSpPr>
+            <a:spLocks noGrp="1" noChangeArrowheads="1"/>
+          </p:cNvSpPr>
+          <p:nvPr>
+            <p:ph idx="1"/>
+          </p:nvPr>
+        </p:nvSpPr>
+        <p:spPr bwMode="auto">
+          <a:xfrm>
+            <a:off x="609600" y="1385580"/>
+            <a:ext cx="11483009" cy="4955203"/>
+          </a:xfrm>
+          <a:prstGeom prst="rect">
+            <a:avLst/>
+          </a:prstGeom>
+          <a:noFill/>
+          <a:ln>
+            <a:noFill/>
+          </a:ln>
+          <a:effectLst/>
+          <a:extLst>
+            <a:ext uri="{909E8E84-426E-40DD-AFC4-6F175D3DCCD1}">
+              <a14:hiddenFill xmlns:a14="http://schemas.microsoft.com/office/drawing/2010/main">
+                <a:solidFill>
+                  <a:schemeClr val="accent1"/>
+                </a:solidFill>
+              </a14:hiddenFill>
+            </a:ext>
+            <a:ext uri="{91240B29-F687-4F45-9708-019B960494DF}">
+              <a14:hiddenLine xmlns:a14="http://schemas.microsoft.com/office/drawing/2010/main" w="9525">
+                <a:solidFill>
+                  <a:schemeClr val="tx1"/>
+                </a:solidFill>
+                <a:miter lim="800000"/>
+                <a:headEnd/>
+                <a:tailEnd/>
+              </a14:hiddenLine>
+            </a:ext>
+            <a:ext uri="{AF507438-7753-43E0-B8FC-AC1667EBCBE1}">
+              <a14:hiddenEffects xmlns:a14="http://schemas.microsoft.com/office/drawing/2010/main">
+                <a:effectLst>
+                  <a:outerShdw dist="35921" dir="2700000" algn="ctr" rotWithShape="0">
+                    <a:schemeClr val="bg2"/>
+                  </a:outerShdw>
+                </a:effectLst>
+              </a14:hiddenEffects>
+            </a:ext>
+          </a:extLst>
+        </p:spPr>
+        <p:txBody>
+          <a:bodyPr vert="horz" wrap="square" lIns="91440" tIns="45720" rIns="91440" bIns="45720" numCol="1" anchor="ctr" anchorCtr="0" compatLnSpc="1">
+            <a:prstTxWarp prst="textNoShape">
+              <a:avLst/>
+            </a:prstTxWarp>
+            <a:spAutoFit/>
+          </a:bodyPr>
+          <a:lstStyle/>
+          <a:p>
+            <a:pPr defTabSz="914400" eaLnBrk="0" fontAlgn="base" hangingPunct="0">
+              <a:spcBef>
+                <a:spcPct val="0"/>
+              </a:spcBef>
+              <a:spcAft>
+                <a:spcPct val="0"/>
+              </a:spcAft>
+            </a:pPr>
+            <a:r>
+              <a:rPr kumimoji="0" lang="en-US" altLang="en-US" sz="2400" i="0" u="none" strike="noStrike" cap="none" normalizeH="0" baseline="0" dirty="0">
+                <a:ln>
+                  <a:noFill/>
+                </a:ln>
+                <a:solidFill>
+                  <a:schemeClr val="tx1"/>
+                </a:solidFill>
+                <a:effectLst/>
+                <a:latin typeface="+mj-lt"/>
+              </a:rPr>
+              <a:t>All-atom training data</a:t>
+            </a:r>
+          </a:p>
+          <a:p>
+            <a:pPr lvl="1" defTabSz="914400" eaLnBrk="0" fontAlgn="base" hangingPunct="0">
+              <a:spcBef>
+                <a:spcPct val="0"/>
+              </a:spcBef>
+              <a:spcAft>
+                <a:spcPct val="0"/>
+              </a:spcAft>
+            </a:pPr>
+            <a:r>
+              <a:rPr kumimoji="0" lang="en-US" altLang="en-US" sz="2000" i="0" u="none" strike="noStrike" cap="none" normalizeH="0" baseline="0" dirty="0">
+                <a:ln>
+                  <a:noFill/>
+                </a:ln>
+                <a:solidFill>
+                  <a:schemeClr val="tx1"/>
+                </a:solidFill>
+                <a:effectLst/>
+                <a:latin typeface="+mj-lt"/>
+              </a:rPr>
+              <a:t>Structures are represented at full atomic resolution, including backbone atoms, side chains, ligands, DNA, and RNA</a:t>
+            </a:r>
+          </a:p>
+          <a:p>
+            <a:pPr lvl="1" defTabSz="914400" eaLnBrk="0" fontAlgn="base" hangingPunct="0">
+              <a:spcBef>
+                <a:spcPct val="0"/>
+              </a:spcBef>
+              <a:spcAft>
+                <a:spcPct val="0"/>
+              </a:spcAft>
+            </a:pPr>
+            <a:r>
+              <a:rPr kumimoji="0" lang="en-US" altLang="en-US" sz="2000" i="0" u="none" strike="noStrike" cap="none" normalizeH="0" baseline="0" dirty="0">
+                <a:ln>
+                  <a:noFill/>
+                </a:ln>
+                <a:solidFill>
+                  <a:schemeClr val="tx1"/>
+                </a:solidFill>
+                <a:effectLst/>
+                <a:latin typeface="+mj-lt"/>
+              </a:rPr>
+              <a:t>Bond connectivity, atom types, and chemical identities are known to the model</a:t>
+            </a:r>
+          </a:p>
+          <a:p>
+            <a:pPr lvl="1" defTabSz="914400" eaLnBrk="0" fontAlgn="base" hangingPunct="0">
+              <a:spcBef>
+                <a:spcPct val="0"/>
+              </a:spcBef>
+              <a:spcAft>
+                <a:spcPct val="0"/>
+              </a:spcAft>
+            </a:pPr>
+            <a:r>
+              <a:rPr kumimoji="0" lang="en-US" altLang="en-US" sz="2000" i="0" u="none" strike="noStrike" cap="none" normalizeH="0" baseline="0" dirty="0">
+                <a:ln>
+                  <a:noFill/>
+                </a:ln>
+                <a:solidFill>
+                  <a:schemeClr val="tx1"/>
+                </a:solidFill>
+                <a:effectLst/>
+                <a:latin typeface="+mj-lt"/>
+              </a:rPr>
+              <a:t>Training data encodes real chemical constraints rather than abstract residue geometry</a:t>
+            </a:r>
+          </a:p>
+          <a:p>
+            <a:pPr defTabSz="914400" eaLnBrk="0" fontAlgn="base" hangingPunct="0">
+              <a:spcBef>
+                <a:spcPct val="0"/>
+              </a:spcBef>
+              <a:spcAft>
+                <a:spcPct val="0"/>
+              </a:spcAft>
+            </a:pPr>
+            <a:r>
+              <a:rPr kumimoji="0" lang="en-US" altLang="en-US" sz="2400" i="0" u="none" strike="noStrike" cap="none" normalizeH="0" baseline="0" dirty="0">
+                <a:ln>
+                  <a:noFill/>
+                </a:ln>
+                <a:solidFill>
+                  <a:schemeClr val="tx1"/>
+                </a:solidFill>
+                <a:effectLst/>
+                <a:latin typeface="+mj-lt"/>
+              </a:rPr>
+              <a:t>Forward diffusion</a:t>
+            </a:r>
+          </a:p>
+          <a:p>
+            <a:pPr lvl="1" defTabSz="914400" eaLnBrk="0" fontAlgn="base" hangingPunct="0">
+              <a:spcBef>
+                <a:spcPct val="0"/>
+              </a:spcBef>
+              <a:spcAft>
+                <a:spcPct val="0"/>
+              </a:spcAft>
+            </a:pPr>
+            <a:r>
+              <a:rPr kumimoji="0" lang="en-US" altLang="en-US" sz="2000" i="0" u="none" strike="noStrike" cap="none" normalizeH="0" baseline="0" dirty="0">
+                <a:ln>
+                  <a:noFill/>
+                </a:ln>
+                <a:solidFill>
+                  <a:schemeClr val="tx1"/>
+                </a:solidFill>
+                <a:effectLst/>
+                <a:latin typeface="+mj-lt"/>
+              </a:rPr>
+              <a:t>Random noise is added directly to atomic coordinates over many steps</a:t>
+            </a:r>
+          </a:p>
+          <a:p>
+            <a:pPr lvl="1" defTabSz="914400" eaLnBrk="0" fontAlgn="base" hangingPunct="0">
+              <a:spcBef>
+                <a:spcPct val="0"/>
+              </a:spcBef>
+              <a:spcAft>
+                <a:spcPct val="0"/>
+              </a:spcAft>
+            </a:pPr>
+            <a:r>
+              <a:rPr kumimoji="0" lang="en-US" altLang="en-US" sz="2000" i="0" u="none" strike="noStrike" cap="none" normalizeH="0" baseline="0" dirty="0">
+                <a:ln>
+                  <a:noFill/>
+                </a:ln>
+                <a:solidFill>
+                  <a:schemeClr val="tx1"/>
+                </a:solidFill>
+                <a:effectLst/>
+                <a:latin typeface="+mj-lt"/>
+              </a:rPr>
+              <a:t>Noise degrades structures at multiple scales, from local bond geometry to global fold</a:t>
+            </a:r>
+          </a:p>
+          <a:p>
+            <a:pPr lvl="1" defTabSz="914400" eaLnBrk="0" fontAlgn="base" hangingPunct="0">
+              <a:spcBef>
+                <a:spcPct val="0"/>
+              </a:spcBef>
+              <a:spcAft>
+                <a:spcPct val="0"/>
+              </a:spcAft>
+            </a:pPr>
+            <a:r>
+              <a:rPr kumimoji="0" lang="en-US" altLang="en-US" sz="2000" i="0" u="none" strike="noStrike" cap="none" normalizeH="0" baseline="0" dirty="0">
+                <a:ln>
+                  <a:noFill/>
+                </a:ln>
+                <a:solidFill>
+                  <a:schemeClr val="tx1"/>
+                </a:solidFill>
+                <a:effectLst/>
+                <a:latin typeface="+mj-lt"/>
+              </a:rPr>
+              <a:t>Covalent structure is preserved so molecules remain chemically valid even when noisy</a:t>
+            </a:r>
+          </a:p>
+          <a:p>
+            <a:pPr defTabSz="914400" eaLnBrk="0" fontAlgn="base" hangingPunct="0">
+              <a:spcBef>
+                <a:spcPct val="0"/>
+              </a:spcBef>
+              <a:spcAft>
+                <a:spcPct val="0"/>
+              </a:spcAft>
+            </a:pPr>
+            <a:r>
+              <a:rPr kumimoji="0" lang="en-US" altLang="en-US" sz="2400" i="0" u="none" strike="noStrike" cap="none" normalizeH="0" baseline="0" dirty="0">
+                <a:ln>
+                  <a:noFill/>
+                </a:ln>
+                <a:solidFill>
+                  <a:schemeClr val="tx1"/>
+                </a:solidFill>
+                <a:effectLst/>
+                <a:latin typeface="+mj-lt"/>
+              </a:rPr>
+              <a:t>Learning objective</a:t>
+            </a:r>
+          </a:p>
+          <a:p>
+            <a:pPr lvl="1" defTabSz="914400" eaLnBrk="0" fontAlgn="base" hangingPunct="0">
+              <a:spcBef>
+                <a:spcPct val="0"/>
+              </a:spcBef>
+              <a:spcAft>
+                <a:spcPct val="0"/>
+              </a:spcAft>
+            </a:pPr>
+            <a:r>
+              <a:rPr kumimoji="0" lang="en-US" altLang="en-US" sz="2000" i="0" u="none" strike="noStrike" cap="none" normalizeH="0" baseline="0" dirty="0">
+                <a:ln>
+                  <a:noFill/>
+                </a:ln>
+                <a:solidFill>
+                  <a:schemeClr val="tx1"/>
+                </a:solidFill>
+                <a:effectLst/>
+                <a:latin typeface="+mj-lt"/>
+              </a:rPr>
+              <a:t>The model is trained to predict how to reverse atomic noise</a:t>
+            </a:r>
+          </a:p>
+          <a:p>
+            <a:pPr lvl="1" defTabSz="914400" eaLnBrk="0" fontAlgn="base" hangingPunct="0">
+              <a:spcBef>
+                <a:spcPct val="0"/>
+              </a:spcBef>
+              <a:spcAft>
+                <a:spcPct val="0"/>
+              </a:spcAft>
+            </a:pPr>
+            <a:r>
+              <a:rPr kumimoji="0" lang="en-US" altLang="en-US" sz="2000" i="0" u="none" strike="noStrike" cap="none" normalizeH="0" baseline="0" dirty="0">
+                <a:ln>
+                  <a:noFill/>
+                </a:ln>
+                <a:solidFill>
+                  <a:schemeClr val="tx1"/>
+                </a:solidFill>
+                <a:effectLst/>
+                <a:latin typeface="+mj-lt"/>
+              </a:rPr>
+              <a:t>Learns statistics of physically plausible atomic arrangements</a:t>
+            </a:r>
+          </a:p>
+          <a:p>
+            <a:pPr lvl="1" defTabSz="914400" eaLnBrk="0" fontAlgn="base" hangingPunct="0">
+              <a:spcBef>
+                <a:spcPct val="0"/>
+              </a:spcBef>
+              <a:spcAft>
+                <a:spcPct val="0"/>
+              </a:spcAft>
+            </a:pPr>
+            <a:r>
+              <a:rPr kumimoji="0" lang="en-US" altLang="en-US" sz="2000" i="0" u="none" strike="noStrike" cap="none" normalizeH="0" baseline="0" dirty="0">
+                <a:ln>
+                  <a:noFill/>
+                </a:ln>
+                <a:solidFill>
+                  <a:schemeClr val="tx1"/>
+                </a:solidFill>
+                <a:effectLst/>
+                <a:latin typeface="+mj-lt"/>
+              </a:rPr>
+              <a:t>Internalizes how interfaces, binding pockets, and active sites are formed and maintained</a:t>
+            </a:r>
+          </a:p>
+          <a:p>
+            <a:pPr lvl="1" defTabSz="914400" eaLnBrk="0" fontAlgn="base" hangingPunct="0">
+              <a:spcBef>
+                <a:spcPct val="0"/>
+              </a:spcBef>
+              <a:spcAft>
+                <a:spcPct val="0"/>
+              </a:spcAft>
+            </a:pPr>
+            <a:r>
+              <a:rPr kumimoji="0" lang="en-US" altLang="en-US" sz="2000" i="0" u="none" strike="noStrike" cap="none" normalizeH="0" baseline="0" dirty="0">
+                <a:ln>
+                  <a:noFill/>
+                </a:ln>
+                <a:solidFill>
+                  <a:schemeClr val="tx1"/>
+                </a:solidFill>
+                <a:effectLst/>
+                <a:latin typeface="+mj-lt"/>
+              </a:rPr>
+              <a:t>Does not rely on energy functions or heuristic scoring during learning</a:t>
+            </a:r>
+          </a:p>
+          <a:p>
+            <a:pPr defTabSz="914400" eaLnBrk="0" fontAlgn="base" hangingPunct="0">
+              <a:spcBef>
+                <a:spcPct val="0"/>
+              </a:spcBef>
+              <a:spcAft>
+                <a:spcPct val="0"/>
+              </a:spcAft>
+            </a:pPr>
+            <a:endParaRPr kumimoji="0" lang="en-US" altLang="en-US" sz="2400" i="0" u="none" strike="noStrike" cap="none" normalizeH="0" baseline="0" dirty="0">
+              <a:ln>
+                <a:noFill/>
+              </a:ln>
+              <a:solidFill>
+                <a:schemeClr val="tx1"/>
+              </a:solidFill>
+              <a:effectLst/>
+              <a:latin typeface="+mj-lt"/>
+            </a:endParaRPr>
+          </a:p>
+        </p:txBody>
+      </p:sp>
+    </p:spTree>
+    <p:extLst>
+      <p:ext uri="{BB962C8B-B14F-4D97-AF65-F5344CB8AC3E}">
+        <p14:creationId xmlns:p14="http://schemas.microsoft.com/office/powerpoint/2010/main" val="1313025521"/>
+      </p:ext>
+    </p:extLst>
+  </p:cSld>
+  <p:clrMapOvr>
+    <a:masterClrMapping/>
+  </p:clrMapOvr>
+</p:sld>
+</file>
+
+<file path=ppt/slides/slide31.xml><?xml version="1.0" encoding="utf-8"?>
+<p:sld xmlns:a="http://schemas.openxmlformats.org/drawingml/2006/main" xmlns:r="http://schemas.openxmlformats.org/officeDocument/2006/relationships" xmlns:p="http://schemas.openxmlformats.org/presentationml/2006/main">
+  <p:cSld>
+    <p:spTree>
+      <p:nvGrpSpPr>
+        <p:cNvPr id="1" name=""/>
+        <p:cNvGrpSpPr/>
+        <p:nvPr/>
+      </p:nvGrpSpPr>
+      <p:grpSpPr>
+        <a:xfrm>
+          <a:off x="0" y="0"/>
+          <a:ext cx="0" cy="0"/>
+          <a:chOff x="0" y="0"/>
+          <a:chExt cx="0" cy="0"/>
+        </a:xfrm>
+      </p:grpSpPr>
+      <p:sp>
+        <p:nvSpPr>
+          <p:cNvPr id="2" name="Title 1">
+            <a:extLst>
+              <a:ext uri="{FF2B5EF4-FFF2-40B4-BE49-F238E27FC236}">
+                <a16:creationId xmlns:a16="http://schemas.microsoft.com/office/drawing/2014/main" id="{1D51D175-7B1C-7835-A563-5D7B5571D11F}"/>
+              </a:ext>
+            </a:extLst>
+          </p:cNvPr>
+          <p:cNvSpPr>
+            <a:spLocks noGrp="1"/>
+          </p:cNvSpPr>
+          <p:nvPr>
+            <p:ph type="title"/>
+          </p:nvPr>
+        </p:nvSpPr>
+        <p:spPr>
+          <a:xfrm>
+            <a:off x="609600" y="44309"/>
+            <a:ext cx="10972800" cy="1143000"/>
+          </a:xfrm>
+        </p:spPr>
+        <p:txBody>
+          <a:bodyPr>
+            <a:normAutofit/>
+          </a:bodyPr>
+          <a:lstStyle/>
+          <a:p>
+            <a:r>
+              <a:rPr lang="en-SG" sz="4000" dirty="0"/>
+              <a:t>RFdiffusion3: Generation (inference) process</a:t>
+            </a:r>
+          </a:p>
+        </p:txBody>
+      </p:sp>
+      <p:sp>
+        <p:nvSpPr>
+          <p:cNvPr id="4" name="Rectangle 1">
+            <a:extLst>
+              <a:ext uri="{FF2B5EF4-FFF2-40B4-BE49-F238E27FC236}">
+                <a16:creationId xmlns:a16="http://schemas.microsoft.com/office/drawing/2014/main" id="{0041230C-18F7-8FBB-DED1-A112CF375182}"/>
+              </a:ext>
+            </a:extLst>
+          </p:cNvPr>
+          <p:cNvSpPr>
+            <a:spLocks noGrp="1" noChangeArrowheads="1"/>
+          </p:cNvSpPr>
+          <p:nvPr>
+            <p:ph idx="1"/>
+          </p:nvPr>
+        </p:nvSpPr>
+        <p:spPr bwMode="auto">
+          <a:xfrm>
+            <a:off x="609600" y="1077803"/>
+            <a:ext cx="9405203" cy="5570756"/>
+          </a:xfrm>
+          <a:prstGeom prst="rect">
+            <a:avLst/>
+          </a:prstGeom>
+          <a:noFill/>
+          <a:ln>
+            <a:noFill/>
+          </a:ln>
+          <a:effectLst/>
+          <a:extLst>
+            <a:ext uri="{909E8E84-426E-40DD-AFC4-6F175D3DCCD1}">
+              <a14:hiddenFill xmlns:a14="http://schemas.microsoft.com/office/drawing/2010/main">
+                <a:solidFill>
+                  <a:schemeClr val="accent1"/>
+                </a:solidFill>
+              </a14:hiddenFill>
+            </a:ext>
+            <a:ext uri="{91240B29-F687-4F45-9708-019B960494DF}">
+              <a14:hiddenLine xmlns:a14="http://schemas.microsoft.com/office/drawing/2010/main" w="9525">
+                <a:solidFill>
+                  <a:schemeClr val="tx1"/>
+                </a:solidFill>
+                <a:miter lim="800000"/>
+                <a:headEnd/>
+                <a:tailEnd/>
+              </a14:hiddenLine>
+            </a:ext>
+            <a:ext uri="{AF507438-7753-43E0-B8FC-AC1667EBCBE1}">
+              <a14:hiddenEffects xmlns:a14="http://schemas.microsoft.com/office/drawing/2010/main">
+                <a:effectLst>
+                  <a:outerShdw dist="35921" dir="2700000" algn="ctr" rotWithShape="0">
+                    <a:schemeClr val="bg2"/>
+                  </a:outerShdw>
+                </a:effectLst>
+              </a14:hiddenEffects>
+            </a:ext>
+          </a:extLst>
+        </p:spPr>
+        <p:txBody>
+          <a:bodyPr vert="horz" wrap="none" lIns="91440" tIns="45720" rIns="91440" bIns="45720" numCol="1" anchor="ctr" anchorCtr="0" compatLnSpc="1">
+            <a:prstTxWarp prst="textNoShape">
+              <a:avLst/>
+            </a:prstTxWarp>
+            <a:spAutoFit/>
+          </a:bodyPr>
+          <a:lstStyle/>
+          <a:p>
+            <a:pPr defTabSz="914400" eaLnBrk="0" fontAlgn="base" hangingPunct="0">
+              <a:spcBef>
+                <a:spcPct val="0"/>
+              </a:spcBef>
+              <a:spcAft>
+                <a:spcPct val="0"/>
+              </a:spcAft>
+            </a:pPr>
+            <a:r>
+              <a:rPr kumimoji="0" lang="en-US" altLang="en-US" sz="2400" i="0" u="none" strike="noStrike" cap="none" normalizeH="0" baseline="0" dirty="0">
+                <a:ln>
+                  <a:noFill/>
+                </a:ln>
+                <a:solidFill>
+                  <a:schemeClr val="tx1"/>
+                </a:solidFill>
+                <a:effectLst/>
+                <a:latin typeface="+mj-lt"/>
+              </a:rPr>
+              <a:t>Input and conditioning</a:t>
+            </a:r>
+          </a:p>
+          <a:p>
+            <a:pPr lvl="1" defTabSz="914400" eaLnBrk="0" fontAlgn="base" hangingPunct="0">
+              <a:spcBef>
+                <a:spcPct val="0"/>
+              </a:spcBef>
+              <a:spcAft>
+                <a:spcPct val="0"/>
+              </a:spcAft>
+            </a:pPr>
+            <a:r>
+              <a:rPr kumimoji="0" lang="en-US" altLang="en-US" sz="2000" i="0" u="none" strike="noStrike" cap="none" normalizeH="0" baseline="0" dirty="0">
+                <a:ln>
+                  <a:noFill/>
+                </a:ln>
+                <a:solidFill>
+                  <a:schemeClr val="tx1"/>
+                </a:solidFill>
+                <a:effectLst/>
+                <a:latin typeface="+mj-lt"/>
+              </a:rPr>
+              <a:t>Target molecules are provided as fixed or partially flexible atomic structures</a:t>
+            </a:r>
+          </a:p>
+          <a:p>
+            <a:pPr lvl="1" defTabSz="914400" eaLnBrk="0" fontAlgn="base" hangingPunct="0">
+              <a:spcBef>
+                <a:spcPct val="0"/>
+              </a:spcBef>
+              <a:spcAft>
+                <a:spcPct val="0"/>
+              </a:spcAft>
+            </a:pPr>
+            <a:r>
+              <a:rPr kumimoji="0" lang="en-US" altLang="en-US" sz="2000" i="0" u="none" strike="noStrike" cap="none" normalizeH="0" baseline="0" dirty="0">
+                <a:ln>
+                  <a:noFill/>
+                </a:ln>
+                <a:solidFill>
+                  <a:schemeClr val="tx1"/>
+                </a:solidFill>
+                <a:effectLst/>
+                <a:latin typeface="+mj-lt"/>
+              </a:rPr>
+              <a:t>Designable regions and non-protein partners are explicitly defined</a:t>
+            </a:r>
+          </a:p>
+          <a:p>
+            <a:pPr lvl="1" defTabSz="914400" eaLnBrk="0" fontAlgn="base" hangingPunct="0">
+              <a:spcBef>
+                <a:spcPct val="0"/>
+              </a:spcBef>
+              <a:spcAft>
+                <a:spcPct val="0"/>
+              </a:spcAft>
+            </a:pPr>
+            <a:r>
+              <a:rPr kumimoji="0" lang="en-US" altLang="en-US" sz="2000" i="0" u="none" strike="noStrike" cap="none" normalizeH="0" baseline="0" dirty="0">
+                <a:ln>
+                  <a:noFill/>
+                </a:ln>
+                <a:solidFill>
+                  <a:schemeClr val="tx1"/>
+                </a:solidFill>
+                <a:effectLst/>
+                <a:latin typeface="+mj-lt"/>
+              </a:rPr>
+              <a:t>Constraints specify which atoms must remain fixed, flexible, or biased</a:t>
+            </a:r>
+          </a:p>
+          <a:p>
+            <a:pPr defTabSz="914400" eaLnBrk="0" fontAlgn="base" hangingPunct="0">
+              <a:spcBef>
+                <a:spcPct val="0"/>
+              </a:spcBef>
+              <a:spcAft>
+                <a:spcPct val="0"/>
+              </a:spcAft>
+            </a:pPr>
+            <a:r>
+              <a:rPr kumimoji="0" lang="en-US" altLang="en-US" sz="2400" i="0" u="none" strike="noStrike" cap="none" normalizeH="0" baseline="0" dirty="0">
+                <a:ln>
+                  <a:noFill/>
+                </a:ln>
+                <a:solidFill>
+                  <a:schemeClr val="tx1"/>
+                </a:solidFill>
+                <a:effectLst/>
+                <a:latin typeface="+mj-lt"/>
+              </a:rPr>
+              <a:t>Reverse diffusion</a:t>
+            </a:r>
+          </a:p>
+          <a:p>
+            <a:pPr lvl="1" defTabSz="914400" eaLnBrk="0" fontAlgn="base" hangingPunct="0">
+              <a:spcBef>
+                <a:spcPct val="0"/>
+              </a:spcBef>
+              <a:spcAft>
+                <a:spcPct val="0"/>
+              </a:spcAft>
+            </a:pPr>
+            <a:r>
+              <a:rPr kumimoji="0" lang="en-US" altLang="en-US" sz="2000" i="0" u="none" strike="noStrike" cap="none" normalizeH="0" baseline="0" dirty="0">
+                <a:ln>
+                  <a:noFill/>
+                </a:ln>
+                <a:solidFill>
+                  <a:schemeClr val="tx1"/>
+                </a:solidFill>
+                <a:effectLst/>
+                <a:latin typeface="+mj-lt"/>
+              </a:rPr>
+              <a:t>Generation begins from a noisy atomic configuration</a:t>
+            </a:r>
+          </a:p>
+          <a:p>
+            <a:pPr lvl="1" defTabSz="914400" eaLnBrk="0" fontAlgn="base" hangingPunct="0">
+              <a:spcBef>
+                <a:spcPct val="0"/>
+              </a:spcBef>
+              <a:spcAft>
+                <a:spcPct val="0"/>
+              </a:spcAft>
+            </a:pPr>
+            <a:r>
+              <a:rPr kumimoji="0" lang="en-US" altLang="en-US" sz="2000" i="0" u="none" strike="noStrike" cap="none" normalizeH="0" baseline="0" dirty="0">
+                <a:ln>
+                  <a:noFill/>
+                </a:ln>
+                <a:solidFill>
+                  <a:schemeClr val="tx1"/>
+                </a:solidFill>
+                <a:effectLst/>
+                <a:latin typeface="+mj-lt"/>
+              </a:rPr>
+              <a:t>At each step, the model refines atom positions </a:t>
+            </a:r>
+            <a:r>
+              <a:rPr kumimoji="0" lang="en-US" altLang="en-US" sz="2000" i="0" u="none" strike="noStrike" cap="none" normalizeH="0" baseline="0">
+                <a:ln>
+                  <a:noFill/>
+                </a:ln>
+                <a:solidFill>
+                  <a:schemeClr val="tx1"/>
+                </a:solidFill>
+                <a:effectLst/>
+                <a:latin typeface="+mj-lt"/>
+              </a:rPr>
+              <a:t>toward chemically-valid </a:t>
+            </a:r>
+            <a:r>
+              <a:rPr kumimoji="0" lang="en-US" altLang="en-US" sz="2000" i="0" u="none" strike="noStrike" cap="none" normalizeH="0" baseline="0" dirty="0">
+                <a:ln>
+                  <a:noFill/>
+                </a:ln>
+                <a:solidFill>
+                  <a:schemeClr val="tx1"/>
+                </a:solidFill>
+                <a:effectLst/>
+                <a:latin typeface="+mj-lt"/>
+              </a:rPr>
+              <a:t>structures</a:t>
+            </a:r>
+          </a:p>
+          <a:p>
+            <a:pPr lvl="1" defTabSz="914400" eaLnBrk="0" fontAlgn="base" hangingPunct="0">
+              <a:spcBef>
+                <a:spcPct val="0"/>
+              </a:spcBef>
+              <a:spcAft>
+                <a:spcPct val="0"/>
+              </a:spcAft>
+            </a:pPr>
+            <a:r>
+              <a:rPr kumimoji="0" lang="en-US" altLang="en-US" sz="2000" i="0" u="none" strike="noStrike" cap="none" normalizeH="0" baseline="0" dirty="0">
+                <a:ln>
+                  <a:noFill/>
+                </a:ln>
+                <a:solidFill>
+                  <a:schemeClr val="tx1"/>
+                </a:solidFill>
+                <a:effectLst/>
+                <a:latin typeface="+mj-lt"/>
+              </a:rPr>
+              <a:t>All components evolve together, allowing interfaces to emerge naturally</a:t>
+            </a:r>
+          </a:p>
+          <a:p>
+            <a:pPr defTabSz="914400" eaLnBrk="0" fontAlgn="base" hangingPunct="0">
+              <a:spcBef>
+                <a:spcPct val="0"/>
+              </a:spcBef>
+              <a:spcAft>
+                <a:spcPct val="0"/>
+              </a:spcAft>
+            </a:pPr>
+            <a:r>
+              <a:rPr kumimoji="0" lang="en-US" altLang="en-US" sz="2400" i="0" u="none" strike="noStrike" cap="none" normalizeH="0" baseline="0" dirty="0">
+                <a:ln>
+                  <a:noFill/>
+                </a:ln>
+                <a:solidFill>
+                  <a:schemeClr val="tx1"/>
+                </a:solidFill>
+                <a:effectLst/>
+                <a:latin typeface="+mj-lt"/>
+              </a:rPr>
+              <a:t>Constraint enforcement</a:t>
+            </a:r>
+          </a:p>
+          <a:p>
+            <a:pPr lvl="1" defTabSz="914400" eaLnBrk="0" fontAlgn="base" hangingPunct="0">
+              <a:spcBef>
+                <a:spcPct val="0"/>
+              </a:spcBef>
+              <a:spcAft>
+                <a:spcPct val="0"/>
+              </a:spcAft>
+            </a:pPr>
+            <a:r>
+              <a:rPr kumimoji="0" lang="en-US" altLang="en-US" sz="2000" i="0" u="none" strike="noStrike" cap="none" normalizeH="0" baseline="0" dirty="0">
+                <a:ln>
+                  <a:noFill/>
+                </a:ln>
+                <a:solidFill>
+                  <a:schemeClr val="tx1"/>
+                </a:solidFill>
+                <a:effectLst/>
+                <a:latin typeface="+mj-lt"/>
+              </a:rPr>
+              <a:t>Constraints act directly on atoms rather than through penalty terms</a:t>
+            </a:r>
+          </a:p>
+          <a:p>
+            <a:pPr lvl="1" defTabSz="914400" eaLnBrk="0" fontAlgn="base" hangingPunct="0">
+              <a:spcBef>
+                <a:spcPct val="0"/>
+              </a:spcBef>
+              <a:spcAft>
+                <a:spcPct val="0"/>
+              </a:spcAft>
+            </a:pPr>
+            <a:r>
+              <a:rPr kumimoji="0" lang="en-US" altLang="en-US" sz="2000" i="0" u="none" strike="noStrike" cap="none" normalizeH="0" baseline="0" dirty="0">
+                <a:ln>
+                  <a:noFill/>
+                </a:ln>
+                <a:solidFill>
+                  <a:schemeClr val="tx1"/>
+                </a:solidFill>
+                <a:effectLst/>
+                <a:latin typeface="+mj-lt"/>
+              </a:rPr>
+              <a:t>Fixed atoms serve as physical anchors during generation</a:t>
+            </a:r>
+          </a:p>
+          <a:p>
+            <a:pPr lvl="1" defTabSz="914400" eaLnBrk="0" fontAlgn="base" hangingPunct="0">
+              <a:spcBef>
+                <a:spcPct val="0"/>
+              </a:spcBef>
+              <a:spcAft>
+                <a:spcPct val="0"/>
+              </a:spcAft>
+            </a:pPr>
+            <a:r>
+              <a:rPr kumimoji="0" lang="en-US" altLang="en-US" sz="2000" i="0" u="none" strike="noStrike" cap="none" normalizeH="0" baseline="0" dirty="0">
+                <a:ln>
+                  <a:noFill/>
+                </a:ln>
+                <a:solidFill>
+                  <a:schemeClr val="tx1"/>
+                </a:solidFill>
+                <a:effectLst/>
+                <a:latin typeface="+mj-lt"/>
+              </a:rPr>
+              <a:t>Biases guide binding geometry, orientation, and contact formation</a:t>
+            </a:r>
+          </a:p>
+          <a:p>
+            <a:pPr defTabSz="914400" eaLnBrk="0" fontAlgn="base" hangingPunct="0">
+              <a:spcBef>
+                <a:spcPct val="0"/>
+              </a:spcBef>
+              <a:spcAft>
+                <a:spcPct val="0"/>
+              </a:spcAft>
+            </a:pPr>
+            <a:r>
+              <a:rPr kumimoji="0" lang="en-US" altLang="en-US" sz="2400" i="0" u="none" strike="noStrike" cap="none" normalizeH="0" baseline="0" dirty="0">
+                <a:ln>
+                  <a:noFill/>
+                </a:ln>
+                <a:solidFill>
+                  <a:schemeClr val="tx1"/>
+                </a:solidFill>
+                <a:effectLst/>
+                <a:latin typeface="+mj-lt"/>
+              </a:rPr>
+              <a:t>Output</a:t>
+            </a:r>
+          </a:p>
+          <a:p>
+            <a:pPr lvl="1" defTabSz="914400" eaLnBrk="0" fontAlgn="base" hangingPunct="0">
+              <a:spcBef>
+                <a:spcPct val="0"/>
+              </a:spcBef>
+              <a:spcAft>
+                <a:spcPct val="0"/>
+              </a:spcAft>
+            </a:pPr>
+            <a:r>
+              <a:rPr kumimoji="0" lang="en-US" altLang="en-US" sz="2000" i="0" u="none" strike="noStrike" cap="none" normalizeH="0" baseline="0" dirty="0">
+                <a:ln>
+                  <a:noFill/>
+                </a:ln>
+                <a:solidFill>
+                  <a:schemeClr val="tx1"/>
+                </a:solidFill>
+                <a:effectLst/>
+                <a:latin typeface="+mj-lt"/>
+              </a:rPr>
+              <a:t>A complete all-atom structure is produced</a:t>
+            </a:r>
+          </a:p>
+          <a:p>
+            <a:pPr lvl="1" defTabSz="914400" eaLnBrk="0" fontAlgn="base" hangingPunct="0">
+              <a:spcBef>
+                <a:spcPct val="0"/>
+              </a:spcBef>
+              <a:spcAft>
+                <a:spcPct val="0"/>
+              </a:spcAft>
+            </a:pPr>
+            <a:r>
+              <a:rPr kumimoji="0" lang="en-US" altLang="en-US" sz="2000" i="0" u="none" strike="noStrike" cap="none" normalizeH="0" baseline="0" dirty="0">
+                <a:ln>
+                  <a:noFill/>
+                </a:ln>
+                <a:solidFill>
+                  <a:schemeClr val="tx1"/>
+                </a:solidFill>
+                <a:effectLst/>
+                <a:latin typeface="+mj-lt"/>
+              </a:rPr>
+              <a:t>Side chains, ligands, and nucleic acids are already placed</a:t>
+            </a:r>
+          </a:p>
+          <a:p>
+            <a:pPr lvl="1" defTabSz="914400" eaLnBrk="0" fontAlgn="base" hangingPunct="0">
+              <a:spcBef>
+                <a:spcPct val="0"/>
+              </a:spcBef>
+              <a:spcAft>
+                <a:spcPct val="0"/>
+              </a:spcAft>
+            </a:pPr>
+            <a:r>
+              <a:rPr kumimoji="0" lang="en-US" altLang="en-US" sz="2000" i="0" u="none" strike="noStrike" cap="none" normalizeH="0" baseline="0" dirty="0">
+                <a:ln>
+                  <a:noFill/>
+                </a:ln>
+                <a:solidFill>
+                  <a:schemeClr val="tx1"/>
+                </a:solidFill>
+                <a:effectLst/>
+                <a:latin typeface="+mj-lt"/>
+              </a:rPr>
+              <a:t>Designs are chemically feasible by construction</a:t>
+            </a:r>
+          </a:p>
+          <a:p>
+            <a:pPr lvl="1" defTabSz="914400" eaLnBrk="0" fontAlgn="base" hangingPunct="0">
+              <a:spcBef>
+                <a:spcPct val="0"/>
+              </a:spcBef>
+              <a:spcAft>
+                <a:spcPct val="0"/>
+              </a:spcAft>
+            </a:pPr>
+            <a:r>
+              <a:rPr kumimoji="0" lang="en-US" altLang="en-US" sz="2000" i="0" u="none" strike="noStrike" cap="none" normalizeH="0" baseline="0" dirty="0">
+                <a:ln>
+                  <a:noFill/>
+                </a:ln>
+                <a:solidFill>
+                  <a:schemeClr val="tx1"/>
+                </a:solidFill>
+                <a:effectLst/>
+                <a:latin typeface="+mj-lt"/>
+              </a:rPr>
+              <a:t>Downstream steps focus on evaluation and selection</a:t>
+            </a:r>
+            <a:endParaRPr kumimoji="0" lang="en-US" altLang="en-US" sz="2400" i="0" u="none" strike="noStrike" cap="none" normalizeH="0" baseline="0" dirty="0">
+              <a:ln>
+                <a:noFill/>
+              </a:ln>
+              <a:solidFill>
+                <a:schemeClr val="tx1"/>
+              </a:solidFill>
+              <a:effectLst/>
+              <a:latin typeface="+mj-lt"/>
+            </a:endParaRPr>
+          </a:p>
+        </p:txBody>
+      </p:sp>
+    </p:spTree>
+    <p:extLst>
+      <p:ext uri="{BB962C8B-B14F-4D97-AF65-F5344CB8AC3E}">
+        <p14:creationId xmlns:p14="http://schemas.microsoft.com/office/powerpoint/2010/main" val="645561880"/>
+      </p:ext>
+    </p:extLst>
+  </p:cSld>
+  <p:clrMapOvr>
+    <a:masterClrMapping/>
+  </p:clrMapOvr>
+</p:sld>
+</file>
+
+<file path=ppt/slides/slide32.xml><?xml version="1.0" encoding="utf-8"?>
+<p:sld xmlns:a="http://schemas.openxmlformats.org/drawingml/2006/main" xmlns:r="http://schemas.openxmlformats.org/officeDocument/2006/relationships" xmlns:p="http://schemas.openxmlformats.org/presentationml/2006/main">
+  <p:cSld>
+    <p:spTree>
+      <p:nvGrpSpPr>
+        <p:cNvPr id="1" name=""/>
+        <p:cNvGrpSpPr/>
+        <p:nvPr/>
+      </p:nvGrpSpPr>
+      <p:grpSpPr>
+        <a:xfrm>
+          <a:off x="0" y="0"/>
+          <a:ext cx="0" cy="0"/>
+          <a:chOff x="0" y="0"/>
+          <a:chExt cx="0" cy="0"/>
+        </a:xfrm>
+      </p:grpSpPr>
+      <p:sp>
+        <p:nvSpPr>
+          <p:cNvPr id="2" name="Title 1">
+            <a:extLst>
+              <a:ext uri="{FF2B5EF4-FFF2-40B4-BE49-F238E27FC236}">
                 <a16:creationId xmlns:a16="http://schemas.microsoft.com/office/drawing/2014/main" id="{D171B66A-8534-8BAA-D330-8E0F53E95E1B}"/>
               </a:ext>
             </a:extLst>
@@ -8545,7 +8878,7 @@
 </p:sld>
 </file>
 
-<file path=ppt/slides/slide31.xml><?xml version="1.0" encoding="utf-8"?>
+<file path=ppt/slides/slide33.xml><?xml version="1.0" encoding="utf-8"?>
 <p:sld xmlns:a="http://schemas.openxmlformats.org/drawingml/2006/main" xmlns:r="http://schemas.openxmlformats.org/officeDocument/2006/relationships" xmlns:p="http://schemas.openxmlformats.org/presentationml/2006/main">
   <p:cSld>
     <p:spTree>
@@ -8822,7 +9155,7 @@
 </p:sld>
 </file>
 
-<file path=ppt/slides/slide32.xml><?xml version="1.0" encoding="utf-8"?>
+<file path=ppt/slides/slide34.xml><?xml version="1.0" encoding="utf-8"?>
 <p:sld xmlns:a="http://schemas.openxmlformats.org/drawingml/2006/main" xmlns:r="http://schemas.openxmlformats.org/officeDocument/2006/relationships" xmlns:p="http://schemas.openxmlformats.org/presentationml/2006/main">
   <p:cSld>
     <p:spTree>
@@ -9124,7 +9457,7 @@
 </p:sld>
 </file>
 
-<file path=ppt/slides/slide33.xml><?xml version="1.0" encoding="utf-8"?>
+<file path=ppt/slides/slide35.xml><?xml version="1.0" encoding="utf-8"?>
 <p:sld xmlns:a="http://schemas.openxmlformats.org/drawingml/2006/main" xmlns:r="http://schemas.openxmlformats.org/officeDocument/2006/relationships" xmlns:p="http://schemas.openxmlformats.org/presentationml/2006/main">
   <p:cSld>
     <p:spTree>
@@ -9172,10 +9505,15 @@
             <p:ph idx="1"/>
           </p:nvPr>
         </p:nvSpPr>
-        <p:spPr/>
+        <p:spPr>
+          <a:xfrm>
+            <a:off x="609600" y="1600201"/>
+            <a:ext cx="10972800" cy="5085079"/>
+          </a:xfrm>
+        </p:spPr>
         <p:txBody>
           <a:bodyPr>
-            <a:normAutofit fontScale="62500" lnSpcReduction="20000"/>
+            <a:normAutofit fontScale="55000" lnSpcReduction="20000"/>
           </a:bodyPr>
           <a:lstStyle/>
           <a:p>
@@ -9213,61 +9551,85 @@
             </a:r>
             <a:r>
               <a:rPr lang="en-SG" dirty="0"/>
-              <a:t>old3</a:t>
-            </a:r>
-          </a:p>
-          <a:p>
+              <a:t>old3 (RF3)</a:t>
+            </a:r>
+          </a:p>
+          <a:p>
+            <a:r>
+              <a:rPr lang="en-SG" dirty="0"/>
+              <a:t>RFdiffusion3</a:t>
+            </a:r>
+          </a:p>
+          <a:p>
+            <a:pPr lvl="1"/>
+            <a:r>
+              <a:rPr lang="en-SG" dirty="0"/>
+              <a:t>Generates atomic structures</a:t>
+            </a:r>
+          </a:p>
+          <a:p>
+            <a:pPr lvl="1"/>
+            <a:r>
+              <a:rPr lang="en-SG" dirty="0"/>
+              <a:t>Handles constraints and interface formation</a:t>
+            </a:r>
+          </a:p>
+          <a:p>
+            <a:r>
+              <a:rPr lang="en-SG" dirty="0" err="1"/>
+              <a:t>ProteinMPNN</a:t>
+            </a:r>
+            <a:endParaRPr lang="en-SG" dirty="0"/>
+          </a:p>
+          <a:p>
+            <a:pPr lvl="1"/>
+            <a:r>
+              <a:rPr lang="en-SG" dirty="0"/>
+              <a:t>Assigns sequences compatible with generated backbones</a:t>
+            </a:r>
+          </a:p>
+          <a:p>
+            <a:pPr lvl="1"/>
+            <a:r>
+              <a:rPr lang="en-SG" dirty="0"/>
+              <a:t>Respects atomic context from </a:t>
+            </a:r>
             <a:r>
               <a:rPr lang="en-SG" dirty="0" err="1"/>
               <a:t>RFdiffusion</a:t>
             </a:r>
             <a:r>
               <a:rPr lang="en-SG" dirty="0"/>
-              <a:t> 3</a:t>
+              <a:t> output</a:t>
+            </a:r>
+          </a:p>
+          <a:p>
+            <a:r>
+              <a:rPr lang="en-US" dirty="0"/>
+              <a:t>RF3 is a structure predictor, similar in role to AlphaFold</a:t>
             </a:r>
           </a:p>
           <a:p>
             <a:pPr lvl="1"/>
             <a:r>
-              <a:rPr lang="en-SG" dirty="0"/>
-              <a:t>Generates atomic structures</a:t>
+              <a:rPr lang="en-US" dirty="0"/>
+              <a:t>Takes sequence (and sometimes initial coordinates) </a:t>
             </a:r>
           </a:p>
           <a:p>
             <a:pPr lvl="1"/>
             <a:r>
-              <a:rPr lang="en-SG" dirty="0"/>
-              <a:t>Handles constraints and interface formation</a:t>
-            </a:r>
-          </a:p>
-          <a:p>
-            <a:r>
-              <a:rPr lang="en-SG" dirty="0" err="1"/>
-              <a:t>ProteinMPNN</a:t>
+              <a:rPr lang="en-US" dirty="0"/>
+              <a:t>Predicts a folded structure </a:t>
+            </a:r>
+          </a:p>
+          <a:p>
+            <a:pPr lvl="1"/>
+            <a:r>
+              <a:rPr lang="en-US" dirty="0"/>
+              <a:t>Outputs confidence metrics</a:t>
             </a:r>
             <a:endParaRPr lang="en-SG" dirty="0"/>
-          </a:p>
-          <a:p>
-            <a:pPr lvl="1"/>
-            <a:r>
-              <a:rPr lang="en-SG" dirty="0"/>
-              <a:t>Assigns sequences compatible with generated backbones</a:t>
-            </a:r>
-          </a:p>
-          <a:p>
-            <a:pPr lvl="1"/>
-            <a:r>
-              <a:rPr lang="en-SG" dirty="0"/>
-              <a:t>Respects atomic context from </a:t>
-            </a:r>
-            <a:r>
-              <a:rPr lang="en-SG" dirty="0" err="1"/>
-              <a:t>RFdiffusion</a:t>
-            </a:r>
-            <a:r>
-              <a:rPr lang="en-SG" dirty="0"/>
-              <a:t> output</a:t>
-            </a:r>
           </a:p>
           <a:p>
             <a:r>
@@ -9322,7 +9684,7 @@
 </p:sld>
 </file>
 
-<file path=ppt/slides/slide34.xml><?xml version="1.0" encoding="utf-8"?>
+<file path=ppt/slides/slide36.xml><?xml version="1.0" encoding="utf-8"?>
 <p:sld xmlns:a="http://schemas.openxmlformats.org/drawingml/2006/main" xmlns:r="http://schemas.openxmlformats.org/officeDocument/2006/relationships" xmlns:p="http://schemas.openxmlformats.org/presentationml/2006/main">
   <p:cSld>
     <p:spTree>
@@ -9355,14 +9717,28 @@
             <p:ph type="title"/>
           </p:nvPr>
         </p:nvSpPr>
-        <p:spPr/>
+        <p:spPr>
+          <a:xfrm>
+            <a:off x="609600" y="118851"/>
+            <a:ext cx="10972800" cy="1143000"/>
+          </a:xfrm>
+        </p:spPr>
         <p:txBody>
-          <a:bodyPr/>
+          <a:bodyPr>
+            <a:normAutofit fontScale="90000"/>
+          </a:bodyPr>
           <a:lstStyle/>
           <a:p>
             <a:r>
               <a:rPr lang="en-SG" dirty="0"/>
-              <a:t>Foundry workflow</a:t>
+              <a:t>Implementation:</a:t>
+            </a:r>
+            <a:br>
+              <a:rPr lang="en-SG" dirty="0"/>
+            </a:br>
+            <a:r>
+              <a:rPr lang="en-SG" dirty="0"/>
+              <a:t>IPD Design Pipeline</a:t>
             </a:r>
           </a:p>
         </p:txBody>
@@ -9385,8 +9761,8 @@
         </p:nvSpPr>
         <p:spPr bwMode="auto">
           <a:xfrm>
-            <a:off x="609600" y="1157940"/>
-            <a:ext cx="6988580" cy="4893647"/>
+            <a:off x="316579" y="1305738"/>
+            <a:ext cx="10972799" cy="5509200"/>
           </a:xfrm>
           <a:prstGeom prst="rect">
             <a:avLst/>
@@ -9426,13 +9802,298 @@
           </a:extLst>
         </p:spPr>
         <p:txBody>
-          <a:bodyPr vert="horz" wrap="none" lIns="91440" tIns="45720" rIns="91440" bIns="45720" numCol="1" anchor="ctr" anchorCtr="0" compatLnSpc="1">
+          <a:bodyPr vert="horz" wrap="square" lIns="91440" tIns="45720" rIns="91440" bIns="45720" numCol="1" anchor="ctr" anchorCtr="0" compatLnSpc="1">
             <a:prstTxWarp prst="textNoShape">
               <a:avLst/>
             </a:prstTxWarp>
             <a:spAutoFit/>
           </a:bodyPr>
           <a:lstStyle/>
+          <a:p>
+            <a:pPr defTabSz="914400" eaLnBrk="0" fontAlgn="base" hangingPunct="0">
+              <a:spcBef>
+                <a:spcPct val="0"/>
+              </a:spcBef>
+              <a:spcAft>
+                <a:spcPct val="0"/>
+              </a:spcAft>
+            </a:pPr>
+            <a:r>
+              <a:rPr lang="en-US" altLang="en-US" sz="2400" dirty="0">
+                <a:latin typeface="+mj-lt"/>
+              </a:rPr>
+              <a:t>Input: Target Structure + Constraints</a:t>
+            </a:r>
+          </a:p>
+          <a:p>
+            <a:pPr marL="457200" indent="-457200" defTabSz="914400" eaLnBrk="0" fontAlgn="base" hangingPunct="0">
+              <a:spcBef>
+                <a:spcPct val="0"/>
+              </a:spcBef>
+              <a:spcAft>
+                <a:spcPct val="0"/>
+              </a:spcAft>
+              <a:buAutoNum type="arabicPeriod"/>
+            </a:pPr>
+            <a:r>
+              <a:rPr lang="en-US" altLang="en-US" sz="2400" dirty="0">
+                <a:latin typeface="+mj-lt"/>
+              </a:rPr>
+              <a:t>RFDiffusion3 (Structure generation)</a:t>
+            </a:r>
+          </a:p>
+          <a:p>
+            <a:pPr marL="857250" lvl="1" indent="-457200" defTabSz="914400" eaLnBrk="0" fontAlgn="base" hangingPunct="0">
+              <a:spcBef>
+                <a:spcPct val="0"/>
+              </a:spcBef>
+              <a:spcAft>
+                <a:spcPct val="0"/>
+              </a:spcAft>
+              <a:buAutoNum type="arabicPeriod"/>
+            </a:pPr>
+            <a:r>
+              <a:rPr lang="en-SG" sz="1600" dirty="0"/>
+              <a:t>RFD3 performs all-atom diffusion</a:t>
+            </a:r>
+          </a:p>
+          <a:p>
+            <a:pPr marL="857250" lvl="1" indent="-457200" defTabSz="914400" eaLnBrk="0" fontAlgn="base" hangingPunct="0">
+              <a:spcBef>
+                <a:spcPct val="0"/>
+              </a:spcBef>
+              <a:spcAft>
+                <a:spcPct val="0"/>
+              </a:spcAft>
+              <a:buAutoNum type="arabicPeriod"/>
+            </a:pPr>
+            <a:r>
+              <a:rPr lang="en-US" altLang="en-US" sz="1600" dirty="0">
+                <a:latin typeface="+mj-lt"/>
+              </a:rPr>
+              <a:t>Outputs:</a:t>
+            </a:r>
+          </a:p>
+          <a:p>
+            <a:pPr marL="1257300" lvl="2" indent="-457200" defTabSz="914400" eaLnBrk="0" fontAlgn="base" hangingPunct="0">
+              <a:spcBef>
+                <a:spcPct val="0"/>
+              </a:spcBef>
+              <a:spcAft>
+                <a:spcPct val="0"/>
+              </a:spcAft>
+              <a:buAutoNum type="arabicPeriod"/>
+            </a:pPr>
+            <a:r>
+              <a:rPr lang="en-US" altLang="en-US" sz="1200" dirty="0">
+                <a:latin typeface="+mj-lt"/>
+              </a:rPr>
+              <a:t>A full atomic structure backbone + side-chain atoms </a:t>
+            </a:r>
+          </a:p>
+          <a:p>
+            <a:pPr marL="1257300" lvl="2" indent="-457200" defTabSz="914400" eaLnBrk="0" fontAlgn="base" hangingPunct="0">
+              <a:spcBef>
+                <a:spcPct val="0"/>
+              </a:spcBef>
+              <a:spcAft>
+                <a:spcPct val="0"/>
+              </a:spcAft>
+              <a:buAutoNum type="arabicPeriod"/>
+            </a:pPr>
+            <a:r>
+              <a:rPr lang="en-US" altLang="en-US" sz="1200" dirty="0">
+                <a:latin typeface="+mj-lt"/>
+              </a:rPr>
+              <a:t>Correct topology </a:t>
+            </a:r>
+          </a:p>
+          <a:p>
+            <a:pPr marL="1257300" lvl="2" indent="-457200" defTabSz="914400" eaLnBrk="0" fontAlgn="base" hangingPunct="0">
+              <a:spcBef>
+                <a:spcPct val="0"/>
+              </a:spcBef>
+              <a:spcAft>
+                <a:spcPct val="0"/>
+              </a:spcAft>
+              <a:buAutoNum type="arabicPeriod"/>
+            </a:pPr>
+            <a:r>
+              <a:rPr lang="en-US" altLang="en-US" sz="1200" dirty="0">
+                <a:latin typeface="+mj-lt"/>
+              </a:rPr>
+              <a:t>But no meaningful amino acid identities yet</a:t>
+            </a:r>
+          </a:p>
+          <a:p>
+            <a:pPr marL="457200" indent="-457200" defTabSz="914400" eaLnBrk="0" fontAlgn="base" hangingPunct="0">
+              <a:spcBef>
+                <a:spcPct val="0"/>
+              </a:spcBef>
+              <a:spcAft>
+                <a:spcPct val="0"/>
+              </a:spcAft>
+              <a:buFont typeface="Arial"/>
+              <a:buAutoNum type="arabicPeriod"/>
+            </a:pPr>
+            <a:r>
+              <a:rPr lang="en-SG" sz="2000" dirty="0" err="1"/>
+              <a:t>ProteinMPNN</a:t>
+            </a:r>
+            <a:r>
+              <a:rPr lang="en-SG" sz="2000" dirty="0"/>
+              <a:t> (sequence design)</a:t>
+            </a:r>
+          </a:p>
+          <a:p>
+            <a:pPr marL="857250" lvl="1" indent="-457200" defTabSz="914400" eaLnBrk="0" fontAlgn="base" hangingPunct="0">
+              <a:spcBef>
+                <a:spcPct val="0"/>
+              </a:spcBef>
+              <a:spcAft>
+                <a:spcPct val="0"/>
+              </a:spcAft>
+              <a:buAutoNum type="arabicPeriod"/>
+            </a:pPr>
+            <a:r>
+              <a:rPr lang="en-US" altLang="en-US" sz="1600" dirty="0">
+                <a:latin typeface="+mj-lt"/>
+              </a:rPr>
+              <a:t>takes the fixed backbone geometry </a:t>
+            </a:r>
+          </a:p>
+          <a:p>
+            <a:pPr marL="857250" lvl="1" indent="-457200" defTabSz="914400" eaLnBrk="0" fontAlgn="base" hangingPunct="0">
+              <a:spcBef>
+                <a:spcPct val="0"/>
+              </a:spcBef>
+              <a:spcAft>
+                <a:spcPct val="0"/>
+              </a:spcAft>
+              <a:buAutoNum type="arabicPeriod"/>
+            </a:pPr>
+            <a:r>
+              <a:rPr lang="en-US" altLang="en-US" sz="1600" dirty="0">
+                <a:latin typeface="+mj-lt"/>
+              </a:rPr>
+              <a:t>predicts a probability distribution over amino acids per position</a:t>
+            </a:r>
+          </a:p>
+          <a:p>
+            <a:pPr marL="857250" lvl="1" indent="-457200" defTabSz="914400" eaLnBrk="0" fontAlgn="base" hangingPunct="0">
+              <a:spcBef>
+                <a:spcPct val="0"/>
+              </a:spcBef>
+              <a:spcAft>
+                <a:spcPct val="0"/>
+              </a:spcAft>
+              <a:buAutoNum type="arabicPeriod"/>
+            </a:pPr>
+            <a:r>
+              <a:rPr kumimoji="0" lang="en-US" altLang="en-US" sz="1600" i="0" u="none" strike="noStrike" cap="none" normalizeH="0" baseline="0" dirty="0">
+                <a:ln>
+                  <a:noFill/>
+                </a:ln>
+                <a:solidFill>
+                  <a:schemeClr val="tx1"/>
+                </a:solidFill>
+                <a:effectLst/>
+                <a:latin typeface="+mj-lt"/>
+              </a:rPr>
+              <a:t>Outputs 1 or many (usually hundreds) of candidate sequences per backbone</a:t>
+            </a:r>
+          </a:p>
+          <a:p>
+            <a:pPr marL="457200" indent="-457200" defTabSz="914400" eaLnBrk="0" fontAlgn="base" hangingPunct="0">
+              <a:spcBef>
+                <a:spcPct val="0"/>
+              </a:spcBef>
+              <a:spcAft>
+                <a:spcPct val="0"/>
+              </a:spcAft>
+              <a:buAutoNum type="arabicPeriod"/>
+            </a:pPr>
+            <a:r>
+              <a:rPr lang="en-US" altLang="en-US" sz="2000" dirty="0">
+                <a:latin typeface="+mj-lt"/>
+              </a:rPr>
+              <a:t>RosettaFold3</a:t>
+            </a:r>
+          </a:p>
+          <a:p>
+            <a:pPr marL="857250" lvl="1" indent="-457200" defTabSz="914400" eaLnBrk="0" fontAlgn="base" hangingPunct="0">
+              <a:spcBef>
+                <a:spcPct val="0"/>
+              </a:spcBef>
+              <a:spcAft>
+                <a:spcPct val="0"/>
+              </a:spcAft>
+              <a:buAutoNum type="arabicPeriod"/>
+            </a:pPr>
+            <a:r>
+              <a:rPr lang="en-US" sz="1600" dirty="0"/>
+              <a:t>RF3 is a structure predictor (like AlphaFold)</a:t>
+            </a:r>
+          </a:p>
+          <a:p>
+            <a:pPr marL="857250" lvl="1" indent="-457200" defTabSz="914400" eaLnBrk="0" fontAlgn="base" hangingPunct="0">
+              <a:spcBef>
+                <a:spcPct val="0"/>
+              </a:spcBef>
+              <a:spcAft>
+                <a:spcPct val="0"/>
+              </a:spcAft>
+              <a:buAutoNum type="arabicPeriod"/>
+            </a:pPr>
+            <a:r>
+              <a:rPr lang="en-US" sz="1600" dirty="0"/>
+              <a:t>Takes sequence (and sometimes initial coordinates) </a:t>
+            </a:r>
+          </a:p>
+          <a:p>
+            <a:pPr marL="857250" lvl="1" indent="-457200" defTabSz="914400" eaLnBrk="0" fontAlgn="base" hangingPunct="0">
+              <a:spcBef>
+                <a:spcPct val="0"/>
+              </a:spcBef>
+              <a:spcAft>
+                <a:spcPct val="0"/>
+              </a:spcAft>
+              <a:buAutoNum type="arabicPeriod"/>
+            </a:pPr>
+            <a:r>
+              <a:rPr lang="en-US" sz="1600" dirty="0"/>
+              <a:t>Predicts a folded structure </a:t>
+            </a:r>
+          </a:p>
+          <a:p>
+            <a:pPr marL="857250" lvl="1" indent="-457200" defTabSz="914400" eaLnBrk="0" fontAlgn="base" hangingPunct="0">
+              <a:spcBef>
+                <a:spcPct val="0"/>
+              </a:spcBef>
+              <a:spcAft>
+                <a:spcPct val="0"/>
+              </a:spcAft>
+              <a:buAutoNum type="arabicPeriod"/>
+            </a:pPr>
+            <a:r>
+              <a:rPr lang="en-US" sz="1600" dirty="0"/>
+              <a:t>Outputs </a:t>
+            </a:r>
+            <a:r>
+              <a:rPr lang="en-US" sz="1600"/>
+              <a:t>confidence metrics</a:t>
+            </a:r>
+            <a:endParaRPr kumimoji="0" lang="en-US" altLang="en-US" sz="1600" i="0" u="none" strike="noStrike" cap="none" normalizeH="0" baseline="0" dirty="0">
+              <a:ln>
+                <a:noFill/>
+              </a:ln>
+              <a:solidFill>
+                <a:schemeClr val="tx1"/>
+              </a:solidFill>
+              <a:effectLst/>
+              <a:latin typeface="+mj-lt"/>
+            </a:endParaRPr>
+          </a:p>
           <a:p>
             <a:pPr defTabSz="914400" eaLnBrk="0" fontAlgn="base" hangingPunct="0">
               <a:spcBef>
@@ -9453,7 +10114,23 @@
                 <a:effectLst/>
                 <a:latin typeface="+mj-lt"/>
               </a:rPr>
-              <a:t>Input</a:t>
+              <a:t>Final Outputs:</a:t>
+            </a:r>
+          </a:p>
+          <a:p>
+            <a:pPr lvl="1" defTabSz="914400" eaLnBrk="0" fontAlgn="base" hangingPunct="0">
+              <a:spcBef>
+                <a:spcPct val="0"/>
+              </a:spcBef>
+              <a:spcAft>
+                <a:spcPct val="0"/>
+              </a:spcAft>
+            </a:pPr>
+            <a:r>
+              <a:rPr lang="en-US" altLang="en-US" sz="2000" dirty="0">
+                <a:latin typeface="+mj-lt"/>
+              </a:rPr>
+              <a:t>Protein sequences (ranked)</a:t>
             </a:r>
           </a:p>
           <a:p>
@@ -9476,18 +10153,21 @@
                 <a:effectLst/>
                 <a:latin typeface="+mj-lt"/>
               </a:rPr>
-              <a:t>Target structures and partners</a:t>
-            </a:r>
-          </a:p>
-          <a:p>
-            <a:pPr lvl="1" defTabSz="914400" eaLnBrk="0" fontAlgn="base" hangingPunct="0">
-              <a:spcBef>
-                <a:spcPct val="0"/>
-              </a:spcBef>
-              <a:spcAft>
-                <a:spcPct val="0"/>
-              </a:spcAft>
-            </a:pPr>
+              <a:t>Predicted folded structure (</a:t>
+            </a:r>
+            <a:r>
+              <a:rPr kumimoji="0" lang="en-US" altLang="en-US" sz="2000" i="0" u="none" strike="noStrike" cap="none" normalizeH="0" baseline="0" dirty="0" err="1">
+                <a:ln>
+                  <a:noFill/>
+                </a:ln>
+                <a:solidFill>
+                  <a:schemeClr val="tx1"/>
+                </a:solidFill>
+                <a:effectLst/>
+                <a:latin typeface="+mj-lt"/>
+              </a:rPr>
+              <a:t>pdb</a:t>
+            </a:r>
             <a:r>
               <a:rPr kumimoji="0" lang="en-US" altLang="en-US" sz="2000" i="0" u="none" strike="noStrike" cap="none" normalizeH="0" baseline="0" dirty="0">
                 <a:ln>
@@ -9499,7 +10179,7 @@
                 <a:effectLst/>
                 <a:latin typeface="+mj-lt"/>
               </a:rPr>
-              <a:t>Atomic level constraints and anchors</a:t>
+              <a:t>)</a:t>
             </a:r>
           </a:p>
           <a:p>
@@ -9511,6 +10191,12 @@
                 <a:spcPct val="0"/>
               </a:spcAft>
             </a:pPr>
+            <a:r>
+              <a:rPr lang="en-US" altLang="en-US" sz="2000" dirty="0">
+                <a:latin typeface="+mj-lt"/>
+              </a:rPr>
+              <a:t>Confidence/quality metrics</a:t>
+            </a:r>
             <a:r>
               <a:rPr kumimoji="0" lang="en-US" altLang="en-US" sz="2000" i="0" u="none" strike="noStrike" cap="none" normalizeH="0" baseline="0" dirty="0">
                 <a:ln>
@@ -9522,261 +10208,8 @@
                 <a:effectLst/>
                 <a:latin typeface="+mj-lt"/>
               </a:rPr>
-              <a:t>Designable regions specified</a:t>
-            </a:r>
-          </a:p>
-          <a:p>
-            <a:pPr defTabSz="914400" eaLnBrk="0" fontAlgn="base" hangingPunct="0">
-              <a:spcBef>
-                <a:spcPct val="0"/>
-              </a:spcBef>
-              <a:spcAft>
-                <a:spcPct val="0"/>
-              </a:spcAft>
-            </a:pPr>
-            <a:r>
-              <a:rPr kumimoji="0" lang="en-US" altLang="en-US" sz="2400" i="0" u="none" strike="noStrike" cap="none" normalizeH="0" baseline="0" dirty="0">
-                <a:ln>
-                  <a:noFill/>
-                </a:ln>
-                <a:solidFill>
-                  <a:schemeClr val="tx1"/>
-                </a:solidFill>
-                <a:effectLst/>
-                <a:latin typeface="+mj-lt"/>
-              </a:rPr>
-              <a:t>Generation</a:t>
-            </a:r>
-          </a:p>
-          <a:p>
-            <a:pPr lvl="1" defTabSz="914400" eaLnBrk="0" fontAlgn="base" hangingPunct="0">
-              <a:spcBef>
-                <a:spcPct val="0"/>
-              </a:spcBef>
-              <a:spcAft>
-                <a:spcPct val="0"/>
-              </a:spcAft>
-            </a:pPr>
-            <a:r>
-              <a:rPr kumimoji="0" lang="en-US" altLang="en-US" sz="2000" i="0" u="none" strike="noStrike" cap="none" normalizeH="0" baseline="0" dirty="0" err="1">
-                <a:ln>
-                  <a:noFill/>
-                </a:ln>
-                <a:solidFill>
-                  <a:schemeClr val="tx1"/>
-                </a:solidFill>
-                <a:effectLst/>
-                <a:latin typeface="+mj-lt"/>
-              </a:rPr>
-              <a:t>RFdiffusion</a:t>
-            </a:r>
-            <a:r>
-              <a:rPr kumimoji="0" lang="en-US" altLang="en-US" sz="2000" i="0" u="none" strike="noStrike" cap="none" normalizeH="0" baseline="0" dirty="0">
-                <a:ln>
-                  <a:noFill/>
-                </a:ln>
-                <a:solidFill>
-                  <a:schemeClr val="tx1"/>
-                </a:solidFill>
-                <a:effectLst/>
-                <a:latin typeface="+mj-lt"/>
-              </a:rPr>
-              <a:t> 3 produces all atom candidates</a:t>
-            </a:r>
-          </a:p>
-          <a:p>
-            <a:pPr lvl="1" defTabSz="914400" eaLnBrk="0" fontAlgn="base" hangingPunct="0">
-              <a:spcBef>
-                <a:spcPct val="0"/>
-              </a:spcBef>
-              <a:spcAft>
-                <a:spcPct val="0"/>
-              </a:spcAft>
-            </a:pPr>
-            <a:r>
-              <a:rPr kumimoji="0" lang="en-US" altLang="en-US" sz="2000" i="0" u="none" strike="noStrike" cap="none" normalizeH="0" baseline="0" dirty="0">
-                <a:ln>
-                  <a:noFill/>
-                </a:ln>
-                <a:solidFill>
-                  <a:schemeClr val="tx1"/>
-                </a:solidFill>
-                <a:effectLst/>
-                <a:latin typeface="+mj-lt"/>
-              </a:rPr>
-              <a:t>Interfaces and chemistry formed during diffusion</a:t>
-            </a:r>
-          </a:p>
-          <a:p>
-            <a:pPr defTabSz="914400" eaLnBrk="0" fontAlgn="base" hangingPunct="0">
-              <a:spcBef>
-                <a:spcPct val="0"/>
-              </a:spcBef>
-              <a:spcAft>
-                <a:spcPct val="0"/>
-              </a:spcAft>
-            </a:pPr>
-            <a:r>
-              <a:rPr kumimoji="0" lang="en-US" altLang="en-US" sz="2400" i="0" u="none" strike="noStrike" cap="none" normalizeH="0" baseline="0" dirty="0">
-                <a:ln>
-                  <a:noFill/>
-                </a:ln>
-                <a:solidFill>
-                  <a:schemeClr val="tx1"/>
-                </a:solidFill>
-                <a:effectLst/>
-                <a:latin typeface="+mj-lt"/>
-              </a:rPr>
-              <a:t>Sequence design</a:t>
-            </a:r>
-          </a:p>
-          <a:p>
-            <a:pPr lvl="1" defTabSz="914400" eaLnBrk="0" fontAlgn="base" hangingPunct="0">
-              <a:spcBef>
-                <a:spcPct val="0"/>
-              </a:spcBef>
-              <a:spcAft>
-                <a:spcPct val="0"/>
-              </a:spcAft>
-            </a:pPr>
-            <a:r>
-              <a:rPr kumimoji="0" lang="en-US" altLang="en-US" sz="2000" i="0" u="none" strike="noStrike" cap="none" normalizeH="0" baseline="0" dirty="0" err="1">
-                <a:ln>
-                  <a:noFill/>
-                </a:ln>
-                <a:solidFill>
-                  <a:schemeClr val="tx1"/>
-                </a:solidFill>
-                <a:effectLst/>
-                <a:latin typeface="+mj-lt"/>
-              </a:rPr>
-              <a:t>ProteinMPNN</a:t>
-            </a:r>
-            <a:r>
-              <a:rPr kumimoji="0" lang="en-US" altLang="en-US" sz="2000" i="0" u="none" strike="noStrike" cap="none" normalizeH="0" baseline="0" dirty="0">
-                <a:ln>
-                  <a:noFill/>
-                </a:ln>
-                <a:solidFill>
-                  <a:schemeClr val="tx1"/>
-                </a:solidFill>
-                <a:effectLst/>
-                <a:latin typeface="+mj-lt"/>
-              </a:rPr>
-              <a:t> assigns sequences consistent with structure</a:t>
-            </a:r>
-          </a:p>
-          <a:p>
-            <a:pPr lvl="1" defTabSz="914400" eaLnBrk="0" fontAlgn="base" hangingPunct="0">
-              <a:spcBef>
-                <a:spcPct val="0"/>
-              </a:spcBef>
-              <a:spcAft>
-                <a:spcPct val="0"/>
-              </a:spcAft>
-            </a:pPr>
-            <a:r>
-              <a:rPr kumimoji="0" lang="en-US" altLang="en-US" sz="2000" i="0" u="none" strike="noStrike" cap="none" normalizeH="0" baseline="0" dirty="0">
-                <a:ln>
-                  <a:noFill/>
-                </a:ln>
-                <a:solidFill>
-                  <a:schemeClr val="tx1"/>
-                </a:solidFill>
-                <a:effectLst/>
-                <a:latin typeface="+mj-lt"/>
-              </a:rPr>
-              <a:t>No large structural rearrangements allowed</a:t>
-            </a:r>
-          </a:p>
-          <a:p>
-            <a:pPr defTabSz="914400" eaLnBrk="0" fontAlgn="base" hangingPunct="0">
-              <a:spcBef>
-                <a:spcPct val="0"/>
-              </a:spcBef>
-              <a:spcAft>
-                <a:spcPct val="0"/>
-              </a:spcAft>
-            </a:pPr>
-            <a:r>
-              <a:rPr kumimoji="0" lang="en-US" altLang="en-US" sz="2400" i="0" u="none" strike="noStrike" cap="none" normalizeH="0" baseline="0" dirty="0">
-                <a:ln>
-                  <a:noFill/>
-                </a:ln>
-                <a:solidFill>
-                  <a:schemeClr val="tx1"/>
-                </a:solidFill>
-                <a:effectLst/>
-                <a:latin typeface="+mj-lt"/>
-              </a:rPr>
-              <a:t>Evaluation</a:t>
-            </a:r>
-          </a:p>
-          <a:p>
-            <a:pPr lvl="1" defTabSz="914400" eaLnBrk="0" fontAlgn="base" hangingPunct="0">
-              <a:spcBef>
-                <a:spcPct val="0"/>
-              </a:spcBef>
-              <a:spcAft>
-                <a:spcPct val="0"/>
-              </a:spcAft>
-            </a:pPr>
-            <a:r>
-              <a:rPr kumimoji="0" lang="en-US" altLang="en-US" sz="2000" i="0" u="none" strike="noStrike" cap="none" normalizeH="0" baseline="0" dirty="0">
-                <a:ln>
-                  <a:noFill/>
-                </a:ln>
-                <a:solidFill>
-                  <a:schemeClr val="tx1"/>
-                </a:solidFill>
-                <a:effectLst/>
-                <a:latin typeface="+mj-lt"/>
-              </a:rPr>
-              <a:t>Structural and functional checks</a:t>
-            </a:r>
-          </a:p>
-          <a:p>
-            <a:pPr lvl="1" defTabSz="914400" eaLnBrk="0" fontAlgn="base" hangingPunct="0">
-              <a:spcBef>
-                <a:spcPct val="0"/>
-              </a:spcBef>
-              <a:spcAft>
-                <a:spcPct val="0"/>
-              </a:spcAft>
-            </a:pPr>
-            <a:r>
-              <a:rPr kumimoji="0" lang="en-US" altLang="en-US" sz="2000" i="0" u="none" strike="noStrike" cap="none" normalizeH="0" baseline="0" dirty="0">
-                <a:ln>
-                  <a:noFill/>
-                </a:ln>
-                <a:solidFill>
-                  <a:schemeClr val="tx1"/>
-                </a:solidFill>
-                <a:effectLst/>
-                <a:latin typeface="+mj-lt"/>
-              </a:rPr>
-              <a:t>Ranking and filtering of candidates</a:t>
-            </a:r>
-          </a:p>
-          <a:p>
-            <a:pPr defTabSz="914400" eaLnBrk="0" fontAlgn="base" hangingPunct="0">
-              <a:spcBef>
-                <a:spcPct val="0"/>
-              </a:spcBef>
-              <a:spcAft>
-                <a:spcPct val="0"/>
-              </a:spcAft>
-            </a:pPr>
-            <a:endParaRPr kumimoji="0" lang="en-US" altLang="en-US" sz="2400" i="0" u="none" strike="noStrike" cap="none" normalizeH="0" baseline="0" dirty="0">
-              <a:ln>
-                <a:noFill/>
-              </a:ln>
-              <a:solidFill>
-                <a:schemeClr val="tx1"/>
-              </a:solidFill>
-              <a:effectLst/>
-              <a:latin typeface="+mj-lt"/>
-            </a:endParaRPr>
+              <a:t> </a:t>
+            </a:r>
           </a:p>
         </p:txBody>
       </p:sp>
@@ -9784,6 +10217,3559 @@
     <p:extLst>
       <p:ext uri="{BB962C8B-B14F-4D97-AF65-F5344CB8AC3E}">
         <p14:creationId xmlns:p14="http://schemas.microsoft.com/office/powerpoint/2010/main" val="1135216779"/>
+      </p:ext>
+    </p:extLst>
+  </p:cSld>
+  <p:clrMapOvr>
+    <a:masterClrMapping/>
+  </p:clrMapOvr>
+</p:sld>
+</file>
+
+<file path=ppt/slides/slide37.xml><?xml version="1.0" encoding="utf-8"?>
+<p:sld xmlns:a="http://schemas.openxmlformats.org/drawingml/2006/main" xmlns:r="http://schemas.openxmlformats.org/officeDocument/2006/relationships" xmlns:p="http://schemas.openxmlformats.org/presentationml/2006/main">
+  <p:cSld>
+    <p:spTree>
+      <p:nvGrpSpPr>
+        <p:cNvPr id="1" name=""/>
+        <p:cNvGrpSpPr/>
+        <p:nvPr/>
+      </p:nvGrpSpPr>
+      <p:grpSpPr>
+        <a:xfrm>
+          <a:off x="0" y="0"/>
+          <a:ext cx="0" cy="0"/>
+          <a:chOff x="0" y="0"/>
+          <a:chExt cx="0" cy="0"/>
+        </a:xfrm>
+      </p:grpSpPr>
+      <p:sp>
+        <p:nvSpPr>
+          <p:cNvPr id="2" name="Title 1">
+            <a:extLst>
+              <a:ext uri="{FF2B5EF4-FFF2-40B4-BE49-F238E27FC236}">
+                <a16:creationId xmlns:a16="http://schemas.microsoft.com/office/drawing/2014/main" id="{296EF50D-DA00-A08E-98E2-FBFA88798BA6}"/>
+              </a:ext>
+            </a:extLst>
+          </p:cNvPr>
+          <p:cNvSpPr>
+            <a:spLocks noGrp="1"/>
+          </p:cNvSpPr>
+          <p:nvPr>
+            <p:ph type="title"/>
+          </p:nvPr>
+        </p:nvSpPr>
+        <p:spPr/>
+        <p:txBody>
+          <a:bodyPr/>
+          <a:lstStyle/>
+          <a:p>
+            <a:r>
+              <a:rPr lang="en-SG" dirty="0" err="1"/>
+              <a:t>MutaCraft</a:t>
+            </a:r>
+            <a:r>
+              <a:rPr lang="en-SG" dirty="0"/>
+              <a:t> vs </a:t>
+            </a:r>
+            <a:r>
+              <a:rPr lang="en-SG" dirty="0" err="1"/>
+              <a:t>BindCraft</a:t>
+            </a:r>
+            <a:r>
+              <a:rPr lang="en-SG" dirty="0"/>
+              <a:t> Benchmark</a:t>
+            </a:r>
+          </a:p>
+        </p:txBody>
+      </p:sp>
+      <p:sp>
+        <p:nvSpPr>
+          <p:cNvPr id="3" name="Content Placeholder 2">
+            <a:extLst>
+              <a:ext uri="{FF2B5EF4-FFF2-40B4-BE49-F238E27FC236}">
+                <a16:creationId xmlns:a16="http://schemas.microsoft.com/office/drawing/2014/main" id="{40BD0D38-E20B-C32F-ACBE-52DE363D5573}"/>
+              </a:ext>
+            </a:extLst>
+          </p:cNvPr>
+          <p:cNvSpPr>
+            <a:spLocks noGrp="1"/>
+          </p:cNvSpPr>
+          <p:nvPr>
+            <p:ph idx="1"/>
+          </p:nvPr>
+        </p:nvSpPr>
+        <p:spPr/>
+        <p:txBody>
+          <a:bodyPr>
+            <a:normAutofit/>
+          </a:bodyPr>
+          <a:lstStyle/>
+          <a:p>
+            <a:r>
+              <a:rPr lang="en-SG" dirty="0"/>
+              <a:t>In the </a:t>
+            </a:r>
+            <a:r>
+              <a:rPr lang="en-SG" dirty="0" err="1"/>
+              <a:t>BindCraft</a:t>
+            </a:r>
+            <a:r>
+              <a:rPr lang="en-SG" dirty="0"/>
+              <a:t> paper, </a:t>
+            </a:r>
+            <a:r>
+              <a:rPr lang="en-US" dirty="0"/>
+              <a:t>Binding affinity was measured in </a:t>
+            </a:r>
+            <a:r>
+              <a:rPr lang="en-SG" dirty="0"/>
+              <a:t>apparent dissociation constant (</a:t>
+            </a:r>
+            <a:r>
+              <a:rPr lang="en-SG" dirty="0" err="1"/>
+              <a:t>Kd</a:t>
+            </a:r>
+            <a:r>
+              <a:rPr lang="en-SG" dirty="0"/>
+              <a:t>): </a:t>
+            </a:r>
+          </a:p>
+          <a:p>
+            <a:pPr lvl="1"/>
+            <a:r>
+              <a:rPr lang="en-US" dirty="0"/>
+              <a:t>Specific molar concentration of the binder at which half of the target protein’s binding sites are occupied at equilibrium</a:t>
+            </a:r>
+          </a:p>
+          <a:p>
+            <a:pPr lvl="1"/>
+            <a:r>
+              <a:rPr lang="en-US" dirty="0"/>
+              <a:t>Measured in </a:t>
+            </a:r>
+            <a:r>
+              <a:rPr lang="en-SG" dirty="0"/>
+              <a:t>nanomolar(nm):</a:t>
+            </a:r>
+          </a:p>
+          <a:p>
+            <a:pPr lvl="2"/>
+            <a:r>
+              <a:rPr lang="en-US" dirty="0"/>
+              <a:t>number of moles of binder per liter of solution</a:t>
+            </a:r>
+            <a:endParaRPr lang="en-SG" dirty="0"/>
+          </a:p>
+          <a:p>
+            <a:r>
+              <a:rPr lang="en-SG" dirty="0"/>
+              <a:t>The worst-performing target protein was CD45 (720 </a:t>
+            </a:r>
+            <a:r>
+              <a:rPr lang="en-SG" dirty="0" err="1"/>
+              <a:t>nM</a:t>
+            </a:r>
+            <a:r>
+              <a:rPr lang="en-SG" dirty="0"/>
+              <a:t>)</a:t>
+            </a:r>
+          </a:p>
+          <a:p>
+            <a:r>
+              <a:rPr lang="en-SG" dirty="0"/>
+              <a:t>The best-performing target protein was Der f 7 (12.8 </a:t>
+            </a:r>
+            <a:r>
+              <a:rPr lang="en-SG" dirty="0" err="1"/>
+              <a:t>nM</a:t>
+            </a:r>
+            <a:r>
+              <a:rPr lang="en-SG" dirty="0"/>
+              <a:t>)</a:t>
+            </a:r>
+          </a:p>
+          <a:p>
+            <a:pPr lvl="1"/>
+            <a:endParaRPr lang="en-SG" dirty="0"/>
+          </a:p>
+        </p:txBody>
+      </p:sp>
+    </p:spTree>
+    <p:extLst>
+      <p:ext uri="{BB962C8B-B14F-4D97-AF65-F5344CB8AC3E}">
+        <p14:creationId xmlns:p14="http://schemas.microsoft.com/office/powerpoint/2010/main" val="2519465750"/>
+      </p:ext>
+    </p:extLst>
+  </p:cSld>
+  <p:clrMapOvr>
+    <a:masterClrMapping/>
+  </p:clrMapOvr>
+</p:sld>
+</file>
+
+<file path=ppt/slides/slide38.xml><?xml version="1.0" encoding="utf-8"?>
+<p:sld xmlns:a="http://schemas.openxmlformats.org/drawingml/2006/main" xmlns:r="http://schemas.openxmlformats.org/officeDocument/2006/relationships" xmlns:p="http://schemas.openxmlformats.org/presentationml/2006/main">
+  <p:cSld>
+    <p:spTree>
+      <p:nvGrpSpPr>
+        <p:cNvPr id="1" name=""/>
+        <p:cNvGrpSpPr/>
+        <p:nvPr/>
+      </p:nvGrpSpPr>
+      <p:grpSpPr>
+        <a:xfrm>
+          <a:off x="0" y="0"/>
+          <a:ext cx="0" cy="0"/>
+          <a:chOff x="0" y="0"/>
+          <a:chExt cx="0" cy="0"/>
+        </a:xfrm>
+      </p:grpSpPr>
+      <p:sp>
+        <p:nvSpPr>
+          <p:cNvPr id="2" name="Title 1">
+            <a:extLst>
+              <a:ext uri="{FF2B5EF4-FFF2-40B4-BE49-F238E27FC236}">
+                <a16:creationId xmlns:a16="http://schemas.microsoft.com/office/drawing/2014/main" id="{87B39692-8D6E-9F67-5629-DB9BC84A36CA}"/>
+              </a:ext>
+            </a:extLst>
+          </p:cNvPr>
+          <p:cNvSpPr>
+            <a:spLocks noGrp="1"/>
+          </p:cNvSpPr>
+          <p:nvPr>
+            <p:ph type="title"/>
+          </p:nvPr>
+        </p:nvSpPr>
+        <p:spPr/>
+        <p:txBody>
+          <a:bodyPr/>
+          <a:lstStyle/>
+          <a:p>
+            <a:r>
+              <a:rPr lang="en-SG" dirty="0" err="1"/>
+              <a:t>MutaCraft</a:t>
+            </a:r>
+            <a:r>
+              <a:rPr lang="en-SG" dirty="0"/>
+              <a:t> vs </a:t>
+            </a:r>
+            <a:r>
+              <a:rPr lang="en-SG" dirty="0" err="1"/>
+              <a:t>BindCraft</a:t>
+            </a:r>
+            <a:r>
+              <a:rPr lang="en-SG" dirty="0"/>
+              <a:t> Benchmark</a:t>
+            </a:r>
+          </a:p>
+        </p:txBody>
+      </p:sp>
+      <p:sp>
+        <p:nvSpPr>
+          <p:cNvPr id="3" name="Content Placeholder 2">
+            <a:extLst>
+              <a:ext uri="{FF2B5EF4-FFF2-40B4-BE49-F238E27FC236}">
+                <a16:creationId xmlns:a16="http://schemas.microsoft.com/office/drawing/2014/main" id="{C9B4F6EB-C242-72F0-9078-7358E5A4DED5}"/>
+              </a:ext>
+            </a:extLst>
+          </p:cNvPr>
+          <p:cNvSpPr>
+            <a:spLocks noGrp="1"/>
+          </p:cNvSpPr>
+          <p:nvPr>
+            <p:ph idx="1"/>
+          </p:nvPr>
+        </p:nvSpPr>
+        <p:spPr/>
+        <p:txBody>
+          <a:bodyPr/>
+          <a:lstStyle/>
+          <a:p>
+            <a:r>
+              <a:rPr lang="en-SG" dirty="0"/>
+              <a:t>I tested </a:t>
+            </a:r>
+            <a:r>
+              <a:rPr lang="en-SG" dirty="0" err="1"/>
+              <a:t>MutaCraft’s</a:t>
+            </a:r>
+            <a:r>
+              <a:rPr lang="en-SG" dirty="0"/>
+              <a:t> performance vs </a:t>
+            </a:r>
+            <a:r>
+              <a:rPr lang="en-SG" dirty="0" err="1"/>
+              <a:t>BindCraft</a:t>
+            </a:r>
+            <a:r>
+              <a:rPr lang="en-SG" dirty="0"/>
+              <a:t> on both these proteins to show that it can improve performance in the best and worst-case</a:t>
+            </a:r>
+          </a:p>
+          <a:p>
+            <a:r>
+              <a:rPr lang="en-SG" dirty="0"/>
+              <a:t>Same hyperparameters (</a:t>
+            </a:r>
+            <a:r>
+              <a:rPr lang="en-SG" dirty="0" err="1"/>
+              <a:t>num</a:t>
+            </a:r>
+            <a:r>
+              <a:rPr lang="en-SG" dirty="0"/>
+              <a:t> AF2 models, </a:t>
+            </a:r>
+            <a:r>
+              <a:rPr lang="en-SG" dirty="0" err="1"/>
+              <a:t>num</a:t>
+            </a:r>
+            <a:r>
+              <a:rPr lang="en-SG" dirty="0"/>
+              <a:t> recycles)</a:t>
+            </a:r>
+          </a:p>
+          <a:p>
+            <a:r>
+              <a:rPr lang="en-SG" dirty="0"/>
+              <a:t>For </a:t>
+            </a:r>
+            <a:r>
+              <a:rPr lang="en-SG" dirty="0" err="1"/>
+              <a:t>MutaCraft</a:t>
+            </a:r>
+            <a:r>
+              <a:rPr lang="en-SG" dirty="0"/>
+              <a:t>, regular </a:t>
+            </a:r>
+            <a:r>
+              <a:rPr lang="en-SG" dirty="0" err="1"/>
+              <a:t>BindCraft</a:t>
+            </a:r>
+            <a:r>
+              <a:rPr lang="en-SG" dirty="0"/>
+              <a:t> was run for 3 trajectories, and the best binder was selected for the input binder (warm start)</a:t>
+            </a:r>
+          </a:p>
+          <a:p>
+            <a:endParaRPr lang="en-SG" dirty="0"/>
+          </a:p>
+        </p:txBody>
+      </p:sp>
+    </p:spTree>
+    <p:extLst>
+      <p:ext uri="{BB962C8B-B14F-4D97-AF65-F5344CB8AC3E}">
+        <p14:creationId xmlns:p14="http://schemas.microsoft.com/office/powerpoint/2010/main" val="1350240902"/>
+      </p:ext>
+    </p:extLst>
+  </p:cSld>
+  <p:clrMapOvr>
+    <a:masterClrMapping/>
+  </p:clrMapOvr>
+</p:sld>
+</file>
+
+<file path=ppt/slides/slide39.xml><?xml version="1.0" encoding="utf-8"?>
+<p:sld xmlns:a="http://schemas.openxmlformats.org/drawingml/2006/main" xmlns:r="http://schemas.openxmlformats.org/officeDocument/2006/relationships" xmlns:p="http://schemas.openxmlformats.org/presentationml/2006/main">
+  <p:cSld>
+    <p:spTree>
+      <p:nvGrpSpPr>
+        <p:cNvPr id="1" name=""/>
+        <p:cNvGrpSpPr/>
+        <p:nvPr/>
+      </p:nvGrpSpPr>
+      <p:grpSpPr>
+        <a:xfrm>
+          <a:off x="0" y="0"/>
+          <a:ext cx="0" cy="0"/>
+          <a:chOff x="0" y="0"/>
+          <a:chExt cx="0" cy="0"/>
+        </a:xfrm>
+      </p:grpSpPr>
+      <p:sp>
+        <p:nvSpPr>
+          <p:cNvPr id="2" name="Title 1">
+            <a:extLst>
+              <a:ext uri="{FF2B5EF4-FFF2-40B4-BE49-F238E27FC236}">
+                <a16:creationId xmlns:a16="http://schemas.microsoft.com/office/drawing/2014/main" id="{7497293E-5EBA-A860-B475-F76030DEDC6B}"/>
+              </a:ext>
+            </a:extLst>
+          </p:cNvPr>
+          <p:cNvSpPr>
+            <a:spLocks noGrp="1"/>
+          </p:cNvSpPr>
+          <p:nvPr>
+            <p:ph type="title"/>
+          </p:nvPr>
+        </p:nvSpPr>
+        <p:spPr/>
+        <p:txBody>
+          <a:bodyPr/>
+          <a:lstStyle/>
+          <a:p>
+            <a:r>
+              <a:rPr lang="en-SG" dirty="0" err="1"/>
+              <a:t>MutaCraft</a:t>
+            </a:r>
+            <a:r>
+              <a:rPr lang="en-SG" dirty="0"/>
+              <a:t> vs </a:t>
+            </a:r>
+            <a:r>
+              <a:rPr lang="en-SG" dirty="0" err="1"/>
+              <a:t>BindCraft</a:t>
+            </a:r>
+            <a:r>
+              <a:rPr lang="en-SG" dirty="0"/>
+              <a:t> Results</a:t>
+            </a:r>
+          </a:p>
+        </p:txBody>
+      </p:sp>
+      <p:graphicFrame>
+        <p:nvGraphicFramePr>
+          <p:cNvPr id="4" name="Content Placeholder 3">
+            <a:extLst>
+              <a:ext uri="{FF2B5EF4-FFF2-40B4-BE49-F238E27FC236}">
+                <a16:creationId xmlns:a16="http://schemas.microsoft.com/office/drawing/2014/main" id="{BDD0656C-B3C7-0A31-236E-3412769B737F}"/>
+              </a:ext>
+            </a:extLst>
+          </p:cNvPr>
+          <p:cNvGraphicFramePr>
+            <a:graphicFrameLocks noGrp="1"/>
+          </p:cNvGraphicFramePr>
+          <p:nvPr>
+            <p:ph idx="1"/>
+            <p:extLst>
+              <p:ext uri="{D42A27DB-BD31-4B8C-83A1-F6EECF244321}">
+                <p14:modId xmlns:p14="http://schemas.microsoft.com/office/powerpoint/2010/main" val="415690574"/>
+              </p:ext>
+            </p:extLst>
+          </p:nvPr>
+        </p:nvGraphicFramePr>
+        <p:xfrm>
+          <a:off x="288230" y="2037444"/>
+          <a:ext cx="11406820" cy="725805"/>
+        </p:xfrm>
+        <a:graphic>
+          <a:graphicData uri="http://schemas.openxmlformats.org/drawingml/2006/table">
+            <a:tbl>
+              <a:tblPr>
+                <a:tableStyleId>{35758FB7-9AC5-4552-8A53-C91805E547FA}</a:tableStyleId>
+              </a:tblPr>
+              <a:tblGrid>
+                <a:gridCol w="750423">
+                  <a:extLst>
+                    <a:ext uri="{9D8B030D-6E8A-4147-A177-3AD203B41FA5}">
+                      <a16:colId xmlns:a16="http://schemas.microsoft.com/office/drawing/2014/main" val="1324010951"/>
+                    </a:ext>
+                  </a:extLst>
+                </a:gridCol>
+                <a:gridCol w="900898">
+                  <a:extLst>
+                    <a:ext uri="{9D8B030D-6E8A-4147-A177-3AD203B41FA5}">
+                      <a16:colId xmlns:a16="http://schemas.microsoft.com/office/drawing/2014/main" val="3449661472"/>
+                    </a:ext>
+                  </a:extLst>
+                </a:gridCol>
+                <a:gridCol w="750423">
+                  <a:extLst>
+                    <a:ext uri="{9D8B030D-6E8A-4147-A177-3AD203B41FA5}">
+                      <a16:colId xmlns:a16="http://schemas.microsoft.com/office/drawing/2014/main" val="1103784361"/>
+                    </a:ext>
+                  </a:extLst>
+                </a:gridCol>
+                <a:gridCol w="750423">
+                  <a:extLst>
+                    <a:ext uri="{9D8B030D-6E8A-4147-A177-3AD203B41FA5}">
+                      <a16:colId xmlns:a16="http://schemas.microsoft.com/office/drawing/2014/main" val="1749669530"/>
+                    </a:ext>
+                  </a:extLst>
+                </a:gridCol>
+                <a:gridCol w="750423">
+                  <a:extLst>
+                    <a:ext uri="{9D8B030D-6E8A-4147-A177-3AD203B41FA5}">
+                      <a16:colId xmlns:a16="http://schemas.microsoft.com/office/drawing/2014/main" val="1294364085"/>
+                    </a:ext>
+                  </a:extLst>
+                </a:gridCol>
+                <a:gridCol w="750423">
+                  <a:extLst>
+                    <a:ext uri="{9D8B030D-6E8A-4147-A177-3AD203B41FA5}">
+                      <a16:colId xmlns:a16="http://schemas.microsoft.com/office/drawing/2014/main" val="1470310654"/>
+                    </a:ext>
+                  </a:extLst>
+                </a:gridCol>
+                <a:gridCol w="750423">
+                  <a:extLst>
+                    <a:ext uri="{9D8B030D-6E8A-4147-A177-3AD203B41FA5}">
+                      <a16:colId xmlns:a16="http://schemas.microsoft.com/office/drawing/2014/main" val="4292230258"/>
+                    </a:ext>
+                  </a:extLst>
+                </a:gridCol>
+                <a:gridCol w="750423">
+                  <a:extLst>
+                    <a:ext uri="{9D8B030D-6E8A-4147-A177-3AD203B41FA5}">
+                      <a16:colId xmlns:a16="http://schemas.microsoft.com/office/drawing/2014/main" val="1806705407"/>
+                    </a:ext>
+                  </a:extLst>
+                </a:gridCol>
+                <a:gridCol w="750423">
+                  <a:extLst>
+                    <a:ext uri="{9D8B030D-6E8A-4147-A177-3AD203B41FA5}">
+                      <a16:colId xmlns:a16="http://schemas.microsoft.com/office/drawing/2014/main" val="3685962928"/>
+                    </a:ext>
+                  </a:extLst>
+                </a:gridCol>
+                <a:gridCol w="750423">
+                  <a:extLst>
+                    <a:ext uri="{9D8B030D-6E8A-4147-A177-3AD203B41FA5}">
+                      <a16:colId xmlns:a16="http://schemas.microsoft.com/office/drawing/2014/main" val="16860055"/>
+                    </a:ext>
+                  </a:extLst>
+                </a:gridCol>
+                <a:gridCol w="750423">
+                  <a:extLst>
+                    <a:ext uri="{9D8B030D-6E8A-4147-A177-3AD203B41FA5}">
+                      <a16:colId xmlns:a16="http://schemas.microsoft.com/office/drawing/2014/main" val="631732564"/>
+                    </a:ext>
+                  </a:extLst>
+                </a:gridCol>
+                <a:gridCol w="750423">
+                  <a:extLst>
+                    <a:ext uri="{9D8B030D-6E8A-4147-A177-3AD203B41FA5}">
+                      <a16:colId xmlns:a16="http://schemas.microsoft.com/office/drawing/2014/main" val="3455176722"/>
+                    </a:ext>
+                  </a:extLst>
+                </a:gridCol>
+                <a:gridCol w="750423">
+                  <a:extLst>
+                    <a:ext uri="{9D8B030D-6E8A-4147-A177-3AD203B41FA5}">
+                      <a16:colId xmlns:a16="http://schemas.microsoft.com/office/drawing/2014/main" val="3932683795"/>
+                    </a:ext>
+                  </a:extLst>
+                </a:gridCol>
+                <a:gridCol w="750423">
+                  <a:extLst>
+                    <a:ext uri="{9D8B030D-6E8A-4147-A177-3AD203B41FA5}">
+                      <a16:colId xmlns:a16="http://schemas.microsoft.com/office/drawing/2014/main" val="1681953143"/>
+                    </a:ext>
+                  </a:extLst>
+                </a:gridCol>
+                <a:gridCol w="750423">
+                  <a:extLst>
+                    <a:ext uri="{9D8B030D-6E8A-4147-A177-3AD203B41FA5}">
+                      <a16:colId xmlns:a16="http://schemas.microsoft.com/office/drawing/2014/main" val="1470270370"/>
+                    </a:ext>
+                  </a:extLst>
+                </a:gridCol>
+              </a:tblGrid>
+              <a:tr h="190500">
+                <a:tc>
+                  <a:txBody>
+                    <a:bodyPr/>
+                    <a:lstStyle/>
+                    <a:p>
+                      <a:pPr algn="l" fontAlgn="b">
+                        <a:buNone/>
+                      </a:pPr>
+                      <a:r>
+                        <a:rPr lang="en-SG" sz="1100" b="0" u="none" strike="noStrike">
+                          <a:solidFill>
+                            <a:srgbClr val="000000"/>
+                          </a:solidFill>
+                          <a:effectLst/>
+                        </a:rPr>
+                        <a:t>Algorithm</a:t>
+                      </a:r>
+                      <a:endParaRPr lang="en-SG" sz="1100" b="0" i="0" u="none" strike="noStrike">
+                        <a:solidFill>
+                          <a:srgbClr val="000000"/>
+                        </a:solidFill>
+                        <a:effectLst/>
+                        <a:latin typeface="Aptos Narrow" panose="020B0004020202020204" pitchFamily="34" charset="0"/>
+                      </a:endParaRPr>
+                    </a:p>
+                  </a:txBody>
+                  <a:tcPr marL="9525" marR="9525" marT="9525" marB="0" anchor="b"/>
+                </a:tc>
+                <a:tc>
+                  <a:txBody>
+                    <a:bodyPr/>
+                    <a:lstStyle/>
+                    <a:p>
+                      <a:pPr algn="l" fontAlgn="b">
+                        <a:buNone/>
+                      </a:pPr>
+                      <a:r>
+                        <a:rPr lang="en-SG" sz="1100" b="0" u="none" strike="noStrike" dirty="0" err="1">
+                          <a:solidFill>
+                            <a:srgbClr val="000000"/>
+                          </a:solidFill>
+                          <a:effectLst/>
+                          <a:highlight>
+                            <a:srgbClr val="FFFF00"/>
+                          </a:highlight>
+                        </a:rPr>
+                        <a:t>plddt_mean</a:t>
+                      </a:r>
+                      <a:endParaRPr lang="en-SG" sz="1100" b="0" i="0" u="none" strike="noStrike" dirty="0">
+                        <a:solidFill>
+                          <a:srgbClr val="000000"/>
+                        </a:solidFill>
+                        <a:effectLst/>
+                        <a:highlight>
+                          <a:srgbClr val="FFFF00"/>
+                        </a:highlight>
+                        <a:latin typeface="Aptos Narrow" panose="020B0004020202020204" pitchFamily="34" charset="0"/>
+                      </a:endParaRPr>
+                    </a:p>
+                  </a:txBody>
+                  <a:tcPr marL="9525" marR="9525" marT="9525" marB="0" anchor="b"/>
+                </a:tc>
+                <a:tc>
+                  <a:txBody>
+                    <a:bodyPr/>
+                    <a:lstStyle/>
+                    <a:p>
+                      <a:pPr algn="l" fontAlgn="b">
+                        <a:buNone/>
+                      </a:pPr>
+                      <a:r>
+                        <a:rPr lang="en-SG" sz="1100" b="0" u="none" strike="noStrike" dirty="0" err="1">
+                          <a:solidFill>
+                            <a:srgbClr val="000000"/>
+                          </a:solidFill>
+                          <a:effectLst/>
+                        </a:rPr>
+                        <a:t>plddt_max</a:t>
+                      </a:r>
+                      <a:endParaRPr lang="en-SG" sz="1100" b="0" i="0" u="none" strike="noStrike" dirty="0">
+                        <a:solidFill>
+                          <a:srgbClr val="000000"/>
+                        </a:solidFill>
+                        <a:effectLst/>
+                        <a:latin typeface="Aptos Narrow" panose="020B0004020202020204" pitchFamily="34" charset="0"/>
+                      </a:endParaRPr>
+                    </a:p>
+                  </a:txBody>
+                  <a:tcPr marL="9525" marR="9525" marT="9525" marB="0" anchor="b"/>
+                </a:tc>
+                <a:tc>
+                  <a:txBody>
+                    <a:bodyPr/>
+                    <a:lstStyle/>
+                    <a:p>
+                      <a:pPr algn="l" fontAlgn="b">
+                        <a:buNone/>
+                      </a:pPr>
+                      <a:r>
+                        <a:rPr lang="en-SG" sz="1100" b="0" u="none" strike="noStrike">
+                          <a:solidFill>
+                            <a:srgbClr val="000000"/>
+                          </a:solidFill>
+                          <a:effectLst/>
+                        </a:rPr>
+                        <a:t>plddt_min</a:t>
+                      </a:r>
+                      <a:endParaRPr lang="en-SG" sz="1100" b="0" i="0" u="none" strike="noStrike">
+                        <a:solidFill>
+                          <a:srgbClr val="000000"/>
+                        </a:solidFill>
+                        <a:effectLst/>
+                        <a:latin typeface="Aptos Narrow" panose="020B0004020202020204" pitchFamily="34" charset="0"/>
+                      </a:endParaRPr>
+                    </a:p>
+                  </a:txBody>
+                  <a:tcPr marL="9525" marR="9525" marT="9525" marB="0" anchor="b"/>
+                </a:tc>
+                <a:tc>
+                  <a:txBody>
+                    <a:bodyPr/>
+                    <a:lstStyle/>
+                    <a:p>
+                      <a:pPr algn="l" fontAlgn="b">
+                        <a:buNone/>
+                      </a:pPr>
+                      <a:r>
+                        <a:rPr lang="en-SG" sz="1100" b="0" u="none" strike="noStrike">
+                          <a:solidFill>
+                            <a:srgbClr val="000000"/>
+                          </a:solidFill>
+                          <a:effectLst/>
+                        </a:rPr>
+                        <a:t>plddt_q25</a:t>
+                      </a:r>
+                      <a:endParaRPr lang="en-SG" sz="1100" b="0" i="0" u="none" strike="noStrike">
+                        <a:solidFill>
+                          <a:srgbClr val="000000"/>
+                        </a:solidFill>
+                        <a:effectLst/>
+                        <a:latin typeface="Aptos Narrow" panose="020B0004020202020204" pitchFamily="34" charset="0"/>
+                      </a:endParaRPr>
+                    </a:p>
+                  </a:txBody>
+                  <a:tcPr marL="9525" marR="9525" marT="9525" marB="0" anchor="b"/>
+                </a:tc>
+                <a:tc>
+                  <a:txBody>
+                    <a:bodyPr/>
+                    <a:lstStyle/>
+                    <a:p>
+                      <a:pPr algn="l" fontAlgn="b">
+                        <a:buNone/>
+                      </a:pPr>
+                      <a:r>
+                        <a:rPr lang="en-SG" sz="1100" b="0" u="none" strike="noStrike">
+                          <a:solidFill>
+                            <a:srgbClr val="000000"/>
+                          </a:solidFill>
+                          <a:effectLst/>
+                        </a:rPr>
+                        <a:t>plddt_q50</a:t>
+                      </a:r>
+                      <a:endParaRPr lang="en-SG" sz="1100" b="0" i="0" u="none" strike="noStrike">
+                        <a:solidFill>
+                          <a:srgbClr val="000000"/>
+                        </a:solidFill>
+                        <a:effectLst/>
+                        <a:latin typeface="Aptos Narrow" panose="020B0004020202020204" pitchFamily="34" charset="0"/>
+                      </a:endParaRPr>
+                    </a:p>
+                  </a:txBody>
+                  <a:tcPr marL="9525" marR="9525" marT="9525" marB="0" anchor="b"/>
+                </a:tc>
+                <a:tc>
+                  <a:txBody>
+                    <a:bodyPr/>
+                    <a:lstStyle/>
+                    <a:p>
+                      <a:pPr algn="l" fontAlgn="b">
+                        <a:buNone/>
+                      </a:pPr>
+                      <a:r>
+                        <a:rPr lang="en-SG" sz="1100" b="0" u="none" strike="noStrike" dirty="0">
+                          <a:solidFill>
+                            <a:srgbClr val="000000"/>
+                          </a:solidFill>
+                          <a:effectLst/>
+                        </a:rPr>
+                        <a:t>plddt_q75</a:t>
+                      </a:r>
+                      <a:endParaRPr lang="en-SG" sz="1100" b="0" i="0" u="none" strike="noStrike" dirty="0">
+                        <a:solidFill>
+                          <a:srgbClr val="000000"/>
+                        </a:solidFill>
+                        <a:effectLst/>
+                        <a:latin typeface="Aptos Narrow" panose="020B0004020202020204" pitchFamily="34" charset="0"/>
+                      </a:endParaRPr>
+                    </a:p>
+                  </a:txBody>
+                  <a:tcPr marL="9525" marR="9525" marT="9525" marB="0" anchor="b"/>
+                </a:tc>
+                <a:tc>
+                  <a:txBody>
+                    <a:bodyPr/>
+                    <a:lstStyle/>
+                    <a:p>
+                      <a:pPr algn="l" fontAlgn="b">
+                        <a:buNone/>
+                      </a:pPr>
+                      <a:r>
+                        <a:rPr lang="en-SG" sz="1100" b="0" u="none" strike="noStrike" dirty="0" err="1">
+                          <a:solidFill>
+                            <a:srgbClr val="000000"/>
+                          </a:solidFill>
+                          <a:effectLst/>
+                          <a:highlight>
+                            <a:srgbClr val="FFFF00"/>
+                          </a:highlight>
+                        </a:rPr>
+                        <a:t>ipTM_mean</a:t>
+                      </a:r>
+                      <a:endParaRPr lang="en-SG" sz="1100" b="0" i="0" u="none" strike="noStrike" dirty="0">
+                        <a:solidFill>
+                          <a:srgbClr val="000000"/>
+                        </a:solidFill>
+                        <a:effectLst/>
+                        <a:highlight>
+                          <a:srgbClr val="FFFF00"/>
+                        </a:highlight>
+                        <a:latin typeface="Aptos Narrow" panose="020B0004020202020204" pitchFamily="34" charset="0"/>
+                      </a:endParaRPr>
+                    </a:p>
+                  </a:txBody>
+                  <a:tcPr marL="9525" marR="9525" marT="9525" marB="0" anchor="b"/>
+                </a:tc>
+                <a:tc>
+                  <a:txBody>
+                    <a:bodyPr/>
+                    <a:lstStyle/>
+                    <a:p>
+                      <a:pPr algn="l" fontAlgn="b">
+                        <a:buNone/>
+                      </a:pPr>
+                      <a:r>
+                        <a:rPr lang="en-SG" sz="1100" b="0" u="none" strike="noStrike">
+                          <a:solidFill>
+                            <a:srgbClr val="000000"/>
+                          </a:solidFill>
+                          <a:effectLst/>
+                        </a:rPr>
+                        <a:t>ipTM_max</a:t>
+                      </a:r>
+                      <a:endParaRPr lang="en-SG" sz="1100" b="0" i="0" u="none" strike="noStrike">
+                        <a:solidFill>
+                          <a:srgbClr val="000000"/>
+                        </a:solidFill>
+                        <a:effectLst/>
+                        <a:latin typeface="Aptos Narrow" panose="020B0004020202020204" pitchFamily="34" charset="0"/>
+                      </a:endParaRPr>
+                    </a:p>
+                  </a:txBody>
+                  <a:tcPr marL="9525" marR="9525" marT="9525" marB="0" anchor="b"/>
+                </a:tc>
+                <a:tc>
+                  <a:txBody>
+                    <a:bodyPr/>
+                    <a:lstStyle/>
+                    <a:p>
+                      <a:pPr algn="l" fontAlgn="b">
+                        <a:buNone/>
+                      </a:pPr>
+                      <a:r>
+                        <a:rPr lang="en-SG" sz="1100" b="0" u="none" strike="noStrike">
+                          <a:solidFill>
+                            <a:srgbClr val="000000"/>
+                          </a:solidFill>
+                          <a:effectLst/>
+                        </a:rPr>
+                        <a:t>ipTM_min</a:t>
+                      </a:r>
+                      <a:endParaRPr lang="en-SG" sz="1100" b="0" i="0" u="none" strike="noStrike">
+                        <a:solidFill>
+                          <a:srgbClr val="000000"/>
+                        </a:solidFill>
+                        <a:effectLst/>
+                        <a:latin typeface="Aptos Narrow" panose="020B0004020202020204" pitchFamily="34" charset="0"/>
+                      </a:endParaRPr>
+                    </a:p>
+                  </a:txBody>
+                  <a:tcPr marL="9525" marR="9525" marT="9525" marB="0" anchor="b"/>
+                </a:tc>
+                <a:tc>
+                  <a:txBody>
+                    <a:bodyPr/>
+                    <a:lstStyle/>
+                    <a:p>
+                      <a:pPr algn="l" fontAlgn="b">
+                        <a:buNone/>
+                      </a:pPr>
+                      <a:r>
+                        <a:rPr lang="en-SG" sz="1100" b="0" u="none" strike="noStrike">
+                          <a:solidFill>
+                            <a:srgbClr val="000000"/>
+                          </a:solidFill>
+                          <a:effectLst/>
+                        </a:rPr>
+                        <a:t>ipTM_q25</a:t>
+                      </a:r>
+                      <a:endParaRPr lang="en-SG" sz="1100" b="0" i="0" u="none" strike="noStrike">
+                        <a:solidFill>
+                          <a:srgbClr val="000000"/>
+                        </a:solidFill>
+                        <a:effectLst/>
+                        <a:latin typeface="Aptos Narrow" panose="020B0004020202020204" pitchFamily="34" charset="0"/>
+                      </a:endParaRPr>
+                    </a:p>
+                  </a:txBody>
+                  <a:tcPr marL="9525" marR="9525" marT="9525" marB="0" anchor="b"/>
+                </a:tc>
+                <a:tc>
+                  <a:txBody>
+                    <a:bodyPr/>
+                    <a:lstStyle/>
+                    <a:p>
+                      <a:pPr algn="l" fontAlgn="b">
+                        <a:buNone/>
+                      </a:pPr>
+                      <a:r>
+                        <a:rPr lang="en-SG" sz="1100" b="0" u="none" strike="noStrike">
+                          <a:solidFill>
+                            <a:srgbClr val="000000"/>
+                          </a:solidFill>
+                          <a:effectLst/>
+                        </a:rPr>
+                        <a:t>ipTM_q50</a:t>
+                      </a:r>
+                      <a:endParaRPr lang="en-SG" sz="1100" b="0" i="0" u="none" strike="noStrike">
+                        <a:solidFill>
+                          <a:srgbClr val="000000"/>
+                        </a:solidFill>
+                        <a:effectLst/>
+                        <a:latin typeface="Aptos Narrow" panose="020B0004020202020204" pitchFamily="34" charset="0"/>
+                      </a:endParaRPr>
+                    </a:p>
+                  </a:txBody>
+                  <a:tcPr marL="9525" marR="9525" marT="9525" marB="0" anchor="b"/>
+                </a:tc>
+                <a:tc>
+                  <a:txBody>
+                    <a:bodyPr/>
+                    <a:lstStyle/>
+                    <a:p>
+                      <a:pPr algn="l" fontAlgn="b">
+                        <a:buNone/>
+                      </a:pPr>
+                      <a:r>
+                        <a:rPr lang="en-SG" sz="1100" b="0" u="none" strike="noStrike">
+                          <a:solidFill>
+                            <a:srgbClr val="000000"/>
+                          </a:solidFill>
+                          <a:effectLst/>
+                        </a:rPr>
+                        <a:t>ipTM_q75</a:t>
+                      </a:r>
+                      <a:endParaRPr lang="en-SG" sz="1100" b="0" i="0" u="none" strike="noStrike">
+                        <a:solidFill>
+                          <a:srgbClr val="000000"/>
+                        </a:solidFill>
+                        <a:effectLst/>
+                        <a:latin typeface="Aptos Narrow" panose="020B0004020202020204" pitchFamily="34" charset="0"/>
+                      </a:endParaRPr>
+                    </a:p>
+                  </a:txBody>
+                  <a:tcPr marL="9525" marR="9525" marT="9525" marB="0" anchor="b"/>
+                </a:tc>
+                <a:tc>
+                  <a:txBody>
+                    <a:bodyPr/>
+                    <a:lstStyle/>
+                    <a:p>
+                      <a:pPr algn="l" fontAlgn="b">
+                        <a:buNone/>
+                      </a:pPr>
+                      <a:r>
+                        <a:rPr lang="en-SG" sz="1100" b="0" u="none" strike="noStrike" dirty="0" err="1">
+                          <a:solidFill>
+                            <a:srgbClr val="000000"/>
+                          </a:solidFill>
+                          <a:effectLst/>
+                          <a:highlight>
+                            <a:srgbClr val="FFFF00"/>
+                          </a:highlight>
+                        </a:rPr>
+                        <a:t>duration_mean</a:t>
+                      </a:r>
+                      <a:endParaRPr lang="en-SG" sz="1100" b="0" i="0" u="none" strike="noStrike" dirty="0">
+                        <a:solidFill>
+                          <a:srgbClr val="000000"/>
+                        </a:solidFill>
+                        <a:effectLst/>
+                        <a:highlight>
+                          <a:srgbClr val="FFFF00"/>
+                        </a:highlight>
+                        <a:latin typeface="Aptos Narrow" panose="020B0004020202020204" pitchFamily="34" charset="0"/>
+                      </a:endParaRPr>
+                    </a:p>
+                  </a:txBody>
+                  <a:tcPr marL="9525" marR="9525" marT="9525" marB="0" anchor="b"/>
+                </a:tc>
+                <a:tc>
+                  <a:txBody>
+                    <a:bodyPr/>
+                    <a:lstStyle/>
+                    <a:p>
+                      <a:pPr algn="l" fontAlgn="b">
+                        <a:buNone/>
+                      </a:pPr>
+                      <a:r>
+                        <a:rPr lang="en-SG" sz="1100" b="0" u="none" strike="noStrike">
+                          <a:solidFill>
+                            <a:srgbClr val="000000"/>
+                          </a:solidFill>
+                          <a:effectLst/>
+                        </a:rPr>
+                        <a:t>AlphaFold2_calls_mean</a:t>
+                      </a:r>
+                      <a:endParaRPr lang="en-SG" sz="1100" b="0" i="0" u="none" strike="noStrike">
+                        <a:solidFill>
+                          <a:srgbClr val="000000"/>
+                        </a:solidFill>
+                        <a:effectLst/>
+                        <a:latin typeface="Aptos Narrow" panose="020B0004020202020204" pitchFamily="34" charset="0"/>
+                      </a:endParaRPr>
+                    </a:p>
+                  </a:txBody>
+                  <a:tcPr marL="9525" marR="9525" marT="9525" marB="0" anchor="b"/>
+                </a:tc>
+                <a:extLst>
+                  <a:ext uri="{0D108BD9-81ED-4DB2-BD59-A6C34878D82A}">
+                    <a16:rowId xmlns:a16="http://schemas.microsoft.com/office/drawing/2014/main" val="1434694247"/>
+                  </a:ext>
+                </a:extLst>
+              </a:tr>
+              <a:tr h="190500">
+                <a:tc>
+                  <a:txBody>
+                    <a:bodyPr/>
+                    <a:lstStyle/>
+                    <a:p>
+                      <a:pPr algn="l" fontAlgn="b">
+                        <a:buNone/>
+                      </a:pPr>
+                      <a:r>
+                        <a:rPr lang="en-SG" sz="1100" b="0" u="none" strike="noStrike">
+                          <a:solidFill>
+                            <a:srgbClr val="000000"/>
+                          </a:solidFill>
+                          <a:effectLst/>
+                        </a:rPr>
+                        <a:t>BindCraft</a:t>
+                      </a:r>
+                      <a:endParaRPr lang="en-SG" sz="1100" b="0" i="0" u="none" strike="noStrike">
+                        <a:solidFill>
+                          <a:srgbClr val="000000"/>
+                        </a:solidFill>
+                        <a:effectLst/>
+                        <a:latin typeface="Aptos Narrow" panose="020B0004020202020204" pitchFamily="34" charset="0"/>
+                      </a:endParaRPr>
+                    </a:p>
+                  </a:txBody>
+                  <a:tcPr marL="9525" marR="9525" marT="9525" marB="0" anchor="b"/>
+                </a:tc>
+                <a:tc>
+                  <a:txBody>
+                    <a:bodyPr/>
+                    <a:lstStyle/>
+                    <a:p>
+                      <a:pPr algn="r" fontAlgn="b">
+                        <a:buNone/>
+                      </a:pPr>
+                      <a:r>
+                        <a:rPr lang="en-SG" sz="1100" b="0" u="none" strike="noStrike">
+                          <a:solidFill>
+                            <a:srgbClr val="000000"/>
+                          </a:solidFill>
+                          <a:effectLst/>
+                        </a:rPr>
+                        <a:t>0.522</a:t>
+                      </a:r>
+                      <a:endParaRPr lang="en-SG" sz="1100" b="0" i="0" u="none" strike="noStrike">
+                        <a:solidFill>
+                          <a:srgbClr val="000000"/>
+                        </a:solidFill>
+                        <a:effectLst/>
+                        <a:latin typeface="Aptos Narrow" panose="020B0004020202020204" pitchFamily="34" charset="0"/>
+                      </a:endParaRPr>
+                    </a:p>
+                  </a:txBody>
+                  <a:tcPr marL="9525" marR="9525" marT="9525" marB="0" anchor="b"/>
+                </a:tc>
+                <a:tc>
+                  <a:txBody>
+                    <a:bodyPr/>
+                    <a:lstStyle/>
+                    <a:p>
+                      <a:pPr algn="r" fontAlgn="b">
+                        <a:buNone/>
+                      </a:pPr>
+                      <a:r>
+                        <a:rPr lang="en-SG" sz="1100" b="0" u="none" strike="noStrike" dirty="0">
+                          <a:solidFill>
+                            <a:srgbClr val="000000"/>
+                          </a:solidFill>
+                          <a:effectLst/>
+                        </a:rPr>
+                        <a:t>0.58</a:t>
+                      </a:r>
+                      <a:endParaRPr lang="en-SG" sz="1100" b="0" i="0" u="none" strike="noStrike" dirty="0">
+                        <a:solidFill>
+                          <a:srgbClr val="000000"/>
+                        </a:solidFill>
+                        <a:effectLst/>
+                        <a:latin typeface="Aptos Narrow" panose="020B0004020202020204" pitchFamily="34" charset="0"/>
+                      </a:endParaRPr>
+                    </a:p>
+                  </a:txBody>
+                  <a:tcPr marL="9525" marR="9525" marT="9525" marB="0" anchor="b"/>
+                </a:tc>
+                <a:tc>
+                  <a:txBody>
+                    <a:bodyPr/>
+                    <a:lstStyle/>
+                    <a:p>
+                      <a:pPr algn="r" fontAlgn="b">
+                        <a:buNone/>
+                      </a:pPr>
+                      <a:r>
+                        <a:rPr lang="en-SG" sz="1100" b="0" u="none" strike="noStrike">
+                          <a:solidFill>
+                            <a:srgbClr val="000000"/>
+                          </a:solidFill>
+                          <a:effectLst/>
+                        </a:rPr>
+                        <a:t>0.47</a:t>
+                      </a:r>
+                      <a:endParaRPr lang="en-SG" sz="1100" b="0" i="0" u="none" strike="noStrike">
+                        <a:solidFill>
+                          <a:srgbClr val="000000"/>
+                        </a:solidFill>
+                        <a:effectLst/>
+                        <a:latin typeface="Aptos Narrow" panose="020B0004020202020204" pitchFamily="34" charset="0"/>
+                      </a:endParaRPr>
+                    </a:p>
+                  </a:txBody>
+                  <a:tcPr marL="9525" marR="9525" marT="9525" marB="0" anchor="b"/>
+                </a:tc>
+                <a:tc>
+                  <a:txBody>
+                    <a:bodyPr/>
+                    <a:lstStyle/>
+                    <a:p>
+                      <a:pPr algn="r" fontAlgn="b">
+                        <a:buNone/>
+                      </a:pPr>
+                      <a:r>
+                        <a:rPr lang="en-SG" sz="1100" b="0" u="none" strike="noStrike">
+                          <a:solidFill>
+                            <a:srgbClr val="000000"/>
+                          </a:solidFill>
+                          <a:effectLst/>
+                        </a:rPr>
+                        <a:t>0.4925</a:t>
+                      </a:r>
+                      <a:endParaRPr lang="en-SG" sz="1100" b="0" i="0" u="none" strike="noStrike">
+                        <a:solidFill>
+                          <a:srgbClr val="000000"/>
+                        </a:solidFill>
+                        <a:effectLst/>
+                        <a:latin typeface="Aptos Narrow" panose="020B0004020202020204" pitchFamily="34" charset="0"/>
+                      </a:endParaRPr>
+                    </a:p>
+                  </a:txBody>
+                  <a:tcPr marL="9525" marR="9525" marT="9525" marB="0" anchor="b"/>
+                </a:tc>
+                <a:tc>
+                  <a:txBody>
+                    <a:bodyPr/>
+                    <a:lstStyle/>
+                    <a:p>
+                      <a:pPr algn="r" fontAlgn="b">
+                        <a:buNone/>
+                      </a:pPr>
+                      <a:r>
+                        <a:rPr lang="en-SG" sz="1100" b="0" u="none" strike="noStrike">
+                          <a:solidFill>
+                            <a:srgbClr val="000000"/>
+                          </a:solidFill>
+                          <a:effectLst/>
+                        </a:rPr>
+                        <a:t>0.525</a:t>
+                      </a:r>
+                      <a:endParaRPr lang="en-SG" sz="1100" b="0" i="0" u="none" strike="noStrike">
+                        <a:solidFill>
+                          <a:srgbClr val="000000"/>
+                        </a:solidFill>
+                        <a:effectLst/>
+                        <a:latin typeface="Aptos Narrow" panose="020B0004020202020204" pitchFamily="34" charset="0"/>
+                      </a:endParaRPr>
+                    </a:p>
+                  </a:txBody>
+                  <a:tcPr marL="9525" marR="9525" marT="9525" marB="0" anchor="b"/>
+                </a:tc>
+                <a:tc>
+                  <a:txBody>
+                    <a:bodyPr/>
+                    <a:lstStyle/>
+                    <a:p>
+                      <a:pPr algn="r" fontAlgn="b">
+                        <a:buNone/>
+                      </a:pPr>
+                      <a:r>
+                        <a:rPr lang="en-SG" sz="1100" b="0" u="none" strike="noStrike">
+                          <a:solidFill>
+                            <a:srgbClr val="000000"/>
+                          </a:solidFill>
+                          <a:effectLst/>
+                        </a:rPr>
+                        <a:t>0.5475</a:t>
+                      </a:r>
+                      <a:endParaRPr lang="en-SG" sz="1100" b="0" i="0" u="none" strike="noStrike">
+                        <a:solidFill>
+                          <a:srgbClr val="000000"/>
+                        </a:solidFill>
+                        <a:effectLst/>
+                        <a:latin typeface="Aptos Narrow" panose="020B0004020202020204" pitchFamily="34" charset="0"/>
+                      </a:endParaRPr>
+                    </a:p>
+                  </a:txBody>
+                  <a:tcPr marL="9525" marR="9525" marT="9525" marB="0" anchor="b"/>
+                </a:tc>
+                <a:tc>
+                  <a:txBody>
+                    <a:bodyPr/>
+                    <a:lstStyle/>
+                    <a:p>
+                      <a:pPr algn="r" fontAlgn="b">
+                        <a:buNone/>
+                      </a:pPr>
+                      <a:r>
+                        <a:rPr lang="en-SG" sz="1100" b="0" u="none" strike="noStrike">
+                          <a:solidFill>
+                            <a:srgbClr val="000000"/>
+                          </a:solidFill>
+                          <a:effectLst/>
+                        </a:rPr>
+                        <a:t>0.414</a:t>
+                      </a:r>
+                      <a:endParaRPr lang="en-SG" sz="1100" b="0" i="0" u="none" strike="noStrike">
+                        <a:solidFill>
+                          <a:srgbClr val="000000"/>
+                        </a:solidFill>
+                        <a:effectLst/>
+                        <a:latin typeface="Aptos Narrow" panose="020B0004020202020204" pitchFamily="34" charset="0"/>
+                      </a:endParaRPr>
+                    </a:p>
+                  </a:txBody>
+                  <a:tcPr marL="9525" marR="9525" marT="9525" marB="0" anchor="b"/>
+                </a:tc>
+                <a:tc>
+                  <a:txBody>
+                    <a:bodyPr/>
+                    <a:lstStyle/>
+                    <a:p>
+                      <a:pPr algn="r" fontAlgn="b">
+                        <a:buNone/>
+                      </a:pPr>
+                      <a:r>
+                        <a:rPr lang="en-SG" sz="1100" b="0" u="none" strike="noStrike">
+                          <a:solidFill>
+                            <a:srgbClr val="000000"/>
+                          </a:solidFill>
+                          <a:effectLst/>
+                        </a:rPr>
+                        <a:t>0.46</a:t>
+                      </a:r>
+                      <a:endParaRPr lang="en-SG" sz="1100" b="0" i="0" u="none" strike="noStrike">
+                        <a:solidFill>
+                          <a:srgbClr val="000000"/>
+                        </a:solidFill>
+                        <a:effectLst/>
+                        <a:latin typeface="Aptos Narrow" panose="020B0004020202020204" pitchFamily="34" charset="0"/>
+                      </a:endParaRPr>
+                    </a:p>
+                  </a:txBody>
+                  <a:tcPr marL="9525" marR="9525" marT="9525" marB="0" anchor="b"/>
+                </a:tc>
+                <a:tc>
+                  <a:txBody>
+                    <a:bodyPr/>
+                    <a:lstStyle/>
+                    <a:p>
+                      <a:pPr algn="r" fontAlgn="b">
+                        <a:buNone/>
+                      </a:pPr>
+                      <a:r>
+                        <a:rPr lang="en-SG" sz="1100" b="0" u="none" strike="noStrike">
+                          <a:solidFill>
+                            <a:srgbClr val="000000"/>
+                          </a:solidFill>
+                          <a:effectLst/>
+                        </a:rPr>
+                        <a:t>0.36</a:t>
+                      </a:r>
+                      <a:endParaRPr lang="en-SG" sz="1100" b="0" i="0" u="none" strike="noStrike">
+                        <a:solidFill>
+                          <a:srgbClr val="000000"/>
+                        </a:solidFill>
+                        <a:effectLst/>
+                        <a:latin typeface="Aptos Narrow" panose="020B0004020202020204" pitchFamily="34" charset="0"/>
+                      </a:endParaRPr>
+                    </a:p>
+                  </a:txBody>
+                  <a:tcPr marL="9525" marR="9525" marT="9525" marB="0" anchor="b"/>
+                </a:tc>
+                <a:tc>
+                  <a:txBody>
+                    <a:bodyPr/>
+                    <a:lstStyle/>
+                    <a:p>
+                      <a:pPr algn="r" fontAlgn="b">
+                        <a:buNone/>
+                      </a:pPr>
+                      <a:r>
+                        <a:rPr lang="en-SG" sz="1100" b="0" u="none" strike="noStrike">
+                          <a:solidFill>
+                            <a:srgbClr val="000000"/>
+                          </a:solidFill>
+                          <a:effectLst/>
+                        </a:rPr>
+                        <a:t>0.3925</a:t>
+                      </a:r>
+                      <a:endParaRPr lang="en-SG" sz="1100" b="0" i="0" u="none" strike="noStrike">
+                        <a:solidFill>
+                          <a:srgbClr val="000000"/>
+                        </a:solidFill>
+                        <a:effectLst/>
+                        <a:latin typeface="Aptos Narrow" panose="020B0004020202020204" pitchFamily="34" charset="0"/>
+                      </a:endParaRPr>
+                    </a:p>
+                  </a:txBody>
+                  <a:tcPr marL="9525" marR="9525" marT="9525" marB="0" anchor="b"/>
+                </a:tc>
+                <a:tc>
+                  <a:txBody>
+                    <a:bodyPr/>
+                    <a:lstStyle/>
+                    <a:p>
+                      <a:pPr algn="r" fontAlgn="b">
+                        <a:buNone/>
+                      </a:pPr>
+                      <a:r>
+                        <a:rPr lang="en-SG" sz="1100" b="0" u="none" strike="noStrike">
+                          <a:solidFill>
+                            <a:srgbClr val="000000"/>
+                          </a:solidFill>
+                          <a:effectLst/>
+                        </a:rPr>
+                        <a:t>0.415</a:t>
+                      </a:r>
+                      <a:endParaRPr lang="en-SG" sz="1100" b="0" i="0" u="none" strike="noStrike">
+                        <a:solidFill>
+                          <a:srgbClr val="000000"/>
+                        </a:solidFill>
+                        <a:effectLst/>
+                        <a:latin typeface="Aptos Narrow" panose="020B0004020202020204" pitchFamily="34" charset="0"/>
+                      </a:endParaRPr>
+                    </a:p>
+                  </a:txBody>
+                  <a:tcPr marL="9525" marR="9525" marT="9525" marB="0" anchor="b"/>
+                </a:tc>
+                <a:tc>
+                  <a:txBody>
+                    <a:bodyPr/>
+                    <a:lstStyle/>
+                    <a:p>
+                      <a:pPr algn="r" fontAlgn="b">
+                        <a:buNone/>
+                      </a:pPr>
+                      <a:r>
+                        <a:rPr lang="en-SG" sz="1100" b="0" u="none" strike="noStrike">
+                          <a:solidFill>
+                            <a:srgbClr val="000000"/>
+                          </a:solidFill>
+                          <a:effectLst/>
+                        </a:rPr>
+                        <a:t>0.4375</a:t>
+                      </a:r>
+                      <a:endParaRPr lang="en-SG" sz="1100" b="0" i="0" u="none" strike="noStrike">
+                        <a:solidFill>
+                          <a:srgbClr val="000000"/>
+                        </a:solidFill>
+                        <a:effectLst/>
+                        <a:latin typeface="Aptos Narrow" panose="020B0004020202020204" pitchFamily="34" charset="0"/>
+                      </a:endParaRPr>
+                    </a:p>
+                  </a:txBody>
+                  <a:tcPr marL="9525" marR="9525" marT="9525" marB="0" anchor="b"/>
+                </a:tc>
+                <a:tc>
+                  <a:txBody>
+                    <a:bodyPr/>
+                    <a:lstStyle/>
+                    <a:p>
+                      <a:pPr algn="r" fontAlgn="b">
+                        <a:buNone/>
+                      </a:pPr>
+                      <a:r>
+                        <a:rPr lang="en-SG" sz="1100" b="0" u="none" strike="noStrike">
+                          <a:solidFill>
+                            <a:srgbClr val="000000"/>
+                          </a:solidFill>
+                          <a:effectLst/>
+                        </a:rPr>
+                        <a:t>538.8</a:t>
+                      </a:r>
+                      <a:endParaRPr lang="en-SG" sz="1100" b="0" i="0" u="none" strike="noStrike">
+                        <a:solidFill>
+                          <a:srgbClr val="000000"/>
+                        </a:solidFill>
+                        <a:effectLst/>
+                        <a:latin typeface="Aptos Narrow" panose="020B0004020202020204" pitchFamily="34" charset="0"/>
+                      </a:endParaRPr>
+                    </a:p>
+                  </a:txBody>
+                  <a:tcPr marL="9525" marR="9525" marT="9525" marB="0" anchor="b"/>
+                </a:tc>
+                <a:tc>
+                  <a:txBody>
+                    <a:bodyPr/>
+                    <a:lstStyle/>
+                    <a:p>
+                      <a:pPr algn="r" fontAlgn="b">
+                        <a:buNone/>
+                      </a:pPr>
+                      <a:r>
+                        <a:rPr lang="en-SG" sz="1100" b="0" u="none" strike="noStrike">
+                          <a:solidFill>
+                            <a:srgbClr val="000000"/>
+                          </a:solidFill>
+                          <a:effectLst/>
+                        </a:rPr>
+                        <a:t>75</a:t>
+                      </a:r>
+                      <a:endParaRPr lang="en-SG" sz="1100" b="0" i="0" u="none" strike="noStrike">
+                        <a:solidFill>
+                          <a:srgbClr val="000000"/>
+                        </a:solidFill>
+                        <a:effectLst/>
+                        <a:latin typeface="Aptos Narrow" panose="020B0004020202020204" pitchFamily="34" charset="0"/>
+                      </a:endParaRPr>
+                    </a:p>
+                  </a:txBody>
+                  <a:tcPr marL="9525" marR="9525" marT="9525" marB="0" anchor="b"/>
+                </a:tc>
+                <a:extLst>
+                  <a:ext uri="{0D108BD9-81ED-4DB2-BD59-A6C34878D82A}">
+                    <a16:rowId xmlns:a16="http://schemas.microsoft.com/office/drawing/2014/main" val="1360409104"/>
+                  </a:ext>
+                </a:extLst>
+              </a:tr>
+              <a:tr h="190500">
+                <a:tc>
+                  <a:txBody>
+                    <a:bodyPr/>
+                    <a:lstStyle/>
+                    <a:p>
+                      <a:pPr algn="l" fontAlgn="b">
+                        <a:buNone/>
+                      </a:pPr>
+                      <a:r>
+                        <a:rPr lang="en-SG" sz="1100" b="0" u="none" strike="noStrike">
+                          <a:solidFill>
+                            <a:srgbClr val="000000"/>
+                          </a:solidFill>
+                          <a:effectLst/>
+                        </a:rPr>
+                        <a:t>MutaCraft</a:t>
+                      </a:r>
+                      <a:endParaRPr lang="en-SG" sz="1100" b="0" i="0" u="none" strike="noStrike">
+                        <a:solidFill>
+                          <a:srgbClr val="000000"/>
+                        </a:solidFill>
+                        <a:effectLst/>
+                        <a:latin typeface="Aptos Narrow" panose="020B0004020202020204" pitchFamily="34" charset="0"/>
+                      </a:endParaRPr>
+                    </a:p>
+                  </a:txBody>
+                  <a:tcPr marL="9525" marR="9525" marT="9525" marB="0" anchor="b"/>
+                </a:tc>
+                <a:tc>
+                  <a:txBody>
+                    <a:bodyPr/>
+                    <a:lstStyle/>
+                    <a:p>
+                      <a:pPr algn="r" fontAlgn="b">
+                        <a:buNone/>
+                      </a:pPr>
+                      <a:r>
+                        <a:rPr lang="en-SG" sz="1100" b="0" u="none" strike="noStrike">
+                          <a:solidFill>
+                            <a:srgbClr val="000000"/>
+                          </a:solidFill>
+                          <a:effectLst/>
+                        </a:rPr>
+                        <a:t>0.585</a:t>
+                      </a:r>
+                      <a:endParaRPr lang="en-SG" sz="1100" b="0" i="0" u="none" strike="noStrike">
+                        <a:solidFill>
+                          <a:srgbClr val="000000"/>
+                        </a:solidFill>
+                        <a:effectLst/>
+                        <a:latin typeface="Aptos Narrow" panose="020B0004020202020204" pitchFamily="34" charset="0"/>
+                      </a:endParaRPr>
+                    </a:p>
+                  </a:txBody>
+                  <a:tcPr marL="9525" marR="9525" marT="9525" marB="0" anchor="b"/>
+                </a:tc>
+                <a:tc>
+                  <a:txBody>
+                    <a:bodyPr/>
+                    <a:lstStyle/>
+                    <a:p>
+                      <a:pPr algn="r" fontAlgn="b">
+                        <a:buNone/>
+                      </a:pPr>
+                      <a:r>
+                        <a:rPr lang="en-SG" sz="1100" b="0" u="none" strike="noStrike">
+                          <a:solidFill>
+                            <a:srgbClr val="000000"/>
+                          </a:solidFill>
+                          <a:effectLst/>
+                        </a:rPr>
+                        <a:t>0.63</a:t>
+                      </a:r>
+                      <a:endParaRPr lang="en-SG" sz="1100" b="0" i="0" u="none" strike="noStrike">
+                        <a:solidFill>
+                          <a:srgbClr val="000000"/>
+                        </a:solidFill>
+                        <a:effectLst/>
+                        <a:latin typeface="Aptos Narrow" panose="020B0004020202020204" pitchFamily="34" charset="0"/>
+                      </a:endParaRPr>
+                    </a:p>
+                  </a:txBody>
+                  <a:tcPr marL="9525" marR="9525" marT="9525" marB="0" anchor="b"/>
+                </a:tc>
+                <a:tc>
+                  <a:txBody>
+                    <a:bodyPr/>
+                    <a:lstStyle/>
+                    <a:p>
+                      <a:pPr algn="r" fontAlgn="b">
+                        <a:buNone/>
+                      </a:pPr>
+                      <a:r>
+                        <a:rPr lang="en-SG" sz="1100" b="0" u="none" strike="noStrike">
+                          <a:solidFill>
+                            <a:srgbClr val="000000"/>
+                          </a:solidFill>
+                          <a:effectLst/>
+                        </a:rPr>
+                        <a:t>0.54</a:t>
+                      </a:r>
+                      <a:endParaRPr lang="en-SG" sz="1100" b="0" i="0" u="none" strike="noStrike">
+                        <a:solidFill>
+                          <a:srgbClr val="000000"/>
+                        </a:solidFill>
+                        <a:effectLst/>
+                        <a:latin typeface="Aptos Narrow" panose="020B0004020202020204" pitchFamily="34" charset="0"/>
+                      </a:endParaRPr>
+                    </a:p>
+                  </a:txBody>
+                  <a:tcPr marL="9525" marR="9525" marT="9525" marB="0" anchor="b"/>
+                </a:tc>
+                <a:tc>
+                  <a:txBody>
+                    <a:bodyPr/>
+                    <a:lstStyle/>
+                    <a:p>
+                      <a:pPr algn="r" fontAlgn="b">
+                        <a:buNone/>
+                      </a:pPr>
+                      <a:r>
+                        <a:rPr lang="en-SG" sz="1100" b="0" u="none" strike="noStrike">
+                          <a:solidFill>
+                            <a:srgbClr val="000000"/>
+                          </a:solidFill>
+                          <a:effectLst/>
+                        </a:rPr>
+                        <a:t>0.5625</a:t>
+                      </a:r>
+                      <a:endParaRPr lang="en-SG" sz="1100" b="0" i="0" u="none" strike="noStrike">
+                        <a:solidFill>
+                          <a:srgbClr val="000000"/>
+                        </a:solidFill>
+                        <a:effectLst/>
+                        <a:latin typeface="Aptos Narrow" panose="020B0004020202020204" pitchFamily="34" charset="0"/>
+                      </a:endParaRPr>
+                    </a:p>
+                  </a:txBody>
+                  <a:tcPr marL="9525" marR="9525" marT="9525" marB="0" anchor="b"/>
+                </a:tc>
+                <a:tc>
+                  <a:txBody>
+                    <a:bodyPr/>
+                    <a:lstStyle/>
+                    <a:p>
+                      <a:pPr algn="r" fontAlgn="b">
+                        <a:buNone/>
+                      </a:pPr>
+                      <a:r>
+                        <a:rPr lang="en-SG" sz="1100" b="0" u="none" strike="noStrike">
+                          <a:solidFill>
+                            <a:srgbClr val="000000"/>
+                          </a:solidFill>
+                          <a:effectLst/>
+                        </a:rPr>
+                        <a:t>0.585</a:t>
+                      </a:r>
+                      <a:endParaRPr lang="en-SG" sz="1100" b="0" i="0" u="none" strike="noStrike">
+                        <a:solidFill>
+                          <a:srgbClr val="000000"/>
+                        </a:solidFill>
+                        <a:effectLst/>
+                        <a:latin typeface="Aptos Narrow" panose="020B0004020202020204" pitchFamily="34" charset="0"/>
+                      </a:endParaRPr>
+                    </a:p>
+                  </a:txBody>
+                  <a:tcPr marL="9525" marR="9525" marT="9525" marB="0" anchor="b"/>
+                </a:tc>
+                <a:tc>
+                  <a:txBody>
+                    <a:bodyPr/>
+                    <a:lstStyle/>
+                    <a:p>
+                      <a:pPr algn="r" fontAlgn="b">
+                        <a:buNone/>
+                      </a:pPr>
+                      <a:r>
+                        <a:rPr lang="en-SG" sz="1100" b="0" u="none" strike="noStrike">
+                          <a:solidFill>
+                            <a:srgbClr val="000000"/>
+                          </a:solidFill>
+                          <a:effectLst/>
+                        </a:rPr>
+                        <a:t>0.6075</a:t>
+                      </a:r>
+                      <a:endParaRPr lang="en-SG" sz="1100" b="0" i="0" u="none" strike="noStrike">
+                        <a:solidFill>
+                          <a:srgbClr val="000000"/>
+                        </a:solidFill>
+                        <a:effectLst/>
+                        <a:latin typeface="Aptos Narrow" panose="020B0004020202020204" pitchFamily="34" charset="0"/>
+                      </a:endParaRPr>
+                    </a:p>
+                  </a:txBody>
+                  <a:tcPr marL="9525" marR="9525" marT="9525" marB="0" anchor="b"/>
+                </a:tc>
+                <a:tc>
+                  <a:txBody>
+                    <a:bodyPr/>
+                    <a:lstStyle/>
+                    <a:p>
+                      <a:pPr algn="r" fontAlgn="b">
+                        <a:buNone/>
+                      </a:pPr>
+                      <a:r>
+                        <a:rPr lang="en-SG" sz="1100" b="0" u="none" strike="noStrike">
+                          <a:solidFill>
+                            <a:srgbClr val="000000"/>
+                          </a:solidFill>
+                          <a:effectLst/>
+                        </a:rPr>
+                        <a:t>0.485</a:t>
+                      </a:r>
+                      <a:endParaRPr lang="en-SG" sz="1100" b="0" i="0" u="none" strike="noStrike">
+                        <a:solidFill>
+                          <a:srgbClr val="000000"/>
+                        </a:solidFill>
+                        <a:effectLst/>
+                        <a:latin typeface="Aptos Narrow" panose="020B0004020202020204" pitchFamily="34" charset="0"/>
+                      </a:endParaRPr>
+                    </a:p>
+                  </a:txBody>
+                  <a:tcPr marL="9525" marR="9525" marT="9525" marB="0" anchor="b"/>
+                </a:tc>
+                <a:tc>
+                  <a:txBody>
+                    <a:bodyPr/>
+                    <a:lstStyle/>
+                    <a:p>
+                      <a:pPr algn="r" fontAlgn="b">
+                        <a:buNone/>
+                      </a:pPr>
+                      <a:r>
+                        <a:rPr lang="en-SG" sz="1100" b="0" u="none" strike="noStrike">
+                          <a:solidFill>
+                            <a:srgbClr val="000000"/>
+                          </a:solidFill>
+                          <a:effectLst/>
+                        </a:rPr>
+                        <a:t>0.51</a:t>
+                      </a:r>
+                      <a:endParaRPr lang="en-SG" sz="1100" b="0" i="0" u="none" strike="noStrike">
+                        <a:solidFill>
+                          <a:srgbClr val="000000"/>
+                        </a:solidFill>
+                        <a:effectLst/>
+                        <a:latin typeface="Aptos Narrow" panose="020B0004020202020204" pitchFamily="34" charset="0"/>
+                      </a:endParaRPr>
+                    </a:p>
+                  </a:txBody>
+                  <a:tcPr marL="9525" marR="9525" marT="9525" marB="0" anchor="b"/>
+                </a:tc>
+                <a:tc>
+                  <a:txBody>
+                    <a:bodyPr/>
+                    <a:lstStyle/>
+                    <a:p>
+                      <a:pPr algn="r" fontAlgn="b">
+                        <a:buNone/>
+                      </a:pPr>
+                      <a:r>
+                        <a:rPr lang="en-SG" sz="1100" b="0" u="none" strike="noStrike">
+                          <a:solidFill>
+                            <a:srgbClr val="000000"/>
+                          </a:solidFill>
+                          <a:effectLst/>
+                        </a:rPr>
+                        <a:t>0.46</a:t>
+                      </a:r>
+                      <a:endParaRPr lang="en-SG" sz="1100" b="0" i="0" u="none" strike="noStrike">
+                        <a:solidFill>
+                          <a:srgbClr val="000000"/>
+                        </a:solidFill>
+                        <a:effectLst/>
+                        <a:latin typeface="Aptos Narrow" panose="020B0004020202020204" pitchFamily="34" charset="0"/>
+                      </a:endParaRPr>
+                    </a:p>
+                  </a:txBody>
+                  <a:tcPr marL="9525" marR="9525" marT="9525" marB="0" anchor="b"/>
+                </a:tc>
+                <a:tc>
+                  <a:txBody>
+                    <a:bodyPr/>
+                    <a:lstStyle/>
+                    <a:p>
+                      <a:pPr algn="r" fontAlgn="b">
+                        <a:buNone/>
+                      </a:pPr>
+                      <a:r>
+                        <a:rPr lang="en-SG" sz="1100" b="0" u="none" strike="noStrike">
+                          <a:solidFill>
+                            <a:srgbClr val="000000"/>
+                          </a:solidFill>
+                          <a:effectLst/>
+                        </a:rPr>
+                        <a:t>0.4725</a:t>
+                      </a:r>
+                      <a:endParaRPr lang="en-SG" sz="1100" b="0" i="0" u="none" strike="noStrike">
+                        <a:solidFill>
+                          <a:srgbClr val="000000"/>
+                        </a:solidFill>
+                        <a:effectLst/>
+                        <a:latin typeface="Aptos Narrow" panose="020B0004020202020204" pitchFamily="34" charset="0"/>
+                      </a:endParaRPr>
+                    </a:p>
+                  </a:txBody>
+                  <a:tcPr marL="9525" marR="9525" marT="9525" marB="0" anchor="b"/>
+                </a:tc>
+                <a:tc>
+                  <a:txBody>
+                    <a:bodyPr/>
+                    <a:lstStyle/>
+                    <a:p>
+                      <a:pPr algn="r" fontAlgn="b">
+                        <a:buNone/>
+                      </a:pPr>
+                      <a:r>
+                        <a:rPr lang="en-SG" sz="1100" b="0" u="none" strike="noStrike">
+                          <a:solidFill>
+                            <a:srgbClr val="000000"/>
+                          </a:solidFill>
+                          <a:effectLst/>
+                        </a:rPr>
+                        <a:t>0.485</a:t>
+                      </a:r>
+                      <a:endParaRPr lang="en-SG" sz="1100" b="0" i="0" u="none" strike="noStrike">
+                        <a:solidFill>
+                          <a:srgbClr val="000000"/>
+                        </a:solidFill>
+                        <a:effectLst/>
+                        <a:latin typeface="Aptos Narrow" panose="020B0004020202020204" pitchFamily="34" charset="0"/>
+                      </a:endParaRPr>
+                    </a:p>
+                  </a:txBody>
+                  <a:tcPr marL="9525" marR="9525" marT="9525" marB="0" anchor="b"/>
+                </a:tc>
+                <a:tc>
+                  <a:txBody>
+                    <a:bodyPr/>
+                    <a:lstStyle/>
+                    <a:p>
+                      <a:pPr algn="r" fontAlgn="b">
+                        <a:buNone/>
+                      </a:pPr>
+                      <a:r>
+                        <a:rPr lang="en-SG" sz="1100" b="0" u="none" strike="noStrike">
+                          <a:solidFill>
+                            <a:srgbClr val="000000"/>
+                          </a:solidFill>
+                          <a:effectLst/>
+                        </a:rPr>
+                        <a:t>0.4975</a:t>
+                      </a:r>
+                      <a:endParaRPr lang="en-SG" sz="1100" b="0" i="0" u="none" strike="noStrike">
+                        <a:solidFill>
+                          <a:srgbClr val="000000"/>
+                        </a:solidFill>
+                        <a:effectLst/>
+                        <a:latin typeface="Aptos Narrow" panose="020B0004020202020204" pitchFamily="34" charset="0"/>
+                      </a:endParaRPr>
+                    </a:p>
+                  </a:txBody>
+                  <a:tcPr marL="9525" marR="9525" marT="9525" marB="0" anchor="b"/>
+                </a:tc>
+                <a:tc>
+                  <a:txBody>
+                    <a:bodyPr/>
+                    <a:lstStyle/>
+                    <a:p>
+                      <a:pPr algn="r" fontAlgn="b">
+                        <a:buNone/>
+                      </a:pPr>
+                      <a:r>
+                        <a:rPr lang="en-SG" sz="1100" b="0" u="none" strike="noStrike">
+                          <a:solidFill>
+                            <a:srgbClr val="000000"/>
+                          </a:solidFill>
+                          <a:effectLst/>
+                        </a:rPr>
+                        <a:t>434.4</a:t>
+                      </a:r>
+                      <a:endParaRPr lang="en-SG" sz="1100" b="0" i="0" u="none" strike="noStrike">
+                        <a:solidFill>
+                          <a:srgbClr val="000000"/>
+                        </a:solidFill>
+                        <a:effectLst/>
+                        <a:latin typeface="Aptos Narrow" panose="020B0004020202020204" pitchFamily="34" charset="0"/>
+                      </a:endParaRPr>
+                    </a:p>
+                  </a:txBody>
+                  <a:tcPr marL="9525" marR="9525" marT="9525" marB="0" anchor="b"/>
+                </a:tc>
+                <a:tc>
+                  <a:txBody>
+                    <a:bodyPr/>
+                    <a:lstStyle/>
+                    <a:p>
+                      <a:pPr algn="r" fontAlgn="b">
+                        <a:buNone/>
+                      </a:pPr>
+                      <a:r>
+                        <a:rPr lang="en-SG" sz="1100" b="0" u="none" strike="noStrike" dirty="0">
+                          <a:solidFill>
+                            <a:srgbClr val="000000"/>
+                          </a:solidFill>
+                          <a:effectLst/>
+                        </a:rPr>
+                        <a:t>78</a:t>
+                      </a:r>
+                      <a:endParaRPr lang="en-SG" sz="1100" b="0" i="0" u="none" strike="noStrike" dirty="0">
+                        <a:solidFill>
+                          <a:srgbClr val="000000"/>
+                        </a:solidFill>
+                        <a:effectLst/>
+                        <a:latin typeface="Aptos Narrow" panose="020B0004020202020204" pitchFamily="34" charset="0"/>
+                      </a:endParaRPr>
+                    </a:p>
+                  </a:txBody>
+                  <a:tcPr marL="9525" marR="9525" marT="9525" marB="0" anchor="b"/>
+                </a:tc>
+                <a:extLst>
+                  <a:ext uri="{0D108BD9-81ED-4DB2-BD59-A6C34878D82A}">
+                    <a16:rowId xmlns:a16="http://schemas.microsoft.com/office/drawing/2014/main" val="94170472"/>
+                  </a:ext>
+                </a:extLst>
+              </a:tr>
+            </a:tbl>
+          </a:graphicData>
+        </a:graphic>
+      </p:graphicFrame>
+      <p:sp>
+        <p:nvSpPr>
+          <p:cNvPr id="6" name="Content Placeholder 2">
+            <a:extLst>
+              <a:ext uri="{FF2B5EF4-FFF2-40B4-BE49-F238E27FC236}">
+                <a16:creationId xmlns:a16="http://schemas.microsoft.com/office/drawing/2014/main" id="{FFC41EC4-D8CE-866B-2974-82DC8A516CF7}"/>
+              </a:ext>
+            </a:extLst>
+          </p:cNvPr>
+          <p:cNvSpPr txBox="1">
+            <a:spLocks/>
+          </p:cNvSpPr>
+          <p:nvPr/>
+        </p:nvSpPr>
+        <p:spPr>
+          <a:xfrm>
+            <a:off x="496956" y="1420950"/>
+            <a:ext cx="10972800" cy="5251520"/>
+          </a:xfrm>
+          <a:prstGeom prst="rect">
+            <a:avLst/>
+          </a:prstGeom>
+        </p:spPr>
+        <p:txBody>
+          <a:bodyPr vert="horz" lIns="91440" tIns="45720" rIns="91440" bIns="45720" rtlCol="0">
+            <a:normAutofit/>
+          </a:bodyPr>
+          <a:lstStyle>
+            <a:lvl1pPr marL="342900" indent="-342900" algn="l" defTabSz="457200" rtl="0" eaLnBrk="1" latinLnBrk="0" hangingPunct="1">
+              <a:spcBef>
+                <a:spcPct val="20000"/>
+              </a:spcBef>
+              <a:buFont typeface="Arial"/>
+              <a:buChar char="•"/>
+              <a:defRPr sz="3200" kern="1200">
+                <a:solidFill>
+                  <a:schemeClr val="tx1"/>
+                </a:solidFill>
+                <a:latin typeface="+mn-lt"/>
+                <a:ea typeface="+mn-ea"/>
+                <a:cs typeface="+mn-cs"/>
+              </a:defRPr>
+            </a:lvl1pPr>
+            <a:lvl2pPr marL="742950" indent="-285750" algn="l" defTabSz="457200" rtl="0" eaLnBrk="1" latinLnBrk="0" hangingPunct="1">
+              <a:spcBef>
+                <a:spcPct val="20000"/>
+              </a:spcBef>
+              <a:buFont typeface="Arial"/>
+              <a:buChar char="–"/>
+              <a:defRPr sz="2800" kern="1200">
+                <a:solidFill>
+                  <a:schemeClr val="tx1"/>
+                </a:solidFill>
+                <a:latin typeface="+mn-lt"/>
+                <a:ea typeface="+mn-ea"/>
+                <a:cs typeface="+mn-cs"/>
+              </a:defRPr>
+            </a:lvl2pPr>
+            <a:lvl3pPr marL="1143000" indent="-228600" algn="l" defTabSz="457200" rtl="0" eaLnBrk="1" latinLnBrk="0" hangingPunct="1">
+              <a:spcBef>
+                <a:spcPct val="20000"/>
+              </a:spcBef>
+              <a:buFont typeface="Arial"/>
+              <a:buChar char="•"/>
+              <a:defRPr sz="2400" kern="1200">
+                <a:solidFill>
+                  <a:schemeClr val="tx1"/>
+                </a:solidFill>
+                <a:latin typeface="+mn-lt"/>
+                <a:ea typeface="+mn-ea"/>
+                <a:cs typeface="+mn-cs"/>
+              </a:defRPr>
+            </a:lvl3pPr>
+            <a:lvl4pPr marL="1600200" indent="-228600" algn="l" defTabSz="457200" rtl="0" eaLnBrk="1" latinLnBrk="0" hangingPunct="1">
+              <a:spcBef>
+                <a:spcPct val="20000"/>
+              </a:spcBef>
+              <a:buFont typeface="Arial"/>
+              <a:buChar char="–"/>
+              <a:defRPr sz="2000" kern="1200">
+                <a:solidFill>
+                  <a:schemeClr val="tx1"/>
+                </a:solidFill>
+                <a:latin typeface="+mn-lt"/>
+                <a:ea typeface="+mn-ea"/>
+                <a:cs typeface="+mn-cs"/>
+              </a:defRPr>
+            </a:lvl4pPr>
+            <a:lvl5pPr marL="2057400" indent="-228600" algn="l" defTabSz="457200" rtl="0" eaLnBrk="1" latinLnBrk="0" hangingPunct="1">
+              <a:spcBef>
+                <a:spcPct val="20000"/>
+              </a:spcBef>
+              <a:buFont typeface="Arial"/>
+              <a:buChar char="»"/>
+              <a:defRPr sz="2000" kern="1200">
+                <a:solidFill>
+                  <a:schemeClr val="tx1"/>
+                </a:solidFill>
+                <a:latin typeface="+mn-lt"/>
+                <a:ea typeface="+mn-ea"/>
+                <a:cs typeface="+mn-cs"/>
+              </a:defRPr>
+            </a:lvl5pPr>
+            <a:lvl6pPr marL="2514600" indent="-228600" algn="l" defTabSz="457200" rtl="0" eaLnBrk="1" latinLnBrk="0" hangingPunct="1">
+              <a:spcBef>
+                <a:spcPct val="20000"/>
+              </a:spcBef>
+              <a:buFont typeface="Arial"/>
+              <a:buChar char="•"/>
+              <a:defRPr sz="2000" kern="1200">
+                <a:solidFill>
+                  <a:schemeClr val="tx1"/>
+                </a:solidFill>
+                <a:latin typeface="+mn-lt"/>
+                <a:ea typeface="+mn-ea"/>
+                <a:cs typeface="+mn-cs"/>
+              </a:defRPr>
+            </a:lvl6pPr>
+            <a:lvl7pPr marL="2971800" indent="-228600" algn="l" defTabSz="457200" rtl="0" eaLnBrk="1" latinLnBrk="0" hangingPunct="1">
+              <a:spcBef>
+                <a:spcPct val="20000"/>
+              </a:spcBef>
+              <a:buFont typeface="Arial"/>
+              <a:buChar char="•"/>
+              <a:defRPr sz="2000" kern="1200">
+                <a:solidFill>
+                  <a:schemeClr val="tx1"/>
+                </a:solidFill>
+                <a:latin typeface="+mn-lt"/>
+                <a:ea typeface="+mn-ea"/>
+                <a:cs typeface="+mn-cs"/>
+              </a:defRPr>
+            </a:lvl7pPr>
+            <a:lvl8pPr marL="3429000" indent="-228600" algn="l" defTabSz="457200" rtl="0" eaLnBrk="1" latinLnBrk="0" hangingPunct="1">
+              <a:spcBef>
+                <a:spcPct val="20000"/>
+              </a:spcBef>
+              <a:buFont typeface="Arial"/>
+              <a:buChar char="•"/>
+              <a:defRPr sz="2000" kern="1200">
+                <a:solidFill>
+                  <a:schemeClr val="tx1"/>
+                </a:solidFill>
+                <a:latin typeface="+mn-lt"/>
+                <a:ea typeface="+mn-ea"/>
+                <a:cs typeface="+mn-cs"/>
+              </a:defRPr>
+            </a:lvl8pPr>
+            <a:lvl9pPr marL="3886200" indent="-228600" algn="l" defTabSz="457200" rtl="0" eaLnBrk="1" latinLnBrk="0" hangingPunct="1">
+              <a:spcBef>
+                <a:spcPct val="20000"/>
+              </a:spcBef>
+              <a:buFont typeface="Arial"/>
+              <a:buChar char="•"/>
+              <a:defRPr sz="2000" kern="1200">
+                <a:solidFill>
+                  <a:schemeClr val="tx1"/>
+                </a:solidFill>
+                <a:latin typeface="+mn-lt"/>
+                <a:ea typeface="+mn-ea"/>
+                <a:cs typeface="+mn-cs"/>
+              </a:defRPr>
+            </a:lvl9pPr>
+          </a:lstStyle>
+          <a:p>
+            <a:r>
+              <a:rPr lang="en-SG" dirty="0"/>
+              <a:t>CD45 (worst)</a:t>
+            </a:r>
+          </a:p>
+          <a:p>
+            <a:endParaRPr lang="en-SG" dirty="0"/>
+          </a:p>
+          <a:p>
+            <a:endParaRPr lang="en-SG" dirty="0"/>
+          </a:p>
+          <a:p>
+            <a:endParaRPr lang="en-SG" dirty="0"/>
+          </a:p>
+          <a:p>
+            <a:endParaRPr lang="en-SG" dirty="0"/>
+          </a:p>
+          <a:p>
+            <a:r>
+              <a:rPr lang="en-SG" dirty="0"/>
+              <a:t>Der f 7 (best)</a:t>
+            </a:r>
+          </a:p>
+          <a:p>
+            <a:endParaRPr lang="en-SG" dirty="0"/>
+          </a:p>
+          <a:p>
+            <a:endParaRPr lang="en-SG" dirty="0"/>
+          </a:p>
+          <a:p>
+            <a:endParaRPr lang="en-SG" dirty="0"/>
+          </a:p>
+          <a:p>
+            <a:pPr marL="0" indent="0">
+              <a:buNone/>
+            </a:pPr>
+            <a:endParaRPr lang="en-SG" dirty="0"/>
+          </a:p>
+        </p:txBody>
+      </p:sp>
+      <p:graphicFrame>
+        <p:nvGraphicFramePr>
+          <p:cNvPr id="9" name="Table 8">
+            <a:extLst>
+              <a:ext uri="{FF2B5EF4-FFF2-40B4-BE49-F238E27FC236}">
+                <a16:creationId xmlns:a16="http://schemas.microsoft.com/office/drawing/2014/main" id="{E9ED7D10-1861-D975-1E0F-9F3760B0A9AA}"/>
+              </a:ext>
+            </a:extLst>
+          </p:cNvPr>
+          <p:cNvGraphicFramePr>
+            <a:graphicFrameLocks noGrp="1"/>
+          </p:cNvGraphicFramePr>
+          <p:nvPr>
+            <p:extLst>
+              <p:ext uri="{D42A27DB-BD31-4B8C-83A1-F6EECF244321}">
+                <p14:modId xmlns:p14="http://schemas.microsoft.com/office/powerpoint/2010/main" val="2118321959"/>
+              </p:ext>
+            </p:extLst>
+          </p:nvPr>
+        </p:nvGraphicFramePr>
+        <p:xfrm>
+          <a:off x="288230" y="5142727"/>
+          <a:ext cx="11598975" cy="725805"/>
+        </p:xfrm>
+        <a:graphic>
+          <a:graphicData uri="http://schemas.openxmlformats.org/drawingml/2006/table">
+            <a:tbl>
+              <a:tblPr>
+                <a:tableStyleId>{775DCB02-9BB8-47FD-8907-85C794F793BA}</a:tableStyleId>
+              </a:tblPr>
+              <a:tblGrid>
+                <a:gridCol w="773265">
+                  <a:extLst>
+                    <a:ext uri="{9D8B030D-6E8A-4147-A177-3AD203B41FA5}">
+                      <a16:colId xmlns:a16="http://schemas.microsoft.com/office/drawing/2014/main" val="1635957977"/>
+                    </a:ext>
+                  </a:extLst>
+                </a:gridCol>
+                <a:gridCol w="773265">
+                  <a:extLst>
+                    <a:ext uri="{9D8B030D-6E8A-4147-A177-3AD203B41FA5}">
+                      <a16:colId xmlns:a16="http://schemas.microsoft.com/office/drawing/2014/main" val="3899065300"/>
+                    </a:ext>
+                  </a:extLst>
+                </a:gridCol>
+                <a:gridCol w="773265">
+                  <a:extLst>
+                    <a:ext uri="{9D8B030D-6E8A-4147-A177-3AD203B41FA5}">
+                      <a16:colId xmlns:a16="http://schemas.microsoft.com/office/drawing/2014/main" val="2750784056"/>
+                    </a:ext>
+                  </a:extLst>
+                </a:gridCol>
+                <a:gridCol w="773265">
+                  <a:extLst>
+                    <a:ext uri="{9D8B030D-6E8A-4147-A177-3AD203B41FA5}">
+                      <a16:colId xmlns:a16="http://schemas.microsoft.com/office/drawing/2014/main" val="3103556666"/>
+                    </a:ext>
+                  </a:extLst>
+                </a:gridCol>
+                <a:gridCol w="773265">
+                  <a:extLst>
+                    <a:ext uri="{9D8B030D-6E8A-4147-A177-3AD203B41FA5}">
+                      <a16:colId xmlns:a16="http://schemas.microsoft.com/office/drawing/2014/main" val="712384116"/>
+                    </a:ext>
+                  </a:extLst>
+                </a:gridCol>
+                <a:gridCol w="773265">
+                  <a:extLst>
+                    <a:ext uri="{9D8B030D-6E8A-4147-A177-3AD203B41FA5}">
+                      <a16:colId xmlns:a16="http://schemas.microsoft.com/office/drawing/2014/main" val="3139531429"/>
+                    </a:ext>
+                  </a:extLst>
+                </a:gridCol>
+                <a:gridCol w="773265">
+                  <a:extLst>
+                    <a:ext uri="{9D8B030D-6E8A-4147-A177-3AD203B41FA5}">
+                      <a16:colId xmlns:a16="http://schemas.microsoft.com/office/drawing/2014/main" val="861616427"/>
+                    </a:ext>
+                  </a:extLst>
+                </a:gridCol>
+                <a:gridCol w="773265">
+                  <a:extLst>
+                    <a:ext uri="{9D8B030D-6E8A-4147-A177-3AD203B41FA5}">
+                      <a16:colId xmlns:a16="http://schemas.microsoft.com/office/drawing/2014/main" val="3672768560"/>
+                    </a:ext>
+                  </a:extLst>
+                </a:gridCol>
+                <a:gridCol w="773265">
+                  <a:extLst>
+                    <a:ext uri="{9D8B030D-6E8A-4147-A177-3AD203B41FA5}">
+                      <a16:colId xmlns:a16="http://schemas.microsoft.com/office/drawing/2014/main" val="315977822"/>
+                    </a:ext>
+                  </a:extLst>
+                </a:gridCol>
+                <a:gridCol w="773265">
+                  <a:extLst>
+                    <a:ext uri="{9D8B030D-6E8A-4147-A177-3AD203B41FA5}">
+                      <a16:colId xmlns:a16="http://schemas.microsoft.com/office/drawing/2014/main" val="3377920883"/>
+                    </a:ext>
+                  </a:extLst>
+                </a:gridCol>
+                <a:gridCol w="773265">
+                  <a:extLst>
+                    <a:ext uri="{9D8B030D-6E8A-4147-A177-3AD203B41FA5}">
+                      <a16:colId xmlns:a16="http://schemas.microsoft.com/office/drawing/2014/main" val="2849777436"/>
+                    </a:ext>
+                  </a:extLst>
+                </a:gridCol>
+                <a:gridCol w="773265">
+                  <a:extLst>
+                    <a:ext uri="{9D8B030D-6E8A-4147-A177-3AD203B41FA5}">
+                      <a16:colId xmlns:a16="http://schemas.microsoft.com/office/drawing/2014/main" val="3728583169"/>
+                    </a:ext>
+                  </a:extLst>
+                </a:gridCol>
+                <a:gridCol w="773265">
+                  <a:extLst>
+                    <a:ext uri="{9D8B030D-6E8A-4147-A177-3AD203B41FA5}">
+                      <a16:colId xmlns:a16="http://schemas.microsoft.com/office/drawing/2014/main" val="52692332"/>
+                    </a:ext>
+                  </a:extLst>
+                </a:gridCol>
+                <a:gridCol w="773265">
+                  <a:extLst>
+                    <a:ext uri="{9D8B030D-6E8A-4147-A177-3AD203B41FA5}">
+                      <a16:colId xmlns:a16="http://schemas.microsoft.com/office/drawing/2014/main" val="2181837808"/>
+                    </a:ext>
+                  </a:extLst>
+                </a:gridCol>
+                <a:gridCol w="773265">
+                  <a:extLst>
+                    <a:ext uri="{9D8B030D-6E8A-4147-A177-3AD203B41FA5}">
+                      <a16:colId xmlns:a16="http://schemas.microsoft.com/office/drawing/2014/main" val="2429881849"/>
+                    </a:ext>
+                  </a:extLst>
+                </a:gridCol>
+              </a:tblGrid>
+              <a:tr h="190500">
+                <a:tc>
+                  <a:txBody>
+                    <a:bodyPr/>
+                    <a:lstStyle/>
+                    <a:p>
+                      <a:pPr algn="l" fontAlgn="b">
+                        <a:buNone/>
+                      </a:pPr>
+                      <a:r>
+                        <a:rPr lang="en-SG" sz="1100" b="0" u="none" strike="noStrike">
+                          <a:solidFill>
+                            <a:srgbClr val="000000"/>
+                          </a:solidFill>
+                          <a:effectLst/>
+                        </a:rPr>
+                        <a:t>Algorithm</a:t>
+                      </a:r>
+                      <a:endParaRPr lang="en-SG" sz="1100" b="0" i="0" u="none" strike="noStrike">
+                        <a:solidFill>
+                          <a:srgbClr val="000000"/>
+                        </a:solidFill>
+                        <a:effectLst/>
+                        <a:latin typeface="Aptos Narrow" panose="020B0004020202020204" pitchFamily="34" charset="0"/>
+                      </a:endParaRPr>
+                    </a:p>
+                  </a:txBody>
+                  <a:tcPr marL="9525" marR="9525" marT="9525" marB="0" anchor="b"/>
+                </a:tc>
+                <a:tc>
+                  <a:txBody>
+                    <a:bodyPr/>
+                    <a:lstStyle/>
+                    <a:p>
+                      <a:pPr algn="l" fontAlgn="b">
+                        <a:buNone/>
+                      </a:pPr>
+                      <a:r>
+                        <a:rPr lang="en-SG" sz="1100" b="0" u="none" strike="noStrike" dirty="0" err="1">
+                          <a:solidFill>
+                            <a:srgbClr val="000000"/>
+                          </a:solidFill>
+                          <a:effectLst/>
+                          <a:highlight>
+                            <a:srgbClr val="FFFF00"/>
+                          </a:highlight>
+                        </a:rPr>
+                        <a:t>plddt_mean</a:t>
+                      </a:r>
+                      <a:endParaRPr lang="en-SG" sz="1100" b="0" i="0" u="none" strike="noStrike" dirty="0">
+                        <a:solidFill>
+                          <a:srgbClr val="000000"/>
+                        </a:solidFill>
+                        <a:effectLst/>
+                        <a:highlight>
+                          <a:srgbClr val="FFFF00"/>
+                        </a:highlight>
+                        <a:latin typeface="Aptos Narrow" panose="020B0004020202020204" pitchFamily="34" charset="0"/>
+                      </a:endParaRPr>
+                    </a:p>
+                  </a:txBody>
+                  <a:tcPr marL="9525" marR="9525" marT="9525" marB="0" anchor="b"/>
+                </a:tc>
+                <a:tc>
+                  <a:txBody>
+                    <a:bodyPr/>
+                    <a:lstStyle/>
+                    <a:p>
+                      <a:pPr algn="l" fontAlgn="b">
+                        <a:buNone/>
+                      </a:pPr>
+                      <a:r>
+                        <a:rPr lang="en-SG" sz="1100" b="0" u="none" strike="noStrike">
+                          <a:solidFill>
+                            <a:srgbClr val="000000"/>
+                          </a:solidFill>
+                          <a:effectLst/>
+                        </a:rPr>
+                        <a:t>plddt_max</a:t>
+                      </a:r>
+                      <a:endParaRPr lang="en-SG" sz="1100" b="0" i="0" u="none" strike="noStrike">
+                        <a:solidFill>
+                          <a:srgbClr val="000000"/>
+                        </a:solidFill>
+                        <a:effectLst/>
+                        <a:latin typeface="Aptos Narrow" panose="020B0004020202020204" pitchFamily="34" charset="0"/>
+                      </a:endParaRPr>
+                    </a:p>
+                  </a:txBody>
+                  <a:tcPr marL="9525" marR="9525" marT="9525" marB="0" anchor="b"/>
+                </a:tc>
+                <a:tc>
+                  <a:txBody>
+                    <a:bodyPr/>
+                    <a:lstStyle/>
+                    <a:p>
+                      <a:pPr algn="l" fontAlgn="b">
+                        <a:buNone/>
+                      </a:pPr>
+                      <a:r>
+                        <a:rPr lang="en-SG" sz="1100" b="0" u="none" strike="noStrike">
+                          <a:solidFill>
+                            <a:srgbClr val="000000"/>
+                          </a:solidFill>
+                          <a:effectLst/>
+                        </a:rPr>
+                        <a:t>plddt_min</a:t>
+                      </a:r>
+                      <a:endParaRPr lang="en-SG" sz="1100" b="0" i="0" u="none" strike="noStrike">
+                        <a:solidFill>
+                          <a:srgbClr val="000000"/>
+                        </a:solidFill>
+                        <a:effectLst/>
+                        <a:latin typeface="Aptos Narrow" panose="020B0004020202020204" pitchFamily="34" charset="0"/>
+                      </a:endParaRPr>
+                    </a:p>
+                  </a:txBody>
+                  <a:tcPr marL="9525" marR="9525" marT="9525" marB="0" anchor="b"/>
+                </a:tc>
+                <a:tc>
+                  <a:txBody>
+                    <a:bodyPr/>
+                    <a:lstStyle/>
+                    <a:p>
+                      <a:pPr algn="l" fontAlgn="b">
+                        <a:buNone/>
+                      </a:pPr>
+                      <a:r>
+                        <a:rPr lang="en-SG" sz="1100" b="0" u="none" strike="noStrike">
+                          <a:solidFill>
+                            <a:srgbClr val="000000"/>
+                          </a:solidFill>
+                          <a:effectLst/>
+                        </a:rPr>
+                        <a:t>plddt_q25</a:t>
+                      </a:r>
+                      <a:endParaRPr lang="en-SG" sz="1100" b="0" i="0" u="none" strike="noStrike">
+                        <a:solidFill>
+                          <a:srgbClr val="000000"/>
+                        </a:solidFill>
+                        <a:effectLst/>
+                        <a:latin typeface="Aptos Narrow" panose="020B0004020202020204" pitchFamily="34" charset="0"/>
+                      </a:endParaRPr>
+                    </a:p>
+                  </a:txBody>
+                  <a:tcPr marL="9525" marR="9525" marT="9525" marB="0" anchor="b"/>
+                </a:tc>
+                <a:tc>
+                  <a:txBody>
+                    <a:bodyPr/>
+                    <a:lstStyle/>
+                    <a:p>
+                      <a:pPr algn="l" fontAlgn="b">
+                        <a:buNone/>
+                      </a:pPr>
+                      <a:r>
+                        <a:rPr lang="en-SG" sz="1100" b="0" u="none" strike="noStrike">
+                          <a:solidFill>
+                            <a:srgbClr val="000000"/>
+                          </a:solidFill>
+                          <a:effectLst/>
+                        </a:rPr>
+                        <a:t>plddt_q50</a:t>
+                      </a:r>
+                      <a:endParaRPr lang="en-SG" sz="1100" b="0" i="0" u="none" strike="noStrike">
+                        <a:solidFill>
+                          <a:srgbClr val="000000"/>
+                        </a:solidFill>
+                        <a:effectLst/>
+                        <a:latin typeface="Aptos Narrow" panose="020B0004020202020204" pitchFamily="34" charset="0"/>
+                      </a:endParaRPr>
+                    </a:p>
+                  </a:txBody>
+                  <a:tcPr marL="9525" marR="9525" marT="9525" marB="0" anchor="b"/>
+                </a:tc>
+                <a:tc>
+                  <a:txBody>
+                    <a:bodyPr/>
+                    <a:lstStyle/>
+                    <a:p>
+                      <a:pPr algn="l" fontAlgn="b">
+                        <a:buNone/>
+                      </a:pPr>
+                      <a:r>
+                        <a:rPr lang="en-SG" sz="1100" b="0" u="none" strike="noStrike" dirty="0">
+                          <a:solidFill>
+                            <a:srgbClr val="000000"/>
+                          </a:solidFill>
+                          <a:effectLst/>
+                        </a:rPr>
+                        <a:t>plddt_q75</a:t>
+                      </a:r>
+                      <a:endParaRPr lang="en-SG" sz="1100" b="0" i="0" u="none" strike="noStrike" dirty="0">
+                        <a:solidFill>
+                          <a:srgbClr val="000000"/>
+                        </a:solidFill>
+                        <a:effectLst/>
+                        <a:latin typeface="Aptos Narrow" panose="020B0004020202020204" pitchFamily="34" charset="0"/>
+                      </a:endParaRPr>
+                    </a:p>
+                  </a:txBody>
+                  <a:tcPr marL="9525" marR="9525" marT="9525" marB="0" anchor="b"/>
+                </a:tc>
+                <a:tc>
+                  <a:txBody>
+                    <a:bodyPr/>
+                    <a:lstStyle/>
+                    <a:p>
+                      <a:pPr algn="l" fontAlgn="b">
+                        <a:buNone/>
+                      </a:pPr>
+                      <a:r>
+                        <a:rPr lang="en-SG" sz="1100" b="0" u="none" strike="noStrike" dirty="0" err="1">
+                          <a:solidFill>
+                            <a:srgbClr val="000000"/>
+                          </a:solidFill>
+                          <a:effectLst/>
+                          <a:highlight>
+                            <a:srgbClr val="FFFF00"/>
+                          </a:highlight>
+                        </a:rPr>
+                        <a:t>ipTM_mean</a:t>
+                      </a:r>
+                      <a:endParaRPr lang="en-SG" sz="1100" b="0" i="0" u="none" strike="noStrike" dirty="0">
+                        <a:solidFill>
+                          <a:srgbClr val="000000"/>
+                        </a:solidFill>
+                        <a:effectLst/>
+                        <a:highlight>
+                          <a:srgbClr val="FFFF00"/>
+                        </a:highlight>
+                        <a:latin typeface="Aptos Narrow" panose="020B0004020202020204" pitchFamily="34" charset="0"/>
+                      </a:endParaRPr>
+                    </a:p>
+                  </a:txBody>
+                  <a:tcPr marL="9525" marR="9525" marT="9525" marB="0" anchor="b"/>
+                </a:tc>
+                <a:tc>
+                  <a:txBody>
+                    <a:bodyPr/>
+                    <a:lstStyle/>
+                    <a:p>
+                      <a:pPr algn="l" fontAlgn="b">
+                        <a:buNone/>
+                      </a:pPr>
+                      <a:r>
+                        <a:rPr lang="en-SG" sz="1100" b="0" u="none" strike="noStrike">
+                          <a:solidFill>
+                            <a:srgbClr val="000000"/>
+                          </a:solidFill>
+                          <a:effectLst/>
+                        </a:rPr>
+                        <a:t>ipTM_max</a:t>
+                      </a:r>
+                      <a:endParaRPr lang="en-SG" sz="1100" b="0" i="0" u="none" strike="noStrike">
+                        <a:solidFill>
+                          <a:srgbClr val="000000"/>
+                        </a:solidFill>
+                        <a:effectLst/>
+                        <a:latin typeface="Aptos Narrow" panose="020B0004020202020204" pitchFamily="34" charset="0"/>
+                      </a:endParaRPr>
+                    </a:p>
+                  </a:txBody>
+                  <a:tcPr marL="9525" marR="9525" marT="9525" marB="0" anchor="b"/>
+                </a:tc>
+                <a:tc>
+                  <a:txBody>
+                    <a:bodyPr/>
+                    <a:lstStyle/>
+                    <a:p>
+                      <a:pPr algn="l" fontAlgn="b">
+                        <a:buNone/>
+                      </a:pPr>
+                      <a:r>
+                        <a:rPr lang="en-SG" sz="1100" b="0" u="none" strike="noStrike" dirty="0" err="1">
+                          <a:solidFill>
+                            <a:srgbClr val="000000"/>
+                          </a:solidFill>
+                          <a:effectLst/>
+                        </a:rPr>
+                        <a:t>ipTM_min</a:t>
+                      </a:r>
+                      <a:endParaRPr lang="en-SG" sz="1100" b="0" i="0" u="none" strike="noStrike" dirty="0">
+                        <a:solidFill>
+                          <a:srgbClr val="000000"/>
+                        </a:solidFill>
+                        <a:effectLst/>
+                        <a:latin typeface="Aptos Narrow" panose="020B0004020202020204" pitchFamily="34" charset="0"/>
+                      </a:endParaRPr>
+                    </a:p>
+                  </a:txBody>
+                  <a:tcPr marL="9525" marR="9525" marT="9525" marB="0" anchor="b"/>
+                </a:tc>
+                <a:tc>
+                  <a:txBody>
+                    <a:bodyPr/>
+                    <a:lstStyle/>
+                    <a:p>
+                      <a:pPr algn="l" fontAlgn="b">
+                        <a:buNone/>
+                      </a:pPr>
+                      <a:r>
+                        <a:rPr lang="en-SG" sz="1100" b="0" u="none" strike="noStrike">
+                          <a:solidFill>
+                            <a:srgbClr val="000000"/>
+                          </a:solidFill>
+                          <a:effectLst/>
+                        </a:rPr>
+                        <a:t>ipTM_q25</a:t>
+                      </a:r>
+                      <a:endParaRPr lang="en-SG" sz="1100" b="0" i="0" u="none" strike="noStrike">
+                        <a:solidFill>
+                          <a:srgbClr val="000000"/>
+                        </a:solidFill>
+                        <a:effectLst/>
+                        <a:latin typeface="Aptos Narrow" panose="020B0004020202020204" pitchFamily="34" charset="0"/>
+                      </a:endParaRPr>
+                    </a:p>
+                  </a:txBody>
+                  <a:tcPr marL="9525" marR="9525" marT="9525" marB="0" anchor="b"/>
+                </a:tc>
+                <a:tc>
+                  <a:txBody>
+                    <a:bodyPr/>
+                    <a:lstStyle/>
+                    <a:p>
+                      <a:pPr algn="l" fontAlgn="b">
+                        <a:buNone/>
+                      </a:pPr>
+                      <a:r>
+                        <a:rPr lang="en-SG" sz="1100" b="0" u="none" strike="noStrike">
+                          <a:solidFill>
+                            <a:srgbClr val="000000"/>
+                          </a:solidFill>
+                          <a:effectLst/>
+                        </a:rPr>
+                        <a:t>ipTM_q50</a:t>
+                      </a:r>
+                      <a:endParaRPr lang="en-SG" sz="1100" b="0" i="0" u="none" strike="noStrike">
+                        <a:solidFill>
+                          <a:srgbClr val="000000"/>
+                        </a:solidFill>
+                        <a:effectLst/>
+                        <a:latin typeface="Aptos Narrow" panose="020B0004020202020204" pitchFamily="34" charset="0"/>
+                      </a:endParaRPr>
+                    </a:p>
+                  </a:txBody>
+                  <a:tcPr marL="9525" marR="9525" marT="9525" marB="0" anchor="b"/>
+                </a:tc>
+                <a:tc>
+                  <a:txBody>
+                    <a:bodyPr/>
+                    <a:lstStyle/>
+                    <a:p>
+                      <a:pPr algn="l" fontAlgn="b">
+                        <a:buNone/>
+                      </a:pPr>
+                      <a:r>
+                        <a:rPr lang="en-SG" sz="1100" b="0" u="none" strike="noStrike">
+                          <a:solidFill>
+                            <a:srgbClr val="000000"/>
+                          </a:solidFill>
+                          <a:effectLst/>
+                        </a:rPr>
+                        <a:t>ipTM_q75</a:t>
+                      </a:r>
+                      <a:endParaRPr lang="en-SG" sz="1100" b="0" i="0" u="none" strike="noStrike">
+                        <a:solidFill>
+                          <a:srgbClr val="000000"/>
+                        </a:solidFill>
+                        <a:effectLst/>
+                        <a:latin typeface="Aptos Narrow" panose="020B0004020202020204" pitchFamily="34" charset="0"/>
+                      </a:endParaRPr>
+                    </a:p>
+                  </a:txBody>
+                  <a:tcPr marL="9525" marR="9525" marT="9525" marB="0" anchor="b"/>
+                </a:tc>
+                <a:tc>
+                  <a:txBody>
+                    <a:bodyPr/>
+                    <a:lstStyle/>
+                    <a:p>
+                      <a:pPr algn="l" fontAlgn="b">
+                        <a:buNone/>
+                      </a:pPr>
+                      <a:r>
+                        <a:rPr lang="en-SG" sz="1100" b="0" u="none" strike="noStrike" dirty="0" err="1">
+                          <a:solidFill>
+                            <a:srgbClr val="000000"/>
+                          </a:solidFill>
+                          <a:effectLst/>
+                          <a:highlight>
+                            <a:srgbClr val="FFFF00"/>
+                          </a:highlight>
+                        </a:rPr>
+                        <a:t>duration_mean</a:t>
+                      </a:r>
+                      <a:endParaRPr lang="en-SG" sz="1100" b="0" i="0" u="none" strike="noStrike" dirty="0">
+                        <a:solidFill>
+                          <a:srgbClr val="000000"/>
+                        </a:solidFill>
+                        <a:effectLst/>
+                        <a:highlight>
+                          <a:srgbClr val="FFFF00"/>
+                        </a:highlight>
+                        <a:latin typeface="Aptos Narrow" panose="020B0004020202020204" pitchFamily="34" charset="0"/>
+                      </a:endParaRPr>
+                    </a:p>
+                  </a:txBody>
+                  <a:tcPr marL="9525" marR="9525" marT="9525" marB="0" anchor="b"/>
+                </a:tc>
+                <a:tc>
+                  <a:txBody>
+                    <a:bodyPr/>
+                    <a:lstStyle/>
+                    <a:p>
+                      <a:pPr algn="l" fontAlgn="b">
+                        <a:buNone/>
+                      </a:pPr>
+                      <a:r>
+                        <a:rPr lang="en-SG" sz="1100" b="0" u="none" strike="noStrike">
+                          <a:solidFill>
+                            <a:srgbClr val="000000"/>
+                          </a:solidFill>
+                          <a:effectLst/>
+                        </a:rPr>
+                        <a:t>AlphaFold2_calls_mean</a:t>
+                      </a:r>
+                      <a:endParaRPr lang="en-SG" sz="1100" b="0" i="0" u="none" strike="noStrike">
+                        <a:solidFill>
+                          <a:srgbClr val="000000"/>
+                        </a:solidFill>
+                        <a:effectLst/>
+                        <a:latin typeface="Aptos Narrow" panose="020B0004020202020204" pitchFamily="34" charset="0"/>
+                      </a:endParaRPr>
+                    </a:p>
+                  </a:txBody>
+                  <a:tcPr marL="9525" marR="9525" marT="9525" marB="0" anchor="b"/>
+                </a:tc>
+                <a:extLst>
+                  <a:ext uri="{0D108BD9-81ED-4DB2-BD59-A6C34878D82A}">
+                    <a16:rowId xmlns:a16="http://schemas.microsoft.com/office/drawing/2014/main" val="4149018968"/>
+                  </a:ext>
+                </a:extLst>
+              </a:tr>
+              <a:tr h="190500">
+                <a:tc>
+                  <a:txBody>
+                    <a:bodyPr/>
+                    <a:lstStyle/>
+                    <a:p>
+                      <a:pPr algn="l" fontAlgn="b">
+                        <a:buNone/>
+                      </a:pPr>
+                      <a:r>
+                        <a:rPr lang="en-SG" sz="1100" b="0" u="none" strike="noStrike">
+                          <a:solidFill>
+                            <a:srgbClr val="000000"/>
+                          </a:solidFill>
+                          <a:effectLst/>
+                        </a:rPr>
+                        <a:t>BindCraft</a:t>
+                      </a:r>
+                      <a:endParaRPr lang="en-SG" sz="1100" b="0" i="0" u="none" strike="noStrike">
+                        <a:solidFill>
+                          <a:srgbClr val="000000"/>
+                        </a:solidFill>
+                        <a:effectLst/>
+                        <a:latin typeface="Aptos Narrow" panose="020B0004020202020204" pitchFamily="34" charset="0"/>
+                      </a:endParaRPr>
+                    </a:p>
+                  </a:txBody>
+                  <a:tcPr marL="9525" marR="9525" marT="9525" marB="0" anchor="b"/>
+                </a:tc>
+                <a:tc>
+                  <a:txBody>
+                    <a:bodyPr/>
+                    <a:lstStyle/>
+                    <a:p>
+                      <a:pPr algn="r" fontAlgn="b">
+                        <a:buNone/>
+                      </a:pPr>
+                      <a:r>
+                        <a:rPr lang="en-SG" sz="1100" b="0" u="none" strike="noStrike">
+                          <a:solidFill>
+                            <a:srgbClr val="000000"/>
+                          </a:solidFill>
+                          <a:effectLst/>
+                        </a:rPr>
+                        <a:t>0.678</a:t>
+                      </a:r>
+                      <a:endParaRPr lang="en-SG" sz="1100" b="0" i="0" u="none" strike="noStrike">
+                        <a:solidFill>
+                          <a:srgbClr val="000000"/>
+                        </a:solidFill>
+                        <a:effectLst/>
+                        <a:latin typeface="Aptos Narrow" panose="020B0004020202020204" pitchFamily="34" charset="0"/>
+                      </a:endParaRPr>
+                    </a:p>
+                  </a:txBody>
+                  <a:tcPr marL="9525" marR="9525" marT="9525" marB="0" anchor="b"/>
+                </a:tc>
+                <a:tc>
+                  <a:txBody>
+                    <a:bodyPr/>
+                    <a:lstStyle/>
+                    <a:p>
+                      <a:pPr algn="r" fontAlgn="b">
+                        <a:buNone/>
+                      </a:pPr>
+                      <a:r>
+                        <a:rPr lang="en-SG" sz="1100" b="0" u="none" strike="noStrike">
+                          <a:solidFill>
+                            <a:srgbClr val="000000"/>
+                          </a:solidFill>
+                          <a:effectLst/>
+                        </a:rPr>
+                        <a:t>0.73</a:t>
+                      </a:r>
+                      <a:endParaRPr lang="en-SG" sz="1100" b="0" i="0" u="none" strike="noStrike">
+                        <a:solidFill>
+                          <a:srgbClr val="000000"/>
+                        </a:solidFill>
+                        <a:effectLst/>
+                        <a:latin typeface="Aptos Narrow" panose="020B0004020202020204" pitchFamily="34" charset="0"/>
+                      </a:endParaRPr>
+                    </a:p>
+                  </a:txBody>
+                  <a:tcPr marL="9525" marR="9525" marT="9525" marB="0" anchor="b"/>
+                </a:tc>
+                <a:tc>
+                  <a:txBody>
+                    <a:bodyPr/>
+                    <a:lstStyle/>
+                    <a:p>
+                      <a:pPr algn="r" fontAlgn="b">
+                        <a:buNone/>
+                      </a:pPr>
+                      <a:r>
+                        <a:rPr lang="en-SG" sz="1100" b="0" u="none" strike="noStrike">
+                          <a:solidFill>
+                            <a:srgbClr val="000000"/>
+                          </a:solidFill>
+                          <a:effectLst/>
+                        </a:rPr>
+                        <a:t>0.61</a:t>
+                      </a:r>
+                      <a:endParaRPr lang="en-SG" sz="1100" b="0" i="0" u="none" strike="noStrike">
+                        <a:solidFill>
+                          <a:srgbClr val="000000"/>
+                        </a:solidFill>
+                        <a:effectLst/>
+                        <a:latin typeface="Aptos Narrow" panose="020B0004020202020204" pitchFamily="34" charset="0"/>
+                      </a:endParaRPr>
+                    </a:p>
+                  </a:txBody>
+                  <a:tcPr marL="9525" marR="9525" marT="9525" marB="0" anchor="b"/>
+                </a:tc>
+                <a:tc>
+                  <a:txBody>
+                    <a:bodyPr/>
+                    <a:lstStyle/>
+                    <a:p>
+                      <a:pPr algn="r" fontAlgn="b">
+                        <a:buNone/>
+                      </a:pPr>
+                      <a:r>
+                        <a:rPr lang="en-SG" sz="1100" b="0" u="none" strike="noStrike">
+                          <a:solidFill>
+                            <a:srgbClr val="000000"/>
+                          </a:solidFill>
+                          <a:effectLst/>
+                        </a:rPr>
+                        <a:t>0.655</a:t>
+                      </a:r>
+                      <a:endParaRPr lang="en-SG" sz="1100" b="0" i="0" u="none" strike="noStrike">
+                        <a:solidFill>
+                          <a:srgbClr val="000000"/>
+                        </a:solidFill>
+                        <a:effectLst/>
+                        <a:latin typeface="Aptos Narrow" panose="020B0004020202020204" pitchFamily="34" charset="0"/>
+                      </a:endParaRPr>
+                    </a:p>
+                  </a:txBody>
+                  <a:tcPr marL="9525" marR="9525" marT="9525" marB="0" anchor="b"/>
+                </a:tc>
+                <a:tc>
+                  <a:txBody>
+                    <a:bodyPr/>
+                    <a:lstStyle/>
+                    <a:p>
+                      <a:pPr algn="r" fontAlgn="b">
+                        <a:buNone/>
+                      </a:pPr>
+                      <a:r>
+                        <a:rPr lang="en-SG" sz="1100" b="0" u="none" strike="noStrike">
+                          <a:solidFill>
+                            <a:srgbClr val="000000"/>
+                          </a:solidFill>
+                          <a:effectLst/>
+                        </a:rPr>
+                        <a:t>0.685</a:t>
+                      </a:r>
+                      <a:endParaRPr lang="en-SG" sz="1100" b="0" i="0" u="none" strike="noStrike">
+                        <a:solidFill>
+                          <a:srgbClr val="000000"/>
+                        </a:solidFill>
+                        <a:effectLst/>
+                        <a:latin typeface="Aptos Narrow" panose="020B0004020202020204" pitchFamily="34" charset="0"/>
+                      </a:endParaRPr>
+                    </a:p>
+                  </a:txBody>
+                  <a:tcPr marL="9525" marR="9525" marT="9525" marB="0" anchor="b"/>
+                </a:tc>
+                <a:tc>
+                  <a:txBody>
+                    <a:bodyPr/>
+                    <a:lstStyle/>
+                    <a:p>
+                      <a:pPr algn="r" fontAlgn="b">
+                        <a:buNone/>
+                      </a:pPr>
+                      <a:r>
+                        <a:rPr lang="en-SG" sz="1100" b="0" u="none" strike="noStrike">
+                          <a:solidFill>
+                            <a:srgbClr val="000000"/>
+                          </a:solidFill>
+                          <a:effectLst/>
+                        </a:rPr>
+                        <a:t>0.7075</a:t>
+                      </a:r>
+                      <a:endParaRPr lang="en-SG" sz="1100" b="0" i="0" u="none" strike="noStrike">
+                        <a:solidFill>
+                          <a:srgbClr val="000000"/>
+                        </a:solidFill>
+                        <a:effectLst/>
+                        <a:latin typeface="Aptos Narrow" panose="020B0004020202020204" pitchFamily="34" charset="0"/>
+                      </a:endParaRPr>
+                    </a:p>
+                  </a:txBody>
+                  <a:tcPr marL="9525" marR="9525" marT="9525" marB="0" anchor="b"/>
+                </a:tc>
+                <a:tc>
+                  <a:txBody>
+                    <a:bodyPr/>
+                    <a:lstStyle/>
+                    <a:p>
+                      <a:pPr algn="r" fontAlgn="b">
+                        <a:buNone/>
+                      </a:pPr>
+                      <a:r>
+                        <a:rPr lang="en-SG" sz="1100" b="0" u="none" strike="noStrike">
+                          <a:solidFill>
+                            <a:srgbClr val="000000"/>
+                          </a:solidFill>
+                          <a:effectLst/>
+                        </a:rPr>
+                        <a:t>0.433</a:t>
+                      </a:r>
+                      <a:endParaRPr lang="en-SG" sz="1100" b="0" i="0" u="none" strike="noStrike">
+                        <a:solidFill>
+                          <a:srgbClr val="000000"/>
+                        </a:solidFill>
+                        <a:effectLst/>
+                        <a:latin typeface="Aptos Narrow" panose="020B0004020202020204" pitchFamily="34" charset="0"/>
+                      </a:endParaRPr>
+                    </a:p>
+                  </a:txBody>
+                  <a:tcPr marL="9525" marR="9525" marT="9525" marB="0" anchor="b"/>
+                </a:tc>
+                <a:tc>
+                  <a:txBody>
+                    <a:bodyPr/>
+                    <a:lstStyle/>
+                    <a:p>
+                      <a:pPr algn="r" fontAlgn="b">
+                        <a:buNone/>
+                      </a:pPr>
+                      <a:r>
+                        <a:rPr lang="en-SG" sz="1100" b="0" u="none" strike="noStrike">
+                          <a:solidFill>
+                            <a:srgbClr val="000000"/>
+                          </a:solidFill>
+                          <a:effectLst/>
+                        </a:rPr>
+                        <a:t>0.49</a:t>
+                      </a:r>
+                      <a:endParaRPr lang="en-SG" sz="1100" b="0" i="0" u="none" strike="noStrike">
+                        <a:solidFill>
+                          <a:srgbClr val="000000"/>
+                        </a:solidFill>
+                        <a:effectLst/>
+                        <a:latin typeface="Aptos Narrow" panose="020B0004020202020204" pitchFamily="34" charset="0"/>
+                      </a:endParaRPr>
+                    </a:p>
+                  </a:txBody>
+                  <a:tcPr marL="9525" marR="9525" marT="9525" marB="0" anchor="b"/>
+                </a:tc>
+                <a:tc>
+                  <a:txBody>
+                    <a:bodyPr/>
+                    <a:lstStyle/>
+                    <a:p>
+                      <a:pPr algn="r" fontAlgn="b">
+                        <a:buNone/>
+                      </a:pPr>
+                      <a:r>
+                        <a:rPr lang="en-SG" sz="1100" b="0" u="none" strike="noStrike">
+                          <a:solidFill>
+                            <a:srgbClr val="000000"/>
+                          </a:solidFill>
+                          <a:effectLst/>
+                        </a:rPr>
+                        <a:t>0.38</a:t>
+                      </a:r>
+                      <a:endParaRPr lang="en-SG" sz="1100" b="0" i="0" u="none" strike="noStrike">
+                        <a:solidFill>
+                          <a:srgbClr val="000000"/>
+                        </a:solidFill>
+                        <a:effectLst/>
+                        <a:latin typeface="Aptos Narrow" panose="020B0004020202020204" pitchFamily="34" charset="0"/>
+                      </a:endParaRPr>
+                    </a:p>
+                  </a:txBody>
+                  <a:tcPr marL="9525" marR="9525" marT="9525" marB="0" anchor="b"/>
+                </a:tc>
+                <a:tc>
+                  <a:txBody>
+                    <a:bodyPr/>
+                    <a:lstStyle/>
+                    <a:p>
+                      <a:pPr algn="r" fontAlgn="b">
+                        <a:buNone/>
+                      </a:pPr>
+                      <a:r>
+                        <a:rPr lang="en-SG" sz="1100" b="0" u="none" strike="noStrike">
+                          <a:solidFill>
+                            <a:srgbClr val="000000"/>
+                          </a:solidFill>
+                          <a:effectLst/>
+                        </a:rPr>
+                        <a:t>0.4025</a:t>
+                      </a:r>
+                      <a:endParaRPr lang="en-SG" sz="1100" b="0" i="0" u="none" strike="noStrike">
+                        <a:solidFill>
+                          <a:srgbClr val="000000"/>
+                        </a:solidFill>
+                        <a:effectLst/>
+                        <a:latin typeface="Aptos Narrow" panose="020B0004020202020204" pitchFamily="34" charset="0"/>
+                      </a:endParaRPr>
+                    </a:p>
+                  </a:txBody>
+                  <a:tcPr marL="9525" marR="9525" marT="9525" marB="0" anchor="b"/>
+                </a:tc>
+                <a:tc>
+                  <a:txBody>
+                    <a:bodyPr/>
+                    <a:lstStyle/>
+                    <a:p>
+                      <a:pPr algn="r" fontAlgn="b">
+                        <a:buNone/>
+                      </a:pPr>
+                      <a:r>
+                        <a:rPr lang="en-SG" sz="1100" b="0" u="none" strike="noStrike">
+                          <a:solidFill>
+                            <a:srgbClr val="000000"/>
+                          </a:solidFill>
+                          <a:effectLst/>
+                        </a:rPr>
+                        <a:t>0.43</a:t>
+                      </a:r>
+                      <a:endParaRPr lang="en-SG" sz="1100" b="0" i="0" u="none" strike="noStrike">
+                        <a:solidFill>
+                          <a:srgbClr val="000000"/>
+                        </a:solidFill>
+                        <a:effectLst/>
+                        <a:latin typeface="Aptos Narrow" panose="020B0004020202020204" pitchFamily="34" charset="0"/>
+                      </a:endParaRPr>
+                    </a:p>
+                  </a:txBody>
+                  <a:tcPr marL="9525" marR="9525" marT="9525" marB="0" anchor="b"/>
+                </a:tc>
+                <a:tc>
+                  <a:txBody>
+                    <a:bodyPr/>
+                    <a:lstStyle/>
+                    <a:p>
+                      <a:pPr algn="r" fontAlgn="b">
+                        <a:buNone/>
+                      </a:pPr>
+                      <a:r>
+                        <a:rPr lang="en-SG" sz="1100" b="0" u="none" strike="noStrike">
+                          <a:solidFill>
+                            <a:srgbClr val="000000"/>
+                          </a:solidFill>
+                          <a:effectLst/>
+                        </a:rPr>
+                        <a:t>0.465</a:t>
+                      </a:r>
+                      <a:endParaRPr lang="en-SG" sz="1100" b="0" i="0" u="none" strike="noStrike">
+                        <a:solidFill>
+                          <a:srgbClr val="000000"/>
+                        </a:solidFill>
+                        <a:effectLst/>
+                        <a:latin typeface="Aptos Narrow" panose="020B0004020202020204" pitchFamily="34" charset="0"/>
+                      </a:endParaRPr>
+                    </a:p>
+                  </a:txBody>
+                  <a:tcPr marL="9525" marR="9525" marT="9525" marB="0" anchor="b"/>
+                </a:tc>
+                <a:tc>
+                  <a:txBody>
+                    <a:bodyPr/>
+                    <a:lstStyle/>
+                    <a:p>
+                      <a:pPr algn="r" fontAlgn="b">
+                        <a:buNone/>
+                      </a:pPr>
+                      <a:r>
+                        <a:rPr lang="en-SG" sz="1100" b="0" u="none" strike="noStrike">
+                          <a:solidFill>
+                            <a:srgbClr val="000000"/>
+                          </a:solidFill>
+                          <a:effectLst/>
+                        </a:rPr>
+                        <a:t>431</a:t>
+                      </a:r>
+                      <a:endParaRPr lang="en-SG" sz="1100" b="0" i="0" u="none" strike="noStrike">
+                        <a:solidFill>
+                          <a:srgbClr val="000000"/>
+                        </a:solidFill>
+                        <a:effectLst/>
+                        <a:latin typeface="Aptos Narrow" panose="020B0004020202020204" pitchFamily="34" charset="0"/>
+                      </a:endParaRPr>
+                    </a:p>
+                  </a:txBody>
+                  <a:tcPr marL="9525" marR="9525" marT="9525" marB="0" anchor="b"/>
+                </a:tc>
+                <a:tc>
+                  <a:txBody>
+                    <a:bodyPr/>
+                    <a:lstStyle/>
+                    <a:p>
+                      <a:pPr algn="r" fontAlgn="b">
+                        <a:buNone/>
+                      </a:pPr>
+                      <a:r>
+                        <a:rPr lang="en-SG" sz="1100" b="0" u="none" strike="noStrike" dirty="0">
+                          <a:solidFill>
+                            <a:srgbClr val="000000"/>
+                          </a:solidFill>
+                          <a:effectLst/>
+                        </a:rPr>
+                        <a:t>71.2</a:t>
+                      </a:r>
+                      <a:endParaRPr lang="en-SG" sz="1100" b="0" i="0" u="none" strike="noStrike" dirty="0">
+                        <a:solidFill>
+                          <a:srgbClr val="000000"/>
+                        </a:solidFill>
+                        <a:effectLst/>
+                        <a:latin typeface="Aptos Narrow" panose="020B0004020202020204" pitchFamily="34" charset="0"/>
+                      </a:endParaRPr>
+                    </a:p>
+                  </a:txBody>
+                  <a:tcPr marL="9525" marR="9525" marT="9525" marB="0" anchor="b"/>
+                </a:tc>
+                <a:extLst>
+                  <a:ext uri="{0D108BD9-81ED-4DB2-BD59-A6C34878D82A}">
+                    <a16:rowId xmlns:a16="http://schemas.microsoft.com/office/drawing/2014/main" val="3388513585"/>
+                  </a:ext>
+                </a:extLst>
+              </a:tr>
+              <a:tr h="190500">
+                <a:tc>
+                  <a:txBody>
+                    <a:bodyPr/>
+                    <a:lstStyle/>
+                    <a:p>
+                      <a:pPr algn="l" fontAlgn="b">
+                        <a:buNone/>
+                      </a:pPr>
+                      <a:r>
+                        <a:rPr lang="en-SG" sz="1100" b="0" u="none" strike="noStrike">
+                          <a:solidFill>
+                            <a:srgbClr val="000000"/>
+                          </a:solidFill>
+                          <a:effectLst/>
+                        </a:rPr>
+                        <a:t>MutaCraft</a:t>
+                      </a:r>
+                      <a:endParaRPr lang="en-SG" sz="1100" b="0" i="0" u="none" strike="noStrike">
+                        <a:solidFill>
+                          <a:srgbClr val="000000"/>
+                        </a:solidFill>
+                        <a:effectLst/>
+                        <a:latin typeface="Aptos Narrow" panose="020B0004020202020204" pitchFamily="34" charset="0"/>
+                      </a:endParaRPr>
+                    </a:p>
+                  </a:txBody>
+                  <a:tcPr marL="9525" marR="9525" marT="9525" marB="0" anchor="b"/>
+                </a:tc>
+                <a:tc>
+                  <a:txBody>
+                    <a:bodyPr/>
+                    <a:lstStyle/>
+                    <a:p>
+                      <a:pPr algn="r" fontAlgn="b">
+                        <a:buNone/>
+                      </a:pPr>
+                      <a:r>
+                        <a:rPr lang="en-SG" sz="1100" b="0" u="none" strike="noStrike">
+                          <a:solidFill>
+                            <a:srgbClr val="000000"/>
+                          </a:solidFill>
+                          <a:effectLst/>
+                        </a:rPr>
+                        <a:t>0.766</a:t>
+                      </a:r>
+                      <a:endParaRPr lang="en-SG" sz="1100" b="0" i="0" u="none" strike="noStrike">
+                        <a:solidFill>
+                          <a:srgbClr val="000000"/>
+                        </a:solidFill>
+                        <a:effectLst/>
+                        <a:latin typeface="Aptos Narrow" panose="020B0004020202020204" pitchFamily="34" charset="0"/>
+                      </a:endParaRPr>
+                    </a:p>
+                  </a:txBody>
+                  <a:tcPr marL="9525" marR="9525" marT="9525" marB="0" anchor="b"/>
+                </a:tc>
+                <a:tc>
+                  <a:txBody>
+                    <a:bodyPr/>
+                    <a:lstStyle/>
+                    <a:p>
+                      <a:pPr algn="r" fontAlgn="b">
+                        <a:buNone/>
+                      </a:pPr>
+                      <a:r>
+                        <a:rPr lang="en-SG" sz="1100" b="0" u="none" strike="noStrike">
+                          <a:solidFill>
+                            <a:srgbClr val="000000"/>
+                          </a:solidFill>
+                          <a:effectLst/>
+                        </a:rPr>
+                        <a:t>0.8</a:t>
+                      </a:r>
+                      <a:endParaRPr lang="en-SG" sz="1100" b="0" i="0" u="none" strike="noStrike">
+                        <a:solidFill>
+                          <a:srgbClr val="000000"/>
+                        </a:solidFill>
+                        <a:effectLst/>
+                        <a:latin typeface="Aptos Narrow" panose="020B0004020202020204" pitchFamily="34" charset="0"/>
+                      </a:endParaRPr>
+                    </a:p>
+                  </a:txBody>
+                  <a:tcPr marL="9525" marR="9525" marT="9525" marB="0" anchor="b"/>
+                </a:tc>
+                <a:tc>
+                  <a:txBody>
+                    <a:bodyPr/>
+                    <a:lstStyle/>
+                    <a:p>
+                      <a:pPr algn="r" fontAlgn="b">
+                        <a:buNone/>
+                      </a:pPr>
+                      <a:r>
+                        <a:rPr lang="en-SG" sz="1100" b="0" u="none" strike="noStrike">
+                          <a:solidFill>
+                            <a:srgbClr val="000000"/>
+                          </a:solidFill>
+                          <a:effectLst/>
+                        </a:rPr>
+                        <a:t>0.73</a:t>
+                      </a:r>
+                      <a:endParaRPr lang="en-SG" sz="1100" b="0" i="0" u="none" strike="noStrike">
+                        <a:solidFill>
+                          <a:srgbClr val="000000"/>
+                        </a:solidFill>
+                        <a:effectLst/>
+                        <a:latin typeface="Aptos Narrow" panose="020B0004020202020204" pitchFamily="34" charset="0"/>
+                      </a:endParaRPr>
+                    </a:p>
+                  </a:txBody>
+                  <a:tcPr marL="9525" marR="9525" marT="9525" marB="0" anchor="b"/>
+                </a:tc>
+                <a:tc>
+                  <a:txBody>
+                    <a:bodyPr/>
+                    <a:lstStyle/>
+                    <a:p>
+                      <a:pPr algn="r" fontAlgn="b">
+                        <a:buNone/>
+                      </a:pPr>
+                      <a:r>
+                        <a:rPr lang="en-SG" sz="1100" b="0" u="none" strike="noStrike">
+                          <a:solidFill>
+                            <a:srgbClr val="000000"/>
+                          </a:solidFill>
+                          <a:effectLst/>
+                        </a:rPr>
+                        <a:t>0.7525</a:t>
+                      </a:r>
+                      <a:endParaRPr lang="en-SG" sz="1100" b="0" i="0" u="none" strike="noStrike">
+                        <a:solidFill>
+                          <a:srgbClr val="000000"/>
+                        </a:solidFill>
+                        <a:effectLst/>
+                        <a:latin typeface="Aptos Narrow" panose="020B0004020202020204" pitchFamily="34" charset="0"/>
+                      </a:endParaRPr>
+                    </a:p>
+                  </a:txBody>
+                  <a:tcPr marL="9525" marR="9525" marT="9525" marB="0" anchor="b"/>
+                </a:tc>
+                <a:tc>
+                  <a:txBody>
+                    <a:bodyPr/>
+                    <a:lstStyle/>
+                    <a:p>
+                      <a:pPr algn="r" fontAlgn="b">
+                        <a:buNone/>
+                      </a:pPr>
+                      <a:r>
+                        <a:rPr lang="en-SG" sz="1100" b="0" u="none" strike="noStrike">
+                          <a:solidFill>
+                            <a:srgbClr val="000000"/>
+                          </a:solidFill>
+                          <a:effectLst/>
+                        </a:rPr>
+                        <a:t>0.765</a:t>
+                      </a:r>
+                      <a:endParaRPr lang="en-SG" sz="1100" b="0" i="0" u="none" strike="noStrike">
+                        <a:solidFill>
+                          <a:srgbClr val="000000"/>
+                        </a:solidFill>
+                        <a:effectLst/>
+                        <a:latin typeface="Aptos Narrow" panose="020B0004020202020204" pitchFamily="34" charset="0"/>
+                      </a:endParaRPr>
+                    </a:p>
+                  </a:txBody>
+                  <a:tcPr marL="9525" marR="9525" marT="9525" marB="0" anchor="b"/>
+                </a:tc>
+                <a:tc>
+                  <a:txBody>
+                    <a:bodyPr/>
+                    <a:lstStyle/>
+                    <a:p>
+                      <a:pPr algn="r" fontAlgn="b">
+                        <a:buNone/>
+                      </a:pPr>
+                      <a:r>
+                        <a:rPr lang="en-SG" sz="1100" b="0" u="none" strike="noStrike">
+                          <a:solidFill>
+                            <a:srgbClr val="000000"/>
+                          </a:solidFill>
+                          <a:effectLst/>
+                        </a:rPr>
+                        <a:t>0.78</a:t>
+                      </a:r>
+                      <a:endParaRPr lang="en-SG" sz="1100" b="0" i="0" u="none" strike="noStrike">
+                        <a:solidFill>
+                          <a:srgbClr val="000000"/>
+                        </a:solidFill>
+                        <a:effectLst/>
+                        <a:latin typeface="Aptos Narrow" panose="020B0004020202020204" pitchFamily="34" charset="0"/>
+                      </a:endParaRPr>
+                    </a:p>
+                  </a:txBody>
+                  <a:tcPr marL="9525" marR="9525" marT="9525" marB="0" anchor="b"/>
+                </a:tc>
+                <a:tc>
+                  <a:txBody>
+                    <a:bodyPr/>
+                    <a:lstStyle/>
+                    <a:p>
+                      <a:pPr algn="r" fontAlgn="b">
+                        <a:buNone/>
+                      </a:pPr>
+                      <a:r>
+                        <a:rPr lang="en-SG" sz="1100" b="0" u="none" strike="noStrike">
+                          <a:solidFill>
+                            <a:srgbClr val="000000"/>
+                          </a:solidFill>
+                          <a:effectLst/>
+                        </a:rPr>
+                        <a:t>0.476</a:t>
+                      </a:r>
+                      <a:endParaRPr lang="en-SG" sz="1100" b="0" i="0" u="none" strike="noStrike">
+                        <a:solidFill>
+                          <a:srgbClr val="000000"/>
+                        </a:solidFill>
+                        <a:effectLst/>
+                        <a:latin typeface="Aptos Narrow" panose="020B0004020202020204" pitchFamily="34" charset="0"/>
+                      </a:endParaRPr>
+                    </a:p>
+                  </a:txBody>
+                  <a:tcPr marL="9525" marR="9525" marT="9525" marB="0" anchor="b"/>
+                </a:tc>
+                <a:tc>
+                  <a:txBody>
+                    <a:bodyPr/>
+                    <a:lstStyle/>
+                    <a:p>
+                      <a:pPr algn="r" fontAlgn="b">
+                        <a:buNone/>
+                      </a:pPr>
+                      <a:r>
+                        <a:rPr lang="en-SG" sz="1100" b="0" u="none" strike="noStrike">
+                          <a:solidFill>
+                            <a:srgbClr val="000000"/>
+                          </a:solidFill>
+                          <a:effectLst/>
+                        </a:rPr>
+                        <a:t>0.52</a:t>
+                      </a:r>
+                      <a:endParaRPr lang="en-SG" sz="1100" b="0" i="0" u="none" strike="noStrike">
+                        <a:solidFill>
+                          <a:srgbClr val="000000"/>
+                        </a:solidFill>
+                        <a:effectLst/>
+                        <a:latin typeface="Aptos Narrow" panose="020B0004020202020204" pitchFamily="34" charset="0"/>
+                      </a:endParaRPr>
+                    </a:p>
+                  </a:txBody>
+                  <a:tcPr marL="9525" marR="9525" marT="9525" marB="0" anchor="b"/>
+                </a:tc>
+                <a:tc>
+                  <a:txBody>
+                    <a:bodyPr/>
+                    <a:lstStyle/>
+                    <a:p>
+                      <a:pPr algn="r" fontAlgn="b">
+                        <a:buNone/>
+                      </a:pPr>
+                      <a:r>
+                        <a:rPr lang="en-SG" sz="1100" b="0" u="none" strike="noStrike">
+                          <a:solidFill>
+                            <a:srgbClr val="000000"/>
+                          </a:solidFill>
+                          <a:effectLst/>
+                        </a:rPr>
+                        <a:t>0.44</a:t>
+                      </a:r>
+                      <a:endParaRPr lang="en-SG" sz="1100" b="0" i="0" u="none" strike="noStrike">
+                        <a:solidFill>
+                          <a:srgbClr val="000000"/>
+                        </a:solidFill>
+                        <a:effectLst/>
+                        <a:latin typeface="Aptos Narrow" panose="020B0004020202020204" pitchFamily="34" charset="0"/>
+                      </a:endParaRPr>
+                    </a:p>
+                  </a:txBody>
+                  <a:tcPr marL="9525" marR="9525" marT="9525" marB="0" anchor="b"/>
+                </a:tc>
+                <a:tc>
+                  <a:txBody>
+                    <a:bodyPr/>
+                    <a:lstStyle/>
+                    <a:p>
+                      <a:pPr algn="r" fontAlgn="b">
+                        <a:buNone/>
+                      </a:pPr>
+                      <a:r>
+                        <a:rPr lang="en-SG" sz="1100" b="0" u="none" strike="noStrike">
+                          <a:solidFill>
+                            <a:srgbClr val="000000"/>
+                          </a:solidFill>
+                          <a:effectLst/>
+                        </a:rPr>
+                        <a:t>0.4625</a:t>
+                      </a:r>
+                      <a:endParaRPr lang="en-SG" sz="1100" b="0" i="0" u="none" strike="noStrike">
+                        <a:solidFill>
+                          <a:srgbClr val="000000"/>
+                        </a:solidFill>
+                        <a:effectLst/>
+                        <a:latin typeface="Aptos Narrow" panose="020B0004020202020204" pitchFamily="34" charset="0"/>
+                      </a:endParaRPr>
+                    </a:p>
+                  </a:txBody>
+                  <a:tcPr marL="9525" marR="9525" marT="9525" marB="0" anchor="b"/>
+                </a:tc>
+                <a:tc>
+                  <a:txBody>
+                    <a:bodyPr/>
+                    <a:lstStyle/>
+                    <a:p>
+                      <a:pPr algn="r" fontAlgn="b">
+                        <a:buNone/>
+                      </a:pPr>
+                      <a:r>
+                        <a:rPr lang="en-SG" sz="1100" b="0" u="none" strike="noStrike">
+                          <a:solidFill>
+                            <a:srgbClr val="000000"/>
+                          </a:solidFill>
+                          <a:effectLst/>
+                        </a:rPr>
+                        <a:t>0.475</a:t>
+                      </a:r>
+                      <a:endParaRPr lang="en-SG" sz="1100" b="0" i="0" u="none" strike="noStrike">
+                        <a:solidFill>
+                          <a:srgbClr val="000000"/>
+                        </a:solidFill>
+                        <a:effectLst/>
+                        <a:latin typeface="Aptos Narrow" panose="020B0004020202020204" pitchFamily="34" charset="0"/>
+                      </a:endParaRPr>
+                    </a:p>
+                  </a:txBody>
+                  <a:tcPr marL="9525" marR="9525" marT="9525" marB="0" anchor="b"/>
+                </a:tc>
+                <a:tc>
+                  <a:txBody>
+                    <a:bodyPr/>
+                    <a:lstStyle/>
+                    <a:p>
+                      <a:pPr algn="r" fontAlgn="b">
+                        <a:buNone/>
+                      </a:pPr>
+                      <a:r>
+                        <a:rPr lang="en-SG" sz="1100" b="0" u="none" strike="noStrike">
+                          <a:solidFill>
+                            <a:srgbClr val="000000"/>
+                          </a:solidFill>
+                          <a:effectLst/>
+                        </a:rPr>
+                        <a:t>0.4875</a:t>
+                      </a:r>
+                      <a:endParaRPr lang="en-SG" sz="1100" b="0" i="0" u="none" strike="noStrike">
+                        <a:solidFill>
+                          <a:srgbClr val="000000"/>
+                        </a:solidFill>
+                        <a:effectLst/>
+                        <a:latin typeface="Aptos Narrow" panose="020B0004020202020204" pitchFamily="34" charset="0"/>
+                      </a:endParaRPr>
+                    </a:p>
+                  </a:txBody>
+                  <a:tcPr marL="9525" marR="9525" marT="9525" marB="0" anchor="b"/>
+                </a:tc>
+                <a:tc>
+                  <a:txBody>
+                    <a:bodyPr/>
+                    <a:lstStyle/>
+                    <a:p>
+                      <a:pPr algn="r" fontAlgn="b">
+                        <a:buNone/>
+                      </a:pPr>
+                      <a:r>
+                        <a:rPr lang="en-SG" sz="1100" b="0" u="none" strike="noStrike">
+                          <a:solidFill>
+                            <a:srgbClr val="000000"/>
+                          </a:solidFill>
+                          <a:effectLst/>
+                        </a:rPr>
+                        <a:t>354.6</a:t>
+                      </a:r>
+                      <a:endParaRPr lang="en-SG" sz="1100" b="0" i="0" u="none" strike="noStrike">
+                        <a:solidFill>
+                          <a:srgbClr val="000000"/>
+                        </a:solidFill>
+                        <a:effectLst/>
+                        <a:latin typeface="Aptos Narrow" panose="020B0004020202020204" pitchFamily="34" charset="0"/>
+                      </a:endParaRPr>
+                    </a:p>
+                  </a:txBody>
+                  <a:tcPr marL="9525" marR="9525" marT="9525" marB="0" anchor="b"/>
+                </a:tc>
+                <a:tc>
+                  <a:txBody>
+                    <a:bodyPr/>
+                    <a:lstStyle/>
+                    <a:p>
+                      <a:pPr algn="r" fontAlgn="b">
+                        <a:buNone/>
+                      </a:pPr>
+                      <a:r>
+                        <a:rPr lang="en-SG" sz="1100" b="0" u="none" strike="noStrike" dirty="0">
+                          <a:solidFill>
+                            <a:srgbClr val="000000"/>
+                          </a:solidFill>
+                          <a:effectLst/>
+                        </a:rPr>
+                        <a:t>70</a:t>
+                      </a:r>
+                      <a:endParaRPr lang="en-SG" sz="1100" b="0" i="0" u="none" strike="noStrike" dirty="0">
+                        <a:solidFill>
+                          <a:srgbClr val="000000"/>
+                        </a:solidFill>
+                        <a:effectLst/>
+                        <a:latin typeface="Aptos Narrow" panose="020B0004020202020204" pitchFamily="34" charset="0"/>
+                      </a:endParaRPr>
+                    </a:p>
+                  </a:txBody>
+                  <a:tcPr marL="9525" marR="9525" marT="9525" marB="0" anchor="b"/>
+                </a:tc>
+                <a:extLst>
+                  <a:ext uri="{0D108BD9-81ED-4DB2-BD59-A6C34878D82A}">
+                    <a16:rowId xmlns:a16="http://schemas.microsoft.com/office/drawing/2014/main" val="3231636157"/>
+                  </a:ext>
+                </a:extLst>
+              </a:tr>
+            </a:tbl>
+          </a:graphicData>
+        </a:graphic>
+      </p:graphicFrame>
+      <p:sp>
+        <p:nvSpPr>
+          <p:cNvPr id="10" name="TextBox 9">
+            <a:extLst>
+              <a:ext uri="{FF2B5EF4-FFF2-40B4-BE49-F238E27FC236}">
+                <a16:creationId xmlns:a16="http://schemas.microsoft.com/office/drawing/2014/main" id="{81BDF9E9-9DC7-4C61-722D-23088892FCD1}"/>
+              </a:ext>
+            </a:extLst>
+          </p:cNvPr>
+          <p:cNvSpPr txBox="1"/>
+          <p:nvPr/>
+        </p:nvSpPr>
+        <p:spPr>
+          <a:xfrm>
+            <a:off x="4300750" y="1097784"/>
+            <a:ext cx="3472489" cy="646331"/>
+          </a:xfrm>
+          <a:prstGeom prst="rect">
+            <a:avLst/>
+          </a:prstGeom>
+          <a:noFill/>
+        </p:spPr>
+        <p:txBody>
+          <a:bodyPr wrap="none" rtlCol="0">
+            <a:spAutoFit/>
+          </a:bodyPr>
+          <a:lstStyle/>
+          <a:p>
+            <a:r>
+              <a:rPr lang="en-SG" dirty="0"/>
+              <a:t>For </a:t>
+            </a:r>
+            <a:r>
+              <a:rPr lang="en-SG" dirty="0" err="1"/>
+              <a:t>plddt</a:t>
+            </a:r>
+            <a:r>
+              <a:rPr lang="en-SG" dirty="0"/>
+              <a:t> and </a:t>
+            </a:r>
+            <a:r>
+              <a:rPr lang="en-SG" dirty="0" err="1"/>
+              <a:t>iptm</a:t>
+            </a:r>
+            <a:r>
+              <a:rPr lang="en-SG" dirty="0"/>
+              <a:t>, higher is better</a:t>
+            </a:r>
+          </a:p>
+          <a:p>
+            <a:endParaRPr lang="en-SG" dirty="0"/>
+          </a:p>
+        </p:txBody>
+      </p:sp>
+    </p:spTree>
+    <p:extLst>
+      <p:ext uri="{BB962C8B-B14F-4D97-AF65-F5344CB8AC3E}">
+        <p14:creationId xmlns:p14="http://schemas.microsoft.com/office/powerpoint/2010/main" val="430437877"/>
       </p:ext>
     </p:extLst>
   </p:cSld>
@@ -10051,6 +14037,7 @@
           <a:lstStyle/>
           <a:p>
             <a:r>
+              <a:rPr dirty="0"/>
               <a:t>What Diffusion Models Are</a:t>
             </a:r>
           </a:p>
@@ -10068,7 +14055,9 @@
         </p:nvSpPr>
         <p:spPr/>
         <p:txBody>
-          <a:bodyPr/>
+          <a:bodyPr>
+            <a:normAutofit/>
+          </a:bodyPr>
           <a:lstStyle/>
           <a:p>
             <a:r>
@@ -10107,12 +14096,42 @@
               <a:rPr dirty="0"/>
               <a:t>, start from noise and iteratively refine</a:t>
             </a:r>
-          </a:p>
-          <a:p>
-            <a:r>
-              <a:rPr dirty="0"/>
-              <a:t>Naturally suited for structured geometric data</a:t>
-            </a:r>
+            <a:endParaRPr lang="en-SG" dirty="0"/>
+          </a:p>
+          <a:p>
+            <a:pPr lvl="1"/>
+            <a:r>
+              <a:rPr lang="en-SG" sz="1000" dirty="0"/>
+              <a:t>DDPM sampling: Add fresh random noise after removing noise</a:t>
+            </a:r>
+          </a:p>
+          <a:p>
+            <a:pPr lvl="1"/>
+            <a:r>
+              <a:rPr lang="en-SG" sz="1000" dirty="0"/>
+              <a:t>DDIM sampling: </a:t>
+            </a:r>
+            <a:r>
+              <a:rPr lang="en-US" sz="1000" dirty="0"/>
+              <a:t>Do not add new random noise (</a:t>
+            </a:r>
+            <a:r>
+              <a:rPr lang="en-US" sz="1000" dirty="0" err="1"/>
+              <a:t>RFDiffusion</a:t>
+            </a:r>
+            <a:r>
+              <a:rPr lang="en-US" sz="1000" dirty="0"/>
+              <a:t>)</a:t>
+            </a:r>
+            <a:endParaRPr lang="en-SG" sz="1000" dirty="0"/>
+          </a:p>
+          <a:p>
+            <a:pPr lvl="1"/>
+            <a:endParaRPr dirty="0"/>
+          </a:p>
+          <a:p>
+            <a:pPr lvl="1"/>
+            <a:endParaRPr dirty="0"/>
           </a:p>
         </p:txBody>
       </p:sp>
@@ -10145,8 +14164,8 @@
         </p:blipFill>
         <p:spPr bwMode="auto">
           <a:xfrm>
-            <a:off x="3812710" y="4917225"/>
-            <a:ext cx="4444659" cy="1730802"/>
+            <a:off x="4861589" y="4021084"/>
+            <a:ext cx="6351707" cy="2473429"/>
           </a:xfrm>
           <a:prstGeom prst="rect">
             <a:avLst/>
@@ -10172,6 +14191,398 @@
 </file>
 
 <file path=ppt/slides/slide6.xml><?xml version="1.0" encoding="utf-8"?>
+<p:sld xmlns:a="http://schemas.openxmlformats.org/drawingml/2006/main" xmlns:r="http://schemas.openxmlformats.org/officeDocument/2006/relationships" xmlns:p="http://schemas.openxmlformats.org/presentationml/2006/main">
+  <p:cSld>
+    <p:spTree>
+      <p:nvGrpSpPr>
+        <p:cNvPr id="1" name="">
+          <a:extLst>
+            <a:ext uri="{FF2B5EF4-FFF2-40B4-BE49-F238E27FC236}">
+              <a16:creationId xmlns:a16="http://schemas.microsoft.com/office/drawing/2014/main" id="{976E277D-D1A1-AC59-C937-D71C8DDB106A}"/>
+            </a:ext>
+          </a:extLst>
+        </p:cNvPr>
+        <p:cNvGrpSpPr/>
+        <p:nvPr/>
+      </p:nvGrpSpPr>
+      <p:grpSpPr>
+        <a:xfrm>
+          <a:off x="0" y="0"/>
+          <a:ext cx="0" cy="0"/>
+          <a:chOff x="0" y="0"/>
+          <a:chExt cx="0" cy="0"/>
+        </a:xfrm>
+      </p:grpSpPr>
+      <p:sp>
+        <p:nvSpPr>
+          <p:cNvPr id="2" name="Title 1">
+            <a:extLst>
+              <a:ext uri="{FF2B5EF4-FFF2-40B4-BE49-F238E27FC236}">
+                <a16:creationId xmlns:a16="http://schemas.microsoft.com/office/drawing/2014/main" id="{6E6C9892-A28D-41FD-B18D-C1AD00EA04CB}"/>
+              </a:ext>
+            </a:extLst>
+          </p:cNvPr>
+          <p:cNvSpPr>
+            <a:spLocks noGrp="1"/>
+          </p:cNvSpPr>
+          <p:nvPr>
+            <p:ph type="title"/>
+          </p:nvPr>
+        </p:nvSpPr>
+        <p:spPr/>
+        <p:txBody>
+          <a:bodyPr/>
+          <a:lstStyle/>
+          <a:p>
+            <a:r>
+              <a:rPr lang="en-SG" dirty="0"/>
+              <a:t>How</a:t>
+            </a:r>
+            <a:r>
+              <a:rPr dirty="0"/>
+              <a:t> Diffusion Models Are</a:t>
+            </a:r>
+            <a:r>
+              <a:rPr lang="en-SG" dirty="0"/>
+              <a:t> Trained</a:t>
+            </a:r>
+            <a:endParaRPr dirty="0"/>
+          </a:p>
+        </p:txBody>
+      </p:sp>
+      <p:sp>
+        <p:nvSpPr>
+          <p:cNvPr id="3" name="Content Placeholder 2">
+            <a:extLst>
+              <a:ext uri="{FF2B5EF4-FFF2-40B4-BE49-F238E27FC236}">
+                <a16:creationId xmlns:a16="http://schemas.microsoft.com/office/drawing/2014/main" id="{EFADE773-1494-4CCE-6C70-519CA687BD30}"/>
+              </a:ext>
+            </a:extLst>
+          </p:cNvPr>
+          <p:cNvSpPr>
+            <a:spLocks noGrp="1"/>
+          </p:cNvSpPr>
+          <p:nvPr>
+            <p:ph idx="1"/>
+          </p:nvPr>
+        </p:nvSpPr>
+        <p:spPr/>
+        <p:txBody>
+          <a:bodyPr>
+            <a:normAutofit/>
+          </a:bodyPr>
+          <a:lstStyle/>
+          <a:p>
+            <a:r>
+              <a:rPr lang="en-SG" dirty="0"/>
+              <a:t>During training, model is given a random </a:t>
+            </a:r>
+            <a:r>
+              <a:rPr lang="en-US" dirty="0"/>
+              <a:t>xᵢ</a:t>
+            </a:r>
+            <a:r>
+              <a:rPr lang="en-SG" dirty="0"/>
+              <a:t>, and predicts the total noise </a:t>
+            </a:r>
+            <a:r>
+              <a:rPr lang="el-GR" dirty="0"/>
+              <a:t>ε</a:t>
+            </a:r>
+            <a:r>
+              <a:rPr lang="en-SG" dirty="0"/>
+              <a:t> used to create </a:t>
+            </a:r>
+            <a:r>
+              <a:rPr lang="en-US" dirty="0"/>
+              <a:t>xᵢ </a:t>
+            </a:r>
+          </a:p>
+          <a:p>
+            <a:r>
+              <a:rPr lang="en-SG" dirty="0"/>
+              <a:t>Model reasons how noisy </a:t>
+            </a:r>
+            <a:r>
+              <a:rPr lang="en-US" dirty="0"/>
+              <a:t>xᵢ</a:t>
+            </a:r>
+            <a:r>
+              <a:rPr lang="en-SG" dirty="0"/>
+              <a:t> is relative to the clean data </a:t>
+            </a:r>
+            <a:r>
+              <a:rPr lang="en-US" dirty="0"/>
+              <a:t>x₀</a:t>
+            </a:r>
+            <a:endParaRPr dirty="0"/>
+          </a:p>
+          <a:p>
+            <a:pPr marL="0" indent="0">
+              <a:buNone/>
+            </a:pPr>
+            <a:r>
+              <a:rPr lang="en-SG" sz="1400" dirty="0"/>
+              <a:t>For each training example:</a:t>
+            </a:r>
+            <a:endParaRPr lang="en-US" sz="1300" dirty="0"/>
+          </a:p>
+          <a:p>
+            <a:pPr marL="514350" indent="-514350">
+              <a:buFont typeface="+mj-lt"/>
+              <a:buAutoNum type="arabicPeriod"/>
+            </a:pPr>
+            <a:r>
+              <a:rPr lang="en-US" sz="1300" dirty="0"/>
+              <a:t>You start from a clean sample x₀</a:t>
+            </a:r>
+          </a:p>
+          <a:p>
+            <a:pPr marL="514350" indent="-514350">
+              <a:buFont typeface="+mj-lt"/>
+              <a:buAutoNum type="arabicPeriod"/>
+            </a:pPr>
+            <a:r>
+              <a:rPr lang="en-US" sz="1300" dirty="0"/>
+              <a:t>You pick a random timestep </a:t>
+            </a:r>
+            <a:r>
+              <a:rPr lang="en-US" sz="1300" dirty="0" err="1"/>
+              <a:t>i</a:t>
+            </a:r>
+            <a:endParaRPr lang="en-US" sz="1300" dirty="0"/>
+          </a:p>
+          <a:p>
+            <a:pPr marL="514350" indent="-514350">
+              <a:buFont typeface="+mj-lt"/>
+              <a:buAutoNum type="arabicPeriod"/>
+            </a:pPr>
+            <a:r>
+              <a:rPr lang="en-US" sz="1300" dirty="0"/>
+              <a:t>You generate xᵢ in one shot by adding noise according to the schedule</a:t>
+            </a:r>
+          </a:p>
+          <a:p>
+            <a:pPr marL="514350" indent="-514350">
+              <a:buFont typeface="+mj-lt"/>
+              <a:buAutoNum type="arabicPeriod"/>
+            </a:pPr>
+            <a:r>
+              <a:rPr lang="en-US" sz="1300" dirty="0"/>
+              <a:t>The model is given xᵢ and </a:t>
+            </a:r>
+            <a:r>
+              <a:rPr lang="en-US" sz="1300" dirty="0" err="1"/>
+              <a:t>i</a:t>
+            </a:r>
+            <a:endParaRPr lang="en-US" sz="1300" dirty="0"/>
+          </a:p>
+          <a:p>
+            <a:pPr marL="514350" indent="-514350">
+              <a:buFont typeface="+mj-lt"/>
+              <a:buAutoNum type="arabicPeriod"/>
+            </a:pPr>
+            <a:r>
+              <a:rPr lang="en-US" sz="1300" dirty="0"/>
+              <a:t>The training target is the noise ε that was used to construct xᵢ</a:t>
+            </a:r>
+          </a:p>
+          <a:p>
+            <a:pPr lvl="1"/>
+            <a:endParaRPr dirty="0"/>
+          </a:p>
+        </p:txBody>
+      </p:sp>
+      <p:pic>
+        <p:nvPicPr>
+          <p:cNvPr id="2050" name="Picture 2" descr="The forward and backward processes of the diffusion model. The credit... |  Download Scientific Diagram">
+            <a:extLst>
+              <a:ext uri="{FF2B5EF4-FFF2-40B4-BE49-F238E27FC236}">
+                <a16:creationId xmlns:a16="http://schemas.microsoft.com/office/drawing/2014/main" id="{AABD0ECB-D1E4-CC12-8C2C-6F4A0A0DE21F}"/>
+              </a:ext>
+            </a:extLst>
+          </p:cNvPr>
+          <p:cNvPicPr>
+            <a:picLocks noChangeAspect="1" noChangeArrowheads="1"/>
+          </p:cNvPicPr>
+          <p:nvPr/>
+        </p:nvPicPr>
+        <p:blipFill>
+          <a:blip r:embed="rId2">
+            <a:extLst>
+              <a:ext uri="{28A0092B-C50C-407E-A947-70E740481C1C}">
+                <a14:useLocalDpi xmlns:a14="http://schemas.microsoft.com/office/drawing/2010/main" val="0"/>
+              </a:ext>
+            </a:extLst>
+          </a:blip>
+          <a:srcRect/>
+          <a:stretch>
+            <a:fillRect/>
+          </a:stretch>
+        </p:blipFill>
+        <p:spPr bwMode="auto">
+          <a:xfrm>
+            <a:off x="5840293" y="4286127"/>
+            <a:ext cx="6351707" cy="2473429"/>
+          </a:xfrm>
+          <a:prstGeom prst="rect">
+            <a:avLst/>
+          </a:prstGeom>
+          <a:noFill/>
+          <a:extLst>
+            <a:ext uri="{909E8E84-426E-40DD-AFC4-6F175D3DCCD1}">
+              <a14:hiddenFill xmlns:a14="http://schemas.microsoft.com/office/drawing/2010/main">
+                <a:solidFill>
+                  <a:srgbClr val="FFFFFF"/>
+                </a:solidFill>
+              </a14:hiddenFill>
+            </a:ext>
+          </a:extLst>
+        </p:spPr>
+      </p:pic>
+    </p:spTree>
+    <p:extLst>
+      <p:ext uri="{BB962C8B-B14F-4D97-AF65-F5344CB8AC3E}">
+        <p14:creationId xmlns:p14="http://schemas.microsoft.com/office/powerpoint/2010/main" val="1610719664"/>
+      </p:ext>
+    </p:extLst>
+  </p:cSld>
+  <p:clrMapOvr>
+    <a:masterClrMapping/>
+  </p:clrMapOvr>
+</p:sld>
+</file>
+
+<file path=ppt/slides/slide7.xml><?xml version="1.0" encoding="utf-8"?>
+<p:sld xmlns:a="http://schemas.openxmlformats.org/drawingml/2006/main" xmlns:r="http://schemas.openxmlformats.org/officeDocument/2006/relationships" xmlns:p="http://schemas.openxmlformats.org/presentationml/2006/main">
+  <p:cSld>
+    <p:spTree>
+      <p:nvGrpSpPr>
+        <p:cNvPr id="1" name="">
+          <a:extLst>
+            <a:ext uri="{FF2B5EF4-FFF2-40B4-BE49-F238E27FC236}">
+              <a16:creationId xmlns:a16="http://schemas.microsoft.com/office/drawing/2014/main" id="{7BAD8E46-2E7A-1F4E-87B5-26FBEB4501A9}"/>
+            </a:ext>
+          </a:extLst>
+        </p:cNvPr>
+        <p:cNvGrpSpPr/>
+        <p:nvPr/>
+      </p:nvGrpSpPr>
+      <p:grpSpPr>
+        <a:xfrm>
+          <a:off x="0" y="0"/>
+          <a:ext cx="0" cy="0"/>
+          <a:chOff x="0" y="0"/>
+          <a:chExt cx="0" cy="0"/>
+        </a:xfrm>
+      </p:grpSpPr>
+      <p:sp>
+        <p:nvSpPr>
+          <p:cNvPr id="2" name="Title 1">
+            <a:extLst>
+              <a:ext uri="{FF2B5EF4-FFF2-40B4-BE49-F238E27FC236}">
+                <a16:creationId xmlns:a16="http://schemas.microsoft.com/office/drawing/2014/main" id="{1A25BC2C-2994-0386-B9CD-DE3EA5996609}"/>
+              </a:ext>
+            </a:extLst>
+          </p:cNvPr>
+          <p:cNvSpPr>
+            <a:spLocks noGrp="1"/>
+          </p:cNvSpPr>
+          <p:nvPr>
+            <p:ph type="title"/>
+          </p:nvPr>
+        </p:nvSpPr>
+        <p:spPr/>
+        <p:txBody>
+          <a:bodyPr/>
+          <a:lstStyle/>
+          <a:p>
+            <a:r>
+              <a:t>What Diffusion Models Are</a:t>
+            </a:r>
+          </a:p>
+        </p:txBody>
+      </p:sp>
+      <p:sp>
+        <p:nvSpPr>
+          <p:cNvPr id="3" name="Content Placeholder 2">
+            <a:extLst>
+              <a:ext uri="{FF2B5EF4-FFF2-40B4-BE49-F238E27FC236}">
+                <a16:creationId xmlns:a16="http://schemas.microsoft.com/office/drawing/2014/main" id="{6C163735-B1E3-25E7-C39B-CE990B906A29}"/>
+              </a:ext>
+            </a:extLst>
+          </p:cNvPr>
+          <p:cNvSpPr>
+            <a:spLocks noGrp="1"/>
+          </p:cNvSpPr>
+          <p:nvPr>
+            <p:ph idx="1"/>
+          </p:nvPr>
+        </p:nvSpPr>
+        <p:spPr/>
+        <p:txBody>
+          <a:bodyPr>
+            <a:normAutofit/>
+          </a:bodyPr>
+          <a:lstStyle/>
+          <a:p>
+            <a:r>
+              <a:rPr lang="en-US" dirty="0"/>
+              <a:t>Naturally suited for structured geometric data:</a:t>
+            </a:r>
+          </a:p>
+          <a:p>
+            <a:pPr lvl="1"/>
+            <a:r>
+              <a:rPr lang="en-US" dirty="0"/>
+              <a:t> Geometric coordinates live in continuous spaces</a:t>
+            </a:r>
+          </a:p>
+          <a:p>
+            <a:pPr lvl="1"/>
+            <a:r>
+              <a:rPr lang="en-US" dirty="0"/>
+              <a:t>Small changes in coordinates correspond to small changes in shape (Smooth transformations)</a:t>
+            </a:r>
+          </a:p>
+          <a:p>
+            <a:pPr lvl="1"/>
+            <a:r>
+              <a:rPr lang="en-US" dirty="0"/>
+              <a:t>When noise is added gradually, local geometric relationships are only slightly perturbed at each step (</a:t>
+            </a:r>
+            <a:r>
+              <a:rPr lang="en-SG" dirty="0"/>
+              <a:t>Local structure preservation)</a:t>
+            </a:r>
+          </a:p>
+          <a:p>
+            <a:pPr lvl="1"/>
+            <a:r>
+              <a:rPr lang="en-US" dirty="0"/>
+              <a:t>Geometric problems often have many valid solutions. Diffusion models learn a full probability distribution over shapes, not a single output</a:t>
+            </a:r>
+          </a:p>
+          <a:p>
+            <a:pPr lvl="1"/>
+            <a:endParaRPr dirty="0"/>
+          </a:p>
+        </p:txBody>
+      </p:sp>
+    </p:spTree>
+    <p:extLst>
+      <p:ext uri="{BB962C8B-B14F-4D97-AF65-F5344CB8AC3E}">
+        <p14:creationId xmlns:p14="http://schemas.microsoft.com/office/powerpoint/2010/main" val="1536315841"/>
+      </p:ext>
+    </p:extLst>
+  </p:cSld>
+  <p:clrMapOvr>
+    <a:masterClrMapping/>
+  </p:clrMapOvr>
+</p:sld>
+</file>
+
+<file path=ppt/slides/slide8.xml><?xml version="1.0" encoding="utf-8"?>
 <p:sld xmlns:a="http://schemas.openxmlformats.org/drawingml/2006/main" xmlns:r="http://schemas.openxmlformats.org/officeDocument/2006/relationships" xmlns:p="http://schemas.openxmlformats.org/presentationml/2006/main">
   <p:cSld>
     <p:spTree>
@@ -10204,7 +14615,16 @@
           <a:lstStyle/>
           <a:p>
             <a:r>
-              <a:t>Why Diffusion Works for Proteins</a:t>
+              <a:rPr dirty="0"/>
+              <a:t>Why Diffusion Works </a:t>
+            </a:r>
+            <a:r>
+              <a:rPr lang="en-SG" dirty="0"/>
+              <a:t>Well </a:t>
+            </a:r>
+            <a:r>
+              <a:rPr dirty="0"/>
+              <a:t>for Proteins</a:t>
             </a:r>
           </a:p>
         </p:txBody>
@@ -10267,7 +14687,7 @@
 </p:sld>
 </file>
 
-<file path=ppt/slides/slide7.xml><?xml version="1.0" encoding="utf-8"?>
+<file path=ppt/slides/slide9.xml><?xml version="1.0" encoding="utf-8"?>
 <p:sld xmlns:a="http://schemas.openxmlformats.org/drawingml/2006/main" xmlns:r="http://schemas.openxmlformats.org/officeDocument/2006/relationships" xmlns:p="http://schemas.openxmlformats.org/presentationml/2006/main">
   <p:cSld>
     <p:spTree>
@@ -10441,248 +14861,6 @@
           </a:extLst>
         </p:spPr>
       </p:pic>
-    </p:spTree>
-  </p:cSld>
-  <p:clrMapOvr>
-    <a:masterClrMapping/>
-  </p:clrMapOvr>
-</p:sld>
-</file>
-
-<file path=ppt/slides/slide8.xml><?xml version="1.0" encoding="utf-8"?>
-<p:sld xmlns:a="http://schemas.openxmlformats.org/drawingml/2006/main" xmlns:r="http://schemas.openxmlformats.org/officeDocument/2006/relationships" xmlns:p="http://schemas.openxmlformats.org/presentationml/2006/main">
-  <p:cSld>
-    <p:spTree>
-      <p:nvGrpSpPr>
-        <p:cNvPr id="1" name=""/>
-        <p:cNvGrpSpPr/>
-        <p:nvPr/>
-      </p:nvGrpSpPr>
-      <p:grpSpPr>
-        <a:xfrm>
-          <a:off x="0" y="0"/>
-          <a:ext cx="0" cy="0"/>
-          <a:chOff x="0" y="0"/>
-          <a:chExt cx="0" cy="0"/>
-        </a:xfrm>
-      </p:grpSpPr>
-      <p:sp>
-        <p:nvSpPr>
-          <p:cNvPr id="2" name="Title 1"/>
-          <p:cNvSpPr>
-            <a:spLocks noGrp="1"/>
-          </p:cNvSpPr>
-          <p:nvPr>
-            <p:ph type="title"/>
-          </p:nvPr>
-        </p:nvSpPr>
-        <p:spPr/>
-        <p:txBody>
-          <a:bodyPr/>
-          <a:lstStyle/>
-          <a:p>
-            <a:r>
-              <a:rPr dirty="0" err="1"/>
-              <a:t>RFdiffusion</a:t>
-            </a:r>
-            <a:r>
-              <a:rPr dirty="0"/>
-              <a:t> vs </a:t>
-            </a:r>
-            <a:r>
-              <a:rPr lang="en-SG" dirty="0"/>
-              <a:t>Traditional </a:t>
-            </a:r>
-            <a:r>
-              <a:rPr dirty="0"/>
-              <a:t>Heuristic Pipelines</a:t>
-            </a:r>
-          </a:p>
-        </p:txBody>
-      </p:sp>
-      <p:sp>
-        <p:nvSpPr>
-          <p:cNvPr id="3" name="Content Placeholder 2"/>
-          <p:cNvSpPr>
-            <a:spLocks noGrp="1"/>
-          </p:cNvSpPr>
-          <p:nvPr>
-            <p:ph idx="1"/>
-          </p:nvPr>
-        </p:nvSpPr>
-        <p:spPr/>
-        <p:txBody>
-          <a:bodyPr/>
-          <a:lstStyle/>
-          <a:p>
-            <a:r>
-              <a:rPr dirty="0"/>
-              <a:t>Diffusion: </a:t>
-            </a:r>
-            <a:r>
-              <a:rPr lang="en-SG" dirty="0"/>
-              <a:t>G</a:t>
-            </a:r>
-            <a:r>
-              <a:rPr dirty="0"/>
-              <a:t>lobal structure emerges naturally</a:t>
-            </a:r>
-          </a:p>
-          <a:p>
-            <a:r>
-              <a:rPr dirty="0"/>
-              <a:t>Heuristics: </a:t>
-            </a:r>
-            <a:r>
-              <a:rPr lang="en-SG" dirty="0"/>
-              <a:t>S</a:t>
-            </a:r>
-            <a:r>
-              <a:rPr dirty="0" err="1"/>
-              <a:t>tructure</a:t>
-            </a:r>
-            <a:r>
-              <a:rPr dirty="0"/>
-              <a:t> emerges only if scoring succeeds</a:t>
-            </a:r>
-          </a:p>
-          <a:p>
-            <a:r>
-              <a:rPr dirty="0"/>
-              <a:t>Diffusion reduces dependency on </a:t>
-            </a:r>
-            <a:r>
-              <a:rPr lang="en-SG" dirty="0"/>
-              <a:t>getting scoring/filtering criteria right</a:t>
-            </a:r>
-          </a:p>
-          <a:p>
-            <a:pPr lvl="1"/>
-            <a:r>
-              <a:rPr lang="en-SG" dirty="0"/>
-              <a:t>Energy functions, heuristic filters, manually tuned variables, etc have to be correct in Traditional approaches</a:t>
-            </a:r>
-          </a:p>
-          <a:p>
-            <a:r>
-              <a:rPr dirty="0"/>
-              <a:t>Better coverage of structural space</a:t>
-            </a:r>
-            <a:endParaRPr lang="en-SG" dirty="0"/>
-          </a:p>
-          <a:p>
-            <a:pPr lvl="1"/>
-            <a:r>
-              <a:rPr lang="en-SG" dirty="0"/>
-              <a:t>Can explore the full range of possible structures</a:t>
-            </a:r>
-            <a:endParaRPr dirty="0"/>
-          </a:p>
-        </p:txBody>
-      </p:sp>
-    </p:spTree>
-  </p:cSld>
-  <p:clrMapOvr>
-    <a:masterClrMapping/>
-  </p:clrMapOvr>
-</p:sld>
-</file>
-
-<file path=ppt/slides/slide9.xml><?xml version="1.0" encoding="utf-8"?>
-<p:sld xmlns:a="http://schemas.openxmlformats.org/drawingml/2006/main" xmlns:r="http://schemas.openxmlformats.org/officeDocument/2006/relationships" xmlns:p="http://schemas.openxmlformats.org/presentationml/2006/main">
-  <p:cSld>
-    <p:spTree>
-      <p:nvGrpSpPr>
-        <p:cNvPr id="1" name=""/>
-        <p:cNvGrpSpPr/>
-        <p:nvPr/>
-      </p:nvGrpSpPr>
-      <p:grpSpPr>
-        <a:xfrm>
-          <a:off x="0" y="0"/>
-          <a:ext cx="0" cy="0"/>
-          <a:chOff x="0" y="0"/>
-          <a:chExt cx="0" cy="0"/>
-        </a:xfrm>
-      </p:grpSpPr>
-      <p:sp>
-        <p:nvSpPr>
-          <p:cNvPr id="2" name="Title 1"/>
-          <p:cNvSpPr>
-            <a:spLocks noGrp="1"/>
-          </p:cNvSpPr>
-          <p:nvPr>
-            <p:ph type="title"/>
-          </p:nvPr>
-        </p:nvSpPr>
-        <p:spPr/>
-        <p:txBody>
-          <a:bodyPr/>
-          <a:lstStyle/>
-          <a:p>
-            <a:r>
-              <a:t>BindCraft (AlphaFold-Guided Mutation)</a:t>
-            </a:r>
-          </a:p>
-        </p:txBody>
-      </p:sp>
-      <p:sp>
-        <p:nvSpPr>
-          <p:cNvPr id="3" name="Content Placeholder 2"/>
-          <p:cNvSpPr>
-            <a:spLocks noGrp="1"/>
-          </p:cNvSpPr>
-          <p:nvPr>
-            <p:ph idx="1"/>
-          </p:nvPr>
-        </p:nvSpPr>
-        <p:spPr/>
-        <p:txBody>
-          <a:bodyPr/>
-          <a:lstStyle/>
-          <a:p>
-            <a:r>
-              <a:rPr dirty="0"/>
-              <a:t>Starts from random or semi-random sequences</a:t>
-            </a:r>
-          </a:p>
-          <a:p>
-            <a:r>
-              <a:rPr dirty="0"/>
-              <a:t>Uses AlphaFold2 </a:t>
-            </a:r>
-            <a:r>
-              <a:rPr lang="en-SG" dirty="0"/>
-              <a:t>to guide the process</a:t>
-            </a:r>
-            <a:endParaRPr dirty="0"/>
-          </a:p>
-          <a:p>
-            <a:r>
-              <a:rPr dirty="0" err="1"/>
-              <a:t>Optimises</a:t>
-            </a:r>
-            <a:r>
-              <a:rPr dirty="0"/>
-              <a:t> sequences via staged mutation and filtering</a:t>
-            </a:r>
-          </a:p>
-          <a:p>
-            <a:r>
-              <a:rPr dirty="0"/>
-              <a:t>Structure emerges through repeated AF2 evaluations</a:t>
-            </a:r>
-            <a:endParaRPr lang="en-SG" dirty="0"/>
-          </a:p>
-          <a:p>
-            <a:r>
-              <a:rPr lang="en-SG" dirty="0"/>
-              <a:t>Good for small peptide binders</a:t>
-            </a:r>
-            <a:endParaRPr dirty="0"/>
-          </a:p>
-        </p:txBody>
-      </p:sp>
     </p:spTree>
   </p:cSld>
   <p:clrMapOvr>

--- a/Presentations/19 Jan 2026 RFdiffusion.pptx
+++ b/Presentations/19 Jan 2026 RFdiffusion.pptx
@@ -340,7 +340,7 @@
           <a:p>
             <a:fld id="{5BCAD085-E8A6-8845-BD4E-CB4CCA059FC4}" type="datetimeFigureOut">
               <a:rPr lang="en-US" smtClean="0"/>
-              <a:t>1/14/2026</a:t>
+              <a:t>1/15/2026</a:t>
             </a:fld>
             <a:endParaRPr lang="en-US"/>
           </a:p>
@@ -508,7 +508,7 @@
           <a:p>
             <a:fld id="{5BCAD085-E8A6-8845-BD4E-CB4CCA059FC4}" type="datetimeFigureOut">
               <a:rPr lang="en-US" smtClean="0"/>
-              <a:t>1/14/2026</a:t>
+              <a:t>1/15/2026</a:t>
             </a:fld>
             <a:endParaRPr lang="en-US"/>
           </a:p>
@@ -686,7 +686,7 @@
           <a:p>
             <a:fld id="{5BCAD085-E8A6-8845-BD4E-CB4CCA059FC4}" type="datetimeFigureOut">
               <a:rPr lang="en-US" smtClean="0"/>
-              <a:t>1/14/2026</a:t>
+              <a:t>1/15/2026</a:t>
             </a:fld>
             <a:endParaRPr lang="en-US"/>
           </a:p>
@@ -854,7 +854,7 @@
           <a:p>
             <a:fld id="{5BCAD085-E8A6-8845-BD4E-CB4CCA059FC4}" type="datetimeFigureOut">
               <a:rPr lang="en-US" smtClean="0"/>
-              <a:t>1/14/2026</a:t>
+              <a:t>1/15/2026</a:t>
             </a:fld>
             <a:endParaRPr lang="en-US"/>
           </a:p>
@@ -1099,7 +1099,7 @@
           <a:p>
             <a:fld id="{5BCAD085-E8A6-8845-BD4E-CB4CCA059FC4}" type="datetimeFigureOut">
               <a:rPr lang="en-US" smtClean="0"/>
-              <a:t>1/14/2026</a:t>
+              <a:t>1/15/2026</a:t>
             </a:fld>
             <a:endParaRPr lang="en-US"/>
           </a:p>
@@ -1384,7 +1384,7 @@
           <a:p>
             <a:fld id="{5BCAD085-E8A6-8845-BD4E-CB4CCA059FC4}" type="datetimeFigureOut">
               <a:rPr lang="en-US" smtClean="0"/>
-              <a:t>1/14/2026</a:t>
+              <a:t>1/15/2026</a:t>
             </a:fld>
             <a:endParaRPr lang="en-US"/>
           </a:p>
@@ -1803,7 +1803,7 @@
           <a:p>
             <a:fld id="{5BCAD085-E8A6-8845-BD4E-CB4CCA059FC4}" type="datetimeFigureOut">
               <a:rPr lang="en-US" smtClean="0"/>
-              <a:t>1/14/2026</a:t>
+              <a:t>1/15/2026</a:t>
             </a:fld>
             <a:endParaRPr lang="en-US"/>
           </a:p>
@@ -1920,7 +1920,7 @@
           <a:p>
             <a:fld id="{5BCAD085-E8A6-8845-BD4E-CB4CCA059FC4}" type="datetimeFigureOut">
               <a:rPr lang="en-US" smtClean="0"/>
-              <a:t>1/14/2026</a:t>
+              <a:t>1/15/2026</a:t>
             </a:fld>
             <a:endParaRPr lang="en-US"/>
           </a:p>
@@ -2015,7 +2015,7 @@
           <a:p>
             <a:fld id="{5BCAD085-E8A6-8845-BD4E-CB4CCA059FC4}" type="datetimeFigureOut">
               <a:rPr lang="en-US" smtClean="0"/>
-              <a:t>1/14/2026</a:t>
+              <a:t>1/15/2026</a:t>
             </a:fld>
             <a:endParaRPr lang="en-US"/>
           </a:p>
@@ -2290,7 +2290,7 @@
           <a:p>
             <a:fld id="{5BCAD085-E8A6-8845-BD4E-CB4CCA059FC4}" type="datetimeFigureOut">
               <a:rPr lang="en-US" smtClean="0"/>
-              <a:t>1/14/2026</a:t>
+              <a:t>1/15/2026</a:t>
             </a:fld>
             <a:endParaRPr lang="en-US"/>
           </a:p>
@@ -2542,7 +2542,7 @@
           <a:p>
             <a:fld id="{5BCAD085-E8A6-8845-BD4E-CB4CCA059FC4}" type="datetimeFigureOut">
               <a:rPr lang="en-US" smtClean="0"/>
-              <a:t>1/14/2026</a:t>
+              <a:t>1/15/2026</a:t>
             </a:fld>
             <a:endParaRPr lang="en-US"/>
           </a:p>
@@ -2753,7 +2753,7 @@
           <a:p>
             <a:fld id="{5BCAD085-E8A6-8845-BD4E-CB4CCA059FC4}" type="datetimeFigureOut">
               <a:rPr lang="en-US" smtClean="0"/>
-              <a:t>1/14/2026</a:t>
+              <a:t>1/15/2026</a:t>
             </a:fld>
             <a:endParaRPr lang="en-US"/>
           </a:p>
@@ -13726,8 +13726,8 @@
         </p:nvSpPr>
         <p:spPr>
           <a:xfrm>
-            <a:off x="4300750" y="1097784"/>
-            <a:ext cx="3472489" cy="646331"/>
+            <a:off x="3664645" y="1097784"/>
+            <a:ext cx="4007187" cy="923330"/>
           </a:xfrm>
           <a:prstGeom prst="rect">
             <a:avLst/>
@@ -13740,6 +13740,24 @@
           </a:bodyPr>
           <a:lstStyle/>
           <a:p>
+            <a:pPr marL="285750" indent="-285750">
+              <a:buFont typeface="Arial" panose="020B0604020202020204" pitchFamily="34" charset="0"/>
+              <a:buChar char="•"/>
+            </a:pPr>
+            <a:r>
+              <a:rPr lang="en-SG"/>
+              <a:t>Data across 10 </a:t>
+            </a:r>
+            <a:r>
+              <a:rPr lang="en-SG" dirty="0"/>
+              <a:t>runs of each algorithm</a:t>
+            </a:r>
+          </a:p>
+          <a:p>
+            <a:pPr marL="285750" indent="-285750">
+              <a:buFont typeface="Arial" panose="020B0604020202020204" pitchFamily="34" charset="0"/>
+              <a:buChar char="•"/>
+            </a:pPr>
             <a:r>
               <a:rPr lang="en-SG" dirty="0"/>
               <a:t>For </a:t>
@@ -13762,6 +13780,10 @@
             </a:r>
           </a:p>
           <a:p>
+            <a:pPr marL="285750" indent="-285750">
+              <a:buFont typeface="Arial" panose="020B0604020202020204" pitchFamily="34" charset="0"/>
+              <a:buChar char="•"/>
+            </a:pPr>
             <a:endParaRPr lang="en-SG" dirty="0"/>
           </a:p>
         </p:txBody>
